--- a/pythonBeginnerLecture/PythonPart16.pptx
+++ b/pythonBeginnerLecture/PythonPart16.pptx
@@ -5,10 +5,10 @@
     <p:sldMasterId id="2147483660" r:id="rId1"/>
   </p:sldMasterIdLst>
   <p:notesMasterIdLst>
-    <p:notesMasterId r:id="rId24"/>
+    <p:notesMasterId r:id="rId18"/>
   </p:notesMasterIdLst>
   <p:handoutMasterIdLst>
-    <p:handoutMasterId r:id="rId25"/>
+    <p:handoutMasterId r:id="rId19"/>
   </p:handoutMasterIdLst>
   <p:sldIdLst>
     <p:sldId id="256" r:id="rId2"/>
@@ -25,19 +25,13 @@
     <p:sldId id="360" r:id="rId13"/>
     <p:sldId id="384" r:id="rId14"/>
     <p:sldId id="386" r:id="rId15"/>
-    <p:sldId id="387" r:id="rId16"/>
-    <p:sldId id="344" r:id="rId17"/>
-    <p:sldId id="373" r:id="rId18"/>
-    <p:sldId id="379" r:id="rId19"/>
-    <p:sldId id="374" r:id="rId20"/>
-    <p:sldId id="380" r:id="rId21"/>
-    <p:sldId id="382" r:id="rId22"/>
-    <p:sldId id="305" r:id="rId23"/>
+    <p:sldId id="382" r:id="rId16"/>
+    <p:sldId id="305" r:id="rId17"/>
   </p:sldIdLst>
   <p:sldSz cx="12192000" cy="6858000"/>
   <p:notesSz cx="6858000" cy="9144000"/>
   <p:custDataLst>
-    <p:tags r:id="rId26"/>
+    <p:tags r:id="rId20"/>
   </p:custDataLst>
   <p:defaultTextStyle>
     <a:defPPr>
@@ -270,7 +264,7 @@
           <a:p>
             <a:fld id="{C075C123-D6CD-4046-9E13-CA7186604EF0}" type="datetimeFigureOut">
               <a:rPr lang="zh-CN" altLang="en-US" smtClean="0"/>
-              <a:t>2021/6/12</a:t>
+              <a:t>2021/6/13</a:t>
             </a:fld>
             <a:endParaRPr lang="zh-CN" altLang="en-US"/>
           </a:p>
@@ -435,7 +429,7 @@
           <a:p>
             <a:fld id="{9E26DC34-D585-42D5-89F7-991AD639A885}" type="datetimeFigureOut">
               <a:rPr lang="zh-CN" altLang="en-US" smtClean="0"/>
-              <a:t>2021/6/12</a:t>
+              <a:t>2021/6/13</a:t>
             </a:fld>
             <a:endParaRPr lang="zh-CN" altLang="en-US"/>
           </a:p>
@@ -1315,7 +1309,7 @@
     </p:spTree>
     <p:extLst>
       <p:ext uri="{BB962C8B-B14F-4D97-AF65-F5344CB8AC3E}">
-        <p14:creationId xmlns:p14="http://schemas.microsoft.com/office/powerpoint/2010/main" val="2719661691"/>
+        <p14:creationId xmlns:p14="http://schemas.microsoft.com/office/powerpoint/2010/main" val="3848803961"/>
       </p:ext>
     </p:extLst>
   </p:cSld>
@@ -1404,274 +1398,7 @@
     </p:spTree>
     <p:extLst>
       <p:ext uri="{BB962C8B-B14F-4D97-AF65-F5344CB8AC3E}">
-        <p14:creationId xmlns:p14="http://schemas.microsoft.com/office/powerpoint/2010/main" val="1899647954"/>
-      </p:ext>
-    </p:extLst>
-  </p:cSld>
-  <p:clrMapOvr>
-    <a:masterClrMapping/>
-  </p:clrMapOvr>
-</p:notes>
-</file>
-
-<file path=ppt/notesSlides/notesSlide17.xml><?xml version="1.0" encoding="utf-8"?>
-<p:notes xmlns:a="http://schemas.openxmlformats.org/drawingml/2006/main" xmlns:r="http://schemas.openxmlformats.org/officeDocument/2006/relationships" xmlns:p="http://schemas.openxmlformats.org/presentationml/2006/main">
-  <p:cSld>
-    <p:spTree>
-      <p:nvGrpSpPr>
-        <p:cNvPr id="1" name=""/>
-        <p:cNvGrpSpPr/>
-        <p:nvPr/>
-      </p:nvGrpSpPr>
-      <p:grpSpPr>
-        <a:xfrm>
-          <a:off x="0" y="0"/>
-          <a:ext cx="0" cy="0"/>
-          <a:chOff x="0" y="0"/>
-          <a:chExt cx="0" cy="0"/>
-        </a:xfrm>
-      </p:grpSpPr>
-      <p:sp>
-        <p:nvSpPr>
-          <p:cNvPr id="2" name="幻灯片图像占位符 1"/>
-          <p:cNvSpPr>
-            <a:spLocks noGrp="1" noRot="1" noChangeAspect="1"/>
-          </p:cNvSpPr>
-          <p:nvPr>
-            <p:ph type="sldImg"/>
-          </p:nvPr>
-        </p:nvSpPr>
-        <p:spPr>
-          <a:xfrm>
-            <a:off x="228600" y="630238"/>
-            <a:ext cx="5486400" cy="3086100"/>
-          </a:xfrm>
-        </p:spPr>
-      </p:sp>
-      <p:sp>
-        <p:nvSpPr>
-          <p:cNvPr id="3" name="备注占位符 2"/>
-          <p:cNvSpPr>
-            <a:spLocks noGrp="1"/>
-          </p:cNvSpPr>
-          <p:nvPr>
-            <p:ph type="body" idx="1"/>
-          </p:nvPr>
-        </p:nvSpPr>
-        <p:spPr/>
-        <p:txBody>
-          <a:bodyPr/>
-          <a:lstStyle/>
-          <a:p>
-            <a:endParaRPr lang="zh-CN" altLang="en-US"/>
-          </a:p>
-        </p:txBody>
-      </p:sp>
-      <p:sp>
-        <p:nvSpPr>
-          <p:cNvPr id="4" name="灯片编号占位符 3"/>
-          <p:cNvSpPr>
-            <a:spLocks noGrp="1"/>
-          </p:cNvSpPr>
-          <p:nvPr>
-            <p:ph type="sldNum" sz="quarter" idx="10"/>
-          </p:nvPr>
-        </p:nvSpPr>
-        <p:spPr/>
-        <p:txBody>
-          <a:bodyPr/>
-          <a:lstStyle/>
-          <a:p>
-            <a:fld id="{F1E2743B-58E3-4952-98AC-60B7F3305738}" type="slidenum">
-              <a:rPr lang="zh-CN" altLang="en-US" smtClean="0"/>
-              <a:t>17</a:t>
-            </a:fld>
-            <a:endParaRPr lang="zh-CN" altLang="en-US"/>
-          </a:p>
-        </p:txBody>
-      </p:sp>
-    </p:spTree>
-    <p:extLst>
-      <p:ext uri="{BB962C8B-B14F-4D97-AF65-F5344CB8AC3E}">
-        <p14:creationId xmlns:p14="http://schemas.microsoft.com/office/powerpoint/2010/main" val="3375625956"/>
-      </p:ext>
-    </p:extLst>
-  </p:cSld>
-  <p:clrMapOvr>
-    <a:masterClrMapping/>
-  </p:clrMapOvr>
-</p:notes>
-</file>
-
-<file path=ppt/notesSlides/notesSlide18.xml><?xml version="1.0" encoding="utf-8"?>
-<p:notes xmlns:a="http://schemas.openxmlformats.org/drawingml/2006/main" xmlns:r="http://schemas.openxmlformats.org/officeDocument/2006/relationships" xmlns:p="http://schemas.openxmlformats.org/presentationml/2006/main">
-  <p:cSld>
-    <p:spTree>
-      <p:nvGrpSpPr>
-        <p:cNvPr id="1" name=""/>
-        <p:cNvGrpSpPr/>
-        <p:nvPr/>
-      </p:nvGrpSpPr>
-      <p:grpSpPr>
-        <a:xfrm>
-          <a:off x="0" y="0"/>
-          <a:ext cx="0" cy="0"/>
-          <a:chOff x="0" y="0"/>
-          <a:chExt cx="0" cy="0"/>
-        </a:xfrm>
-      </p:grpSpPr>
-      <p:sp>
-        <p:nvSpPr>
-          <p:cNvPr id="2" name="幻灯片图像占位符 1"/>
-          <p:cNvSpPr>
-            <a:spLocks noGrp="1" noRot="1" noChangeAspect="1"/>
-          </p:cNvSpPr>
-          <p:nvPr>
-            <p:ph type="sldImg"/>
-          </p:nvPr>
-        </p:nvSpPr>
-        <p:spPr>
-          <a:xfrm>
-            <a:off x="228600" y="630238"/>
-            <a:ext cx="5486400" cy="3086100"/>
-          </a:xfrm>
-        </p:spPr>
-      </p:sp>
-      <p:sp>
-        <p:nvSpPr>
-          <p:cNvPr id="3" name="备注占位符 2"/>
-          <p:cNvSpPr>
-            <a:spLocks noGrp="1"/>
-          </p:cNvSpPr>
-          <p:nvPr>
-            <p:ph type="body" idx="1"/>
-          </p:nvPr>
-        </p:nvSpPr>
-        <p:spPr/>
-        <p:txBody>
-          <a:bodyPr/>
-          <a:lstStyle/>
-          <a:p>
-            <a:endParaRPr lang="zh-CN" altLang="en-US"/>
-          </a:p>
-        </p:txBody>
-      </p:sp>
-      <p:sp>
-        <p:nvSpPr>
-          <p:cNvPr id="4" name="灯片编号占位符 3"/>
-          <p:cNvSpPr>
-            <a:spLocks noGrp="1"/>
-          </p:cNvSpPr>
-          <p:nvPr>
-            <p:ph type="sldNum" sz="quarter" idx="10"/>
-          </p:nvPr>
-        </p:nvSpPr>
-        <p:spPr/>
-        <p:txBody>
-          <a:bodyPr/>
-          <a:lstStyle/>
-          <a:p>
-            <a:fld id="{F1E2743B-58E3-4952-98AC-60B7F3305738}" type="slidenum">
-              <a:rPr lang="zh-CN" altLang="en-US" smtClean="0"/>
-              <a:t>18</a:t>
-            </a:fld>
-            <a:endParaRPr lang="zh-CN" altLang="en-US"/>
-          </a:p>
-        </p:txBody>
-      </p:sp>
-    </p:spTree>
-    <p:extLst>
-      <p:ext uri="{BB962C8B-B14F-4D97-AF65-F5344CB8AC3E}">
-        <p14:creationId xmlns:p14="http://schemas.microsoft.com/office/powerpoint/2010/main" val="4214436284"/>
-      </p:ext>
-    </p:extLst>
-  </p:cSld>
-  <p:clrMapOvr>
-    <a:masterClrMapping/>
-  </p:clrMapOvr>
-</p:notes>
-</file>
-
-<file path=ppt/notesSlides/notesSlide19.xml><?xml version="1.0" encoding="utf-8"?>
-<p:notes xmlns:a="http://schemas.openxmlformats.org/drawingml/2006/main" xmlns:r="http://schemas.openxmlformats.org/officeDocument/2006/relationships" xmlns:p="http://schemas.openxmlformats.org/presentationml/2006/main">
-  <p:cSld>
-    <p:spTree>
-      <p:nvGrpSpPr>
-        <p:cNvPr id="1" name=""/>
-        <p:cNvGrpSpPr/>
-        <p:nvPr/>
-      </p:nvGrpSpPr>
-      <p:grpSpPr>
-        <a:xfrm>
-          <a:off x="0" y="0"/>
-          <a:ext cx="0" cy="0"/>
-          <a:chOff x="0" y="0"/>
-          <a:chExt cx="0" cy="0"/>
-        </a:xfrm>
-      </p:grpSpPr>
-      <p:sp>
-        <p:nvSpPr>
-          <p:cNvPr id="2" name="幻灯片图像占位符 1"/>
-          <p:cNvSpPr>
-            <a:spLocks noGrp="1" noRot="1" noChangeAspect="1"/>
-          </p:cNvSpPr>
-          <p:nvPr>
-            <p:ph type="sldImg"/>
-          </p:nvPr>
-        </p:nvSpPr>
-        <p:spPr>
-          <a:xfrm>
-            <a:off x="228600" y="630238"/>
-            <a:ext cx="5486400" cy="3086100"/>
-          </a:xfrm>
-        </p:spPr>
-      </p:sp>
-      <p:sp>
-        <p:nvSpPr>
-          <p:cNvPr id="3" name="备注占位符 2"/>
-          <p:cNvSpPr>
-            <a:spLocks noGrp="1"/>
-          </p:cNvSpPr>
-          <p:nvPr>
-            <p:ph type="body" idx="1"/>
-          </p:nvPr>
-        </p:nvSpPr>
-        <p:spPr/>
-        <p:txBody>
-          <a:bodyPr/>
-          <a:lstStyle/>
-          <a:p>
-            <a:endParaRPr lang="zh-CN" altLang="en-US"/>
-          </a:p>
-        </p:txBody>
-      </p:sp>
-      <p:sp>
-        <p:nvSpPr>
-          <p:cNvPr id="4" name="灯片编号占位符 3"/>
-          <p:cNvSpPr>
-            <a:spLocks noGrp="1"/>
-          </p:cNvSpPr>
-          <p:nvPr>
-            <p:ph type="sldNum" sz="quarter" idx="10"/>
-          </p:nvPr>
-        </p:nvSpPr>
-        <p:spPr/>
-        <p:txBody>
-          <a:bodyPr/>
-          <a:lstStyle/>
-          <a:p>
-            <a:fld id="{F1E2743B-58E3-4952-98AC-60B7F3305738}" type="slidenum">
-              <a:rPr lang="zh-CN" altLang="en-US" smtClean="0"/>
-              <a:t>19</a:t>
-            </a:fld>
-            <a:endParaRPr lang="zh-CN" altLang="en-US"/>
-          </a:p>
-        </p:txBody>
-      </p:sp>
-    </p:spTree>
-    <p:extLst>
-      <p:ext uri="{BB962C8B-B14F-4D97-AF65-F5344CB8AC3E}">
-        <p14:creationId xmlns:p14="http://schemas.microsoft.com/office/powerpoint/2010/main" val="4288272969"/>
+        <p14:creationId xmlns:p14="http://schemas.microsoft.com/office/powerpoint/2010/main" val="25664629"/>
       </p:ext>
     </p:extLst>
   </p:cSld>
@@ -1761,273 +1488,6 @@
     <p:extLst>
       <p:ext uri="{BB962C8B-B14F-4D97-AF65-F5344CB8AC3E}">
         <p14:creationId xmlns:p14="http://schemas.microsoft.com/office/powerpoint/2010/main" val="4120022919"/>
-      </p:ext>
-    </p:extLst>
-  </p:cSld>
-  <p:clrMapOvr>
-    <a:masterClrMapping/>
-  </p:clrMapOvr>
-</p:notes>
-</file>
-
-<file path=ppt/notesSlides/notesSlide20.xml><?xml version="1.0" encoding="utf-8"?>
-<p:notes xmlns:a="http://schemas.openxmlformats.org/drawingml/2006/main" xmlns:r="http://schemas.openxmlformats.org/officeDocument/2006/relationships" xmlns:p="http://schemas.openxmlformats.org/presentationml/2006/main">
-  <p:cSld>
-    <p:spTree>
-      <p:nvGrpSpPr>
-        <p:cNvPr id="1" name=""/>
-        <p:cNvGrpSpPr/>
-        <p:nvPr/>
-      </p:nvGrpSpPr>
-      <p:grpSpPr>
-        <a:xfrm>
-          <a:off x="0" y="0"/>
-          <a:ext cx="0" cy="0"/>
-          <a:chOff x="0" y="0"/>
-          <a:chExt cx="0" cy="0"/>
-        </a:xfrm>
-      </p:grpSpPr>
-      <p:sp>
-        <p:nvSpPr>
-          <p:cNvPr id="2" name="幻灯片图像占位符 1"/>
-          <p:cNvSpPr>
-            <a:spLocks noGrp="1" noRot="1" noChangeAspect="1"/>
-          </p:cNvSpPr>
-          <p:nvPr>
-            <p:ph type="sldImg"/>
-          </p:nvPr>
-        </p:nvSpPr>
-        <p:spPr>
-          <a:xfrm>
-            <a:off x="228600" y="630238"/>
-            <a:ext cx="5486400" cy="3086100"/>
-          </a:xfrm>
-        </p:spPr>
-      </p:sp>
-      <p:sp>
-        <p:nvSpPr>
-          <p:cNvPr id="3" name="备注占位符 2"/>
-          <p:cNvSpPr>
-            <a:spLocks noGrp="1"/>
-          </p:cNvSpPr>
-          <p:nvPr>
-            <p:ph type="body" idx="1"/>
-          </p:nvPr>
-        </p:nvSpPr>
-        <p:spPr/>
-        <p:txBody>
-          <a:bodyPr/>
-          <a:lstStyle/>
-          <a:p>
-            <a:endParaRPr lang="zh-CN" altLang="en-US"/>
-          </a:p>
-        </p:txBody>
-      </p:sp>
-      <p:sp>
-        <p:nvSpPr>
-          <p:cNvPr id="4" name="灯片编号占位符 3"/>
-          <p:cNvSpPr>
-            <a:spLocks noGrp="1"/>
-          </p:cNvSpPr>
-          <p:nvPr>
-            <p:ph type="sldNum" sz="quarter" idx="10"/>
-          </p:nvPr>
-        </p:nvSpPr>
-        <p:spPr/>
-        <p:txBody>
-          <a:bodyPr/>
-          <a:lstStyle/>
-          <a:p>
-            <a:fld id="{F1E2743B-58E3-4952-98AC-60B7F3305738}" type="slidenum">
-              <a:rPr lang="zh-CN" altLang="en-US" smtClean="0"/>
-              <a:t>20</a:t>
-            </a:fld>
-            <a:endParaRPr lang="zh-CN" altLang="en-US"/>
-          </a:p>
-        </p:txBody>
-      </p:sp>
-    </p:spTree>
-    <p:extLst>
-      <p:ext uri="{BB962C8B-B14F-4D97-AF65-F5344CB8AC3E}">
-        <p14:creationId xmlns:p14="http://schemas.microsoft.com/office/powerpoint/2010/main" val="3234249289"/>
-      </p:ext>
-    </p:extLst>
-  </p:cSld>
-  <p:clrMapOvr>
-    <a:masterClrMapping/>
-  </p:clrMapOvr>
-</p:notes>
-</file>
-
-<file path=ppt/notesSlides/notesSlide21.xml><?xml version="1.0" encoding="utf-8"?>
-<p:notes xmlns:a="http://schemas.openxmlformats.org/drawingml/2006/main" xmlns:r="http://schemas.openxmlformats.org/officeDocument/2006/relationships" xmlns:p="http://schemas.openxmlformats.org/presentationml/2006/main">
-  <p:cSld>
-    <p:spTree>
-      <p:nvGrpSpPr>
-        <p:cNvPr id="1" name=""/>
-        <p:cNvGrpSpPr/>
-        <p:nvPr/>
-      </p:nvGrpSpPr>
-      <p:grpSpPr>
-        <a:xfrm>
-          <a:off x="0" y="0"/>
-          <a:ext cx="0" cy="0"/>
-          <a:chOff x="0" y="0"/>
-          <a:chExt cx="0" cy="0"/>
-        </a:xfrm>
-      </p:grpSpPr>
-      <p:sp>
-        <p:nvSpPr>
-          <p:cNvPr id="2" name="幻灯片图像占位符 1"/>
-          <p:cNvSpPr>
-            <a:spLocks noGrp="1" noRot="1" noChangeAspect="1"/>
-          </p:cNvSpPr>
-          <p:nvPr>
-            <p:ph type="sldImg"/>
-          </p:nvPr>
-        </p:nvSpPr>
-        <p:spPr>
-          <a:xfrm>
-            <a:off x="228600" y="630238"/>
-            <a:ext cx="5486400" cy="3086100"/>
-          </a:xfrm>
-        </p:spPr>
-      </p:sp>
-      <p:sp>
-        <p:nvSpPr>
-          <p:cNvPr id="3" name="备注占位符 2"/>
-          <p:cNvSpPr>
-            <a:spLocks noGrp="1"/>
-          </p:cNvSpPr>
-          <p:nvPr>
-            <p:ph type="body" idx="1"/>
-          </p:nvPr>
-        </p:nvSpPr>
-        <p:spPr/>
-        <p:txBody>
-          <a:bodyPr/>
-          <a:lstStyle/>
-          <a:p>
-            <a:endParaRPr lang="zh-CN" altLang="en-US"/>
-          </a:p>
-        </p:txBody>
-      </p:sp>
-      <p:sp>
-        <p:nvSpPr>
-          <p:cNvPr id="4" name="灯片编号占位符 3"/>
-          <p:cNvSpPr>
-            <a:spLocks noGrp="1"/>
-          </p:cNvSpPr>
-          <p:nvPr>
-            <p:ph type="sldNum" sz="quarter" idx="10"/>
-          </p:nvPr>
-        </p:nvSpPr>
-        <p:spPr/>
-        <p:txBody>
-          <a:bodyPr/>
-          <a:lstStyle/>
-          <a:p>
-            <a:fld id="{F1E2743B-58E3-4952-98AC-60B7F3305738}" type="slidenum">
-              <a:rPr lang="zh-CN" altLang="en-US" smtClean="0"/>
-              <a:t>21</a:t>
-            </a:fld>
-            <a:endParaRPr lang="zh-CN" altLang="en-US"/>
-          </a:p>
-        </p:txBody>
-      </p:sp>
-    </p:spTree>
-    <p:extLst>
-      <p:ext uri="{BB962C8B-B14F-4D97-AF65-F5344CB8AC3E}">
-        <p14:creationId xmlns:p14="http://schemas.microsoft.com/office/powerpoint/2010/main" val="3848803961"/>
-      </p:ext>
-    </p:extLst>
-  </p:cSld>
-  <p:clrMapOvr>
-    <a:masterClrMapping/>
-  </p:clrMapOvr>
-</p:notes>
-</file>
-
-<file path=ppt/notesSlides/notesSlide22.xml><?xml version="1.0" encoding="utf-8"?>
-<p:notes xmlns:a="http://schemas.openxmlformats.org/drawingml/2006/main" xmlns:r="http://schemas.openxmlformats.org/officeDocument/2006/relationships" xmlns:p="http://schemas.openxmlformats.org/presentationml/2006/main">
-  <p:cSld>
-    <p:spTree>
-      <p:nvGrpSpPr>
-        <p:cNvPr id="1" name=""/>
-        <p:cNvGrpSpPr/>
-        <p:nvPr/>
-      </p:nvGrpSpPr>
-      <p:grpSpPr>
-        <a:xfrm>
-          <a:off x="0" y="0"/>
-          <a:ext cx="0" cy="0"/>
-          <a:chOff x="0" y="0"/>
-          <a:chExt cx="0" cy="0"/>
-        </a:xfrm>
-      </p:grpSpPr>
-      <p:sp>
-        <p:nvSpPr>
-          <p:cNvPr id="2" name="幻灯片图像占位符 1"/>
-          <p:cNvSpPr>
-            <a:spLocks noGrp="1" noRot="1" noChangeAspect="1"/>
-          </p:cNvSpPr>
-          <p:nvPr>
-            <p:ph type="sldImg"/>
-          </p:nvPr>
-        </p:nvSpPr>
-        <p:spPr>
-          <a:xfrm>
-            <a:off x="228600" y="630238"/>
-            <a:ext cx="5486400" cy="3086100"/>
-          </a:xfrm>
-        </p:spPr>
-      </p:sp>
-      <p:sp>
-        <p:nvSpPr>
-          <p:cNvPr id="3" name="备注占位符 2"/>
-          <p:cNvSpPr>
-            <a:spLocks noGrp="1"/>
-          </p:cNvSpPr>
-          <p:nvPr>
-            <p:ph type="body" idx="1"/>
-          </p:nvPr>
-        </p:nvSpPr>
-        <p:spPr/>
-        <p:txBody>
-          <a:bodyPr/>
-          <a:lstStyle/>
-          <a:p>
-            <a:endParaRPr lang="zh-CN" altLang="en-US"/>
-          </a:p>
-        </p:txBody>
-      </p:sp>
-      <p:sp>
-        <p:nvSpPr>
-          <p:cNvPr id="4" name="灯片编号占位符 3"/>
-          <p:cNvSpPr>
-            <a:spLocks noGrp="1"/>
-          </p:cNvSpPr>
-          <p:nvPr>
-            <p:ph type="sldNum" sz="quarter" idx="10"/>
-          </p:nvPr>
-        </p:nvSpPr>
-        <p:spPr/>
-        <p:txBody>
-          <a:bodyPr/>
-          <a:lstStyle/>
-          <a:p>
-            <a:fld id="{F1E2743B-58E3-4952-98AC-60B7F3305738}" type="slidenum">
-              <a:rPr lang="zh-CN" altLang="en-US" smtClean="0"/>
-              <a:t>22</a:t>
-            </a:fld>
-            <a:endParaRPr lang="zh-CN" altLang="en-US"/>
-          </a:p>
-        </p:txBody>
-      </p:sp>
-    </p:spTree>
-    <p:extLst>
-      <p:ext uri="{BB962C8B-B14F-4D97-AF65-F5344CB8AC3E}">
-        <p14:creationId xmlns:p14="http://schemas.microsoft.com/office/powerpoint/2010/main" val="25664629"/>
       </p:ext>
     </p:extLst>
   </p:cSld>
@@ -18239,5907 +17699,6 @@
           <a:chExt cx="0" cy="0"/>
         </a:xfrm>
       </p:grpSpPr>
-      <p:sp>
-        <p:nvSpPr>
-          <p:cNvPr id="2" name="Rectangle 1">
-            <a:extLst>
-              <a:ext uri="{FF2B5EF4-FFF2-40B4-BE49-F238E27FC236}">
-                <a16:creationId xmlns:a16="http://schemas.microsoft.com/office/drawing/2014/main" id="{2DB9E1E3-2FB7-4BDC-8C45-A875576CC00B}"/>
-              </a:ext>
-            </a:extLst>
-          </p:cNvPr>
-          <p:cNvSpPr>
-            <a:spLocks noChangeArrowheads="1"/>
-          </p:cNvSpPr>
-          <p:nvPr/>
-        </p:nvSpPr>
-        <p:spPr bwMode="auto">
-          <a:xfrm>
-            <a:off x="691942" y="3665016"/>
-            <a:ext cx="65" cy="276999"/>
-          </a:xfrm>
-          <a:prstGeom prst="rect">
-            <a:avLst/>
-          </a:prstGeom>
-          <a:solidFill>
-            <a:srgbClr val="F5F5F5"/>
-          </a:solidFill>
-          <a:ln>
-            <a:noFill/>
-          </a:ln>
-          <a:effectLst/>
-          <a:extLst>
-            <a:ext uri="{91240B29-F687-4F45-9708-019B960494DF}">
-              <a14:hiddenLine xmlns:a14="http://schemas.microsoft.com/office/drawing/2010/main" w="9525">
-                <a:solidFill>
-                  <a:schemeClr val="tx1"/>
-                </a:solidFill>
-                <a:miter lim="800000"/>
-                <a:headEnd/>
-                <a:tailEnd/>
-              </a14:hiddenLine>
-            </a:ext>
-            <a:ext uri="{AF507438-7753-43E0-B8FC-AC1667EBCBE1}">
-              <a14:hiddenEffects xmlns:a14="http://schemas.microsoft.com/office/drawing/2010/main">
-                <a:effectLst>
-                  <a:outerShdw dist="35921" dir="2700000" algn="ctr" rotWithShape="0">
-                    <a:schemeClr val="bg2"/>
-                  </a:outerShdw>
-                </a:effectLst>
-              </a14:hiddenEffects>
-            </a:ext>
-          </a:extLst>
-        </p:spPr>
-        <p:txBody>
-          <a:bodyPr vert="horz" wrap="none" lIns="0" tIns="0" rIns="0" bIns="0" numCol="1" anchor="ctr" anchorCtr="0" compatLnSpc="1">
-            <a:prstTxWarp prst="textNoShape">
-              <a:avLst/>
-            </a:prstTxWarp>
-            <a:spAutoFit/>
-          </a:bodyPr>
-          <a:lstStyle/>
-          <a:p>
-            <a:pPr marL="0" marR="0" lvl="0" indent="0" algn="l" defTabSz="914400" rtl="0" eaLnBrk="0" fontAlgn="base" latinLnBrk="0" hangingPunct="0">
-              <a:lnSpc>
-                <a:spcPct val="100000"/>
-              </a:lnSpc>
-              <a:spcBef>
-                <a:spcPct val="0"/>
-              </a:spcBef>
-              <a:spcAft>
-                <a:spcPct val="0"/>
-              </a:spcAft>
-              <a:buClrTx/>
-              <a:buSzTx/>
-              <a:buFontTx/>
-              <a:buNone/>
-              <a:tabLst/>
-            </a:pPr>
-            <a:endParaRPr kumimoji="0" lang="en-US" altLang="en-US" sz="1800" b="0" i="0" u="none" strike="noStrike" cap="none" normalizeH="0" baseline="0" dirty="0">
-              <a:ln>
-                <a:noFill/>
-              </a:ln>
-              <a:solidFill>
-                <a:schemeClr val="tx1"/>
-              </a:solidFill>
-              <a:effectLst/>
-              <a:latin typeface="Arial" panose="020B0604020202020204" pitchFamily="34" charset="0"/>
-            </a:endParaRPr>
-          </a:p>
-        </p:txBody>
-      </p:sp>
-      <p:sp>
-        <p:nvSpPr>
-          <p:cNvPr id="5" name="Rectangle 1">
-            <a:extLst>
-              <a:ext uri="{FF2B5EF4-FFF2-40B4-BE49-F238E27FC236}">
-                <a16:creationId xmlns:a16="http://schemas.microsoft.com/office/drawing/2014/main" id="{E8623E84-14BB-43FD-8987-3A6D843E46D7}"/>
-              </a:ext>
-            </a:extLst>
-          </p:cNvPr>
-          <p:cNvSpPr>
-            <a:spLocks noChangeArrowheads="1"/>
-          </p:cNvSpPr>
-          <p:nvPr/>
-        </p:nvSpPr>
-        <p:spPr bwMode="auto">
-          <a:xfrm>
-            <a:off x="1352939" y="1202609"/>
-            <a:ext cx="10613518" cy="4452782"/>
-          </a:xfrm>
-          <a:prstGeom prst="rect">
-            <a:avLst/>
-          </a:prstGeom>
-          <a:solidFill>
-            <a:srgbClr val="E7E9EB"/>
-          </a:solidFill>
-          <a:ln>
-            <a:noFill/>
-          </a:ln>
-          <a:effectLst/>
-          <a:extLst>
-            <a:ext uri="{91240B29-F687-4F45-9708-019B960494DF}">
-              <a14:hiddenLine xmlns:a14="http://schemas.microsoft.com/office/drawing/2010/main" w="9525">
-                <a:solidFill>
-                  <a:schemeClr val="tx1"/>
-                </a:solidFill>
-                <a:miter lim="800000"/>
-                <a:headEnd/>
-                <a:tailEnd/>
-              </a14:hiddenLine>
-            </a:ext>
-            <a:ext uri="{AF507438-7753-43E0-B8FC-AC1667EBCBE1}">
-              <a14:hiddenEffects xmlns:a14="http://schemas.microsoft.com/office/drawing/2010/main">
-                <a:effectLst>
-                  <a:outerShdw dist="35921" dir="2700000" algn="ctr" rotWithShape="0">
-                    <a:schemeClr val="bg2"/>
-                  </a:outerShdw>
-                </a:effectLst>
-              </a14:hiddenEffects>
-            </a:ext>
-          </a:extLst>
-        </p:spPr>
-        <p:txBody>
-          <a:bodyPr vert="horz" wrap="square" lIns="0" tIns="63480" rIns="0" bIns="63480" numCol="1" anchor="ctr" anchorCtr="0" compatLnSpc="1">
-            <a:prstTxWarp prst="textNoShape">
-              <a:avLst/>
-            </a:prstTxWarp>
-            <a:spAutoFit/>
-          </a:bodyPr>
-          <a:lstStyle>
-            <a:lvl1pPr eaLnBrk="0" fontAlgn="base" hangingPunct="0">
-              <a:spcBef>
-                <a:spcPct val="0"/>
-              </a:spcBef>
-              <a:spcAft>
-                <a:spcPct val="0"/>
-              </a:spcAft>
-              <a:defRPr>
-                <a:solidFill>
-                  <a:schemeClr val="tx1"/>
-                </a:solidFill>
-                <a:latin typeface="Arial" panose="020B0604020202020204" pitchFamily="34" charset="0"/>
-              </a:defRPr>
-            </a:lvl1pPr>
-            <a:lvl2pPr eaLnBrk="0" fontAlgn="base" hangingPunct="0">
-              <a:spcBef>
-                <a:spcPct val="0"/>
-              </a:spcBef>
-              <a:spcAft>
-                <a:spcPct val="0"/>
-              </a:spcAft>
-              <a:defRPr>
-                <a:solidFill>
-                  <a:schemeClr val="tx1"/>
-                </a:solidFill>
-                <a:latin typeface="Arial" panose="020B0604020202020204" pitchFamily="34" charset="0"/>
-              </a:defRPr>
-            </a:lvl2pPr>
-            <a:lvl3pPr eaLnBrk="0" fontAlgn="base" hangingPunct="0">
-              <a:spcBef>
-                <a:spcPct val="0"/>
-              </a:spcBef>
-              <a:spcAft>
-                <a:spcPct val="0"/>
-              </a:spcAft>
-              <a:defRPr>
-                <a:solidFill>
-                  <a:schemeClr val="tx1"/>
-                </a:solidFill>
-                <a:latin typeface="Arial" panose="020B0604020202020204" pitchFamily="34" charset="0"/>
-              </a:defRPr>
-            </a:lvl3pPr>
-            <a:lvl4pPr eaLnBrk="0" fontAlgn="base" hangingPunct="0">
-              <a:spcBef>
-                <a:spcPct val="0"/>
-              </a:spcBef>
-              <a:spcAft>
-                <a:spcPct val="0"/>
-              </a:spcAft>
-              <a:defRPr>
-                <a:solidFill>
-                  <a:schemeClr val="tx1"/>
-                </a:solidFill>
-                <a:latin typeface="Arial" panose="020B0604020202020204" pitchFamily="34" charset="0"/>
-              </a:defRPr>
-            </a:lvl4pPr>
-            <a:lvl5pPr eaLnBrk="0" fontAlgn="base" hangingPunct="0">
-              <a:spcBef>
-                <a:spcPct val="0"/>
-              </a:spcBef>
-              <a:spcAft>
-                <a:spcPct val="0"/>
-              </a:spcAft>
-              <a:defRPr>
-                <a:solidFill>
-                  <a:schemeClr val="tx1"/>
-                </a:solidFill>
-                <a:latin typeface="Arial" panose="020B0604020202020204" pitchFamily="34" charset="0"/>
-              </a:defRPr>
-            </a:lvl5pPr>
-            <a:lvl6pPr eaLnBrk="0" fontAlgn="base" hangingPunct="0">
-              <a:spcBef>
-                <a:spcPct val="0"/>
-              </a:spcBef>
-              <a:spcAft>
-                <a:spcPct val="0"/>
-              </a:spcAft>
-              <a:defRPr>
-                <a:solidFill>
-                  <a:schemeClr val="tx1"/>
-                </a:solidFill>
-                <a:latin typeface="Arial" panose="020B0604020202020204" pitchFamily="34" charset="0"/>
-              </a:defRPr>
-            </a:lvl6pPr>
-            <a:lvl7pPr eaLnBrk="0" fontAlgn="base" hangingPunct="0">
-              <a:spcBef>
-                <a:spcPct val="0"/>
-              </a:spcBef>
-              <a:spcAft>
-                <a:spcPct val="0"/>
-              </a:spcAft>
-              <a:defRPr>
-                <a:solidFill>
-                  <a:schemeClr val="tx1"/>
-                </a:solidFill>
-                <a:latin typeface="Arial" panose="020B0604020202020204" pitchFamily="34" charset="0"/>
-              </a:defRPr>
-            </a:lvl7pPr>
-            <a:lvl8pPr eaLnBrk="0" fontAlgn="base" hangingPunct="0">
-              <a:spcBef>
-                <a:spcPct val="0"/>
-              </a:spcBef>
-              <a:spcAft>
-                <a:spcPct val="0"/>
-              </a:spcAft>
-              <a:defRPr>
-                <a:solidFill>
-                  <a:schemeClr val="tx1"/>
-                </a:solidFill>
-                <a:latin typeface="Arial" panose="020B0604020202020204" pitchFamily="34" charset="0"/>
-              </a:defRPr>
-            </a:lvl8pPr>
-            <a:lvl9pPr eaLnBrk="0" fontAlgn="base" hangingPunct="0">
-              <a:spcBef>
-                <a:spcPct val="0"/>
-              </a:spcBef>
-              <a:spcAft>
-                <a:spcPct val="0"/>
-              </a:spcAft>
-              <a:defRPr>
-                <a:solidFill>
-                  <a:schemeClr val="tx1"/>
-                </a:solidFill>
-                <a:latin typeface="Arial" panose="020B0604020202020204" pitchFamily="34" charset="0"/>
-              </a:defRPr>
-            </a:lvl9pPr>
-          </a:lstStyle>
-          <a:p>
-            <a:pPr marL="0" marR="0" lvl="0" indent="0" algn="l" defTabSz="914400" rtl="0" eaLnBrk="0" fontAlgn="base" latinLnBrk="0" hangingPunct="0">
-              <a:lnSpc>
-                <a:spcPct val="200000"/>
-              </a:lnSpc>
-              <a:spcBef>
-                <a:spcPct val="0"/>
-              </a:spcBef>
-              <a:spcAft>
-                <a:spcPct val="0"/>
-              </a:spcAft>
-              <a:buClrTx/>
-              <a:buSzTx/>
-              <a:buFontTx/>
-              <a:buNone/>
-              <a:tabLst/>
-            </a:pPr>
-            <a:r>
-              <a:rPr kumimoji="0" lang="en-US" altLang="en-US" sz="2400" b="0" i="0" u="none" strike="noStrike" cap="none" normalizeH="0" baseline="0" dirty="0">
-                <a:ln>
-                  <a:noFill/>
-                </a:ln>
-                <a:solidFill>
-                  <a:srgbClr val="000000"/>
-                </a:solidFill>
-                <a:effectLst/>
-                <a:latin typeface="Verdana" panose="020B0604030504040204" pitchFamily="34" charset="0"/>
-              </a:rPr>
-              <a:t>Since the try block raises an error, the except block will be executed.</a:t>
-            </a:r>
-            <a:endParaRPr kumimoji="0" lang="en-US" altLang="en-US" sz="2400" b="0" i="0" u="none" strike="noStrike" cap="none" normalizeH="0" baseline="0" dirty="0">
-              <a:ln>
-                <a:noFill/>
-              </a:ln>
-              <a:solidFill>
-                <a:schemeClr val="tx1"/>
-              </a:solidFill>
-              <a:effectLst/>
-            </a:endParaRPr>
-          </a:p>
-          <a:p>
-            <a:pPr marL="0" marR="0" lvl="0" indent="0" algn="l" defTabSz="914400" rtl="0" eaLnBrk="0" fontAlgn="base" latinLnBrk="0" hangingPunct="0">
-              <a:lnSpc>
-                <a:spcPct val="200000"/>
-              </a:lnSpc>
-              <a:spcBef>
-                <a:spcPct val="0"/>
-              </a:spcBef>
-              <a:spcAft>
-                <a:spcPct val="0"/>
-              </a:spcAft>
-              <a:buClrTx/>
-              <a:buSzTx/>
-              <a:buFontTx/>
-              <a:buNone/>
-              <a:tabLst/>
-            </a:pPr>
-            <a:r>
-              <a:rPr kumimoji="0" lang="en-US" altLang="en-US" sz="2400" b="0" i="0" u="none" strike="noStrike" cap="none" normalizeH="0" baseline="0" dirty="0">
-                <a:ln>
-                  <a:noFill/>
-                </a:ln>
-                <a:solidFill>
-                  <a:srgbClr val="000000"/>
-                </a:solidFill>
-                <a:effectLst/>
-                <a:latin typeface="Verdana" panose="020B0604030504040204" pitchFamily="34" charset="0"/>
-              </a:rPr>
-              <a:t>Without the try block, the program will crash and raise an error:</a:t>
-            </a:r>
-            <a:endParaRPr kumimoji="0" lang="en-US" altLang="en-US" sz="2400" b="0" i="0" u="none" strike="noStrike" cap="none" normalizeH="0" baseline="0" dirty="0">
-              <a:ln>
-                <a:noFill/>
-              </a:ln>
-              <a:solidFill>
-                <a:srgbClr val="000000"/>
-              </a:solidFill>
-              <a:effectLst/>
-              <a:latin typeface="Segoe UI" panose="020B0502040204020203" pitchFamily="34" charset="0"/>
-              <a:cs typeface="Segoe UI" panose="020B0502040204020203" pitchFamily="34" charset="0"/>
-            </a:endParaRPr>
-          </a:p>
-          <a:p>
-            <a:pPr marL="0" marR="0" lvl="0" indent="0" algn="l" defTabSz="914400" rtl="0" eaLnBrk="0" fontAlgn="base" latinLnBrk="0" hangingPunct="0">
-              <a:lnSpc>
-                <a:spcPct val="200000"/>
-              </a:lnSpc>
-              <a:spcBef>
-                <a:spcPct val="0"/>
-              </a:spcBef>
-              <a:spcAft>
-                <a:spcPct val="0"/>
-              </a:spcAft>
-              <a:buClrTx/>
-              <a:buSzTx/>
-              <a:buFontTx/>
-              <a:buNone/>
-              <a:tabLst/>
-            </a:pPr>
-            <a:r>
-              <a:rPr kumimoji="0" lang="en-US" altLang="en-US" sz="2400" b="0" i="0" u="none" strike="noStrike" cap="none" normalizeH="0" baseline="0" dirty="0">
-                <a:ln>
-                  <a:noFill/>
-                </a:ln>
-                <a:solidFill>
-                  <a:srgbClr val="000000"/>
-                </a:solidFill>
-                <a:effectLst/>
-                <a:latin typeface="Segoe UI" panose="020B0502040204020203" pitchFamily="34" charset="0"/>
-                <a:cs typeface="Segoe UI" panose="020B0502040204020203" pitchFamily="34" charset="0"/>
-              </a:rPr>
-              <a:t>Example</a:t>
-            </a:r>
-          </a:p>
-          <a:p>
-            <a:pPr marL="0" marR="0" lvl="0" indent="0" algn="l" defTabSz="914400" rtl="0" eaLnBrk="0" fontAlgn="base" latinLnBrk="0" hangingPunct="0">
-              <a:lnSpc>
-                <a:spcPct val="200000"/>
-              </a:lnSpc>
-              <a:spcBef>
-                <a:spcPct val="0"/>
-              </a:spcBef>
-              <a:spcAft>
-                <a:spcPct val="0"/>
-              </a:spcAft>
-              <a:buClrTx/>
-              <a:buSzTx/>
-              <a:buFontTx/>
-              <a:buNone/>
-              <a:tabLst/>
-            </a:pPr>
-            <a:r>
-              <a:rPr kumimoji="0" lang="en-US" altLang="en-US" sz="2400" b="0" i="0" u="none" strike="noStrike" cap="none" normalizeH="0" baseline="0" dirty="0">
-                <a:ln>
-                  <a:noFill/>
-                </a:ln>
-                <a:solidFill>
-                  <a:srgbClr val="000000"/>
-                </a:solidFill>
-                <a:effectLst/>
-                <a:latin typeface="Verdana" panose="020B0604030504040204" pitchFamily="34" charset="0"/>
-              </a:rPr>
-              <a:t>This statement will raise an error, because </a:t>
-            </a:r>
-            <a:r>
-              <a:rPr kumimoji="0" lang="en-US" altLang="en-US" sz="2400" b="0" i="0" u="none" strike="noStrike" cap="none" normalizeH="0" baseline="0" dirty="0">
-                <a:ln>
-                  <a:noFill/>
-                </a:ln>
-                <a:solidFill>
-                  <a:srgbClr val="DC143C"/>
-                </a:solidFill>
-                <a:effectLst/>
-                <a:latin typeface="Consolas" panose="020B0609020204030204" pitchFamily="49" charset="0"/>
-              </a:rPr>
-              <a:t>x</a:t>
-            </a:r>
-            <a:r>
-              <a:rPr kumimoji="0" lang="en-US" altLang="en-US" sz="2400" b="0" i="0" u="none" strike="noStrike" cap="none" normalizeH="0" baseline="0" dirty="0">
-                <a:ln>
-                  <a:noFill/>
-                </a:ln>
-                <a:solidFill>
-                  <a:srgbClr val="000000"/>
-                </a:solidFill>
-                <a:effectLst/>
-                <a:latin typeface="Verdana" panose="020B0604030504040204" pitchFamily="34" charset="0"/>
-              </a:rPr>
-              <a:t> is not defined:</a:t>
-            </a:r>
-          </a:p>
-          <a:p>
-            <a:pPr marL="0" marR="0" lvl="0" indent="0" algn="l" defTabSz="914400" rtl="0" eaLnBrk="0" fontAlgn="base" latinLnBrk="0" hangingPunct="0">
-              <a:lnSpc>
-                <a:spcPct val="200000"/>
-              </a:lnSpc>
-              <a:spcBef>
-                <a:spcPct val="0"/>
-              </a:spcBef>
-              <a:spcAft>
-                <a:spcPct val="0"/>
-              </a:spcAft>
-              <a:buClrTx/>
-              <a:buSzTx/>
-              <a:buFontTx/>
-              <a:buNone/>
-              <a:tabLst/>
-            </a:pPr>
-            <a:r>
-              <a:rPr kumimoji="0" lang="en-US" altLang="en-US" sz="2400" b="0" i="0" u="none" strike="noStrike" cap="none" normalizeH="0" baseline="0" dirty="0">
-                <a:ln>
-                  <a:noFill/>
-                </a:ln>
-                <a:solidFill>
-                  <a:srgbClr val="0000CD"/>
-                </a:solidFill>
-                <a:effectLst/>
-                <a:latin typeface="Consolas" panose="020B0609020204030204" pitchFamily="49" charset="0"/>
-              </a:rPr>
-              <a:t>print</a:t>
-            </a:r>
-            <a:r>
-              <a:rPr kumimoji="0" lang="en-US" altLang="en-US" sz="2400" b="0" i="0" u="none" strike="noStrike" cap="none" normalizeH="0" baseline="0" dirty="0">
-                <a:ln>
-                  <a:noFill/>
-                </a:ln>
-                <a:solidFill>
-                  <a:srgbClr val="000000"/>
-                </a:solidFill>
-                <a:effectLst/>
-                <a:latin typeface="Consolas" panose="020B0609020204030204" pitchFamily="49" charset="0"/>
-              </a:rPr>
-              <a:t>(x)</a:t>
-            </a:r>
-            <a:endParaRPr kumimoji="0" lang="en-US" altLang="en-US" sz="2400" b="0" i="0" u="none" strike="noStrike" cap="none" normalizeH="0" baseline="0" dirty="0">
-              <a:ln>
-                <a:noFill/>
-              </a:ln>
-              <a:solidFill>
-                <a:schemeClr val="tx1"/>
-              </a:solidFill>
-              <a:effectLst/>
-              <a:latin typeface="Arial" panose="020B0604020202020204" pitchFamily="34" charset="0"/>
-            </a:endParaRPr>
-          </a:p>
-        </p:txBody>
-      </p:sp>
-    </p:spTree>
-    <p:extLst>
-      <p:ext uri="{BB962C8B-B14F-4D97-AF65-F5344CB8AC3E}">
-        <p14:creationId xmlns:p14="http://schemas.microsoft.com/office/powerpoint/2010/main" val="2388141477"/>
-      </p:ext>
-    </p:extLst>
-  </p:cSld>
-  <p:clrMapOvr>
-    <a:masterClrMapping/>
-  </p:clrMapOvr>
-  <mc:AlternateContent xmlns:mc="http://schemas.openxmlformats.org/markup-compatibility/2006" xmlns:p14="http://schemas.microsoft.com/office/powerpoint/2010/main">
-    <mc:Choice Requires="p14">
-      <p:transition spd="slow" p14:dur="1200">
-        <p14:prism/>
-      </p:transition>
-    </mc:Choice>
-    <mc:Fallback xmlns="">
-      <p:transition spd="slow">
-        <p:fade/>
-      </p:transition>
-    </mc:Fallback>
-  </mc:AlternateContent>
-</p:sld>
-</file>
-
-<file path=ppt/slides/slide16.xml><?xml version="1.0" encoding="utf-8"?>
-<p:sld xmlns:a="http://schemas.openxmlformats.org/drawingml/2006/main" xmlns:r="http://schemas.openxmlformats.org/officeDocument/2006/relationships" xmlns:p="http://schemas.openxmlformats.org/presentationml/2006/main">
-  <p:cSld>
-    <p:spTree>
-      <p:nvGrpSpPr>
-        <p:cNvPr id="1" name=""/>
-        <p:cNvGrpSpPr/>
-        <p:nvPr/>
-      </p:nvGrpSpPr>
-      <p:grpSpPr>
-        <a:xfrm>
-          <a:off x="0" y="0"/>
-          <a:ext cx="0" cy="0"/>
-          <a:chOff x="0" y="0"/>
-          <a:chExt cx="0" cy="0"/>
-        </a:xfrm>
-      </p:grpSpPr>
-      <p:sp>
-        <p:nvSpPr>
-          <p:cNvPr id="6" name="TextBox 5">
-            <a:extLst>
-              <a:ext uri="{FF2B5EF4-FFF2-40B4-BE49-F238E27FC236}">
-                <a16:creationId xmlns:a16="http://schemas.microsoft.com/office/drawing/2014/main" id="{CE8C9024-1B2C-4E5F-8982-C6D7F965C621}"/>
-              </a:ext>
-            </a:extLst>
-          </p:cNvPr>
-          <p:cNvSpPr txBox="1"/>
-          <p:nvPr/>
-        </p:nvSpPr>
-        <p:spPr>
-          <a:xfrm>
-            <a:off x="1324685" y="482473"/>
-            <a:ext cx="8080571" cy="584775"/>
-          </a:xfrm>
-          <a:prstGeom prst="rect">
-            <a:avLst/>
-          </a:prstGeom>
-          <a:noFill/>
-        </p:spPr>
-        <p:txBody>
-          <a:bodyPr wrap="square">
-            <a:spAutoFit/>
-          </a:bodyPr>
-          <a:lstStyle/>
-          <a:p>
-            <a:r>
-              <a:rPr lang="en-CA" sz="3200" b="1" i="0" dirty="0">
-                <a:solidFill>
-                  <a:srgbClr val="000000"/>
-                </a:solidFill>
-                <a:effectLst/>
-                <a:latin typeface="Segoe UI" panose="020B0502040204020203" pitchFamily="34" charset="0"/>
-              </a:rPr>
-              <a:t>Many Exceptions</a:t>
-            </a:r>
-          </a:p>
-        </p:txBody>
-      </p:sp>
-      <p:sp>
-        <p:nvSpPr>
-          <p:cNvPr id="3" name="Rectangle 1">
-            <a:extLst>
-              <a:ext uri="{FF2B5EF4-FFF2-40B4-BE49-F238E27FC236}">
-                <a16:creationId xmlns:a16="http://schemas.microsoft.com/office/drawing/2014/main" id="{B51CC218-8E8D-4F6C-AD71-E448001EE2F5}"/>
-              </a:ext>
-            </a:extLst>
-          </p:cNvPr>
-          <p:cNvSpPr>
-            <a:spLocks noChangeArrowheads="1"/>
-          </p:cNvSpPr>
-          <p:nvPr/>
-        </p:nvSpPr>
-        <p:spPr bwMode="auto">
-          <a:xfrm>
-            <a:off x="1029478" y="1309476"/>
-            <a:ext cx="10133044" cy="4929514"/>
-          </a:xfrm>
-          <a:prstGeom prst="rect">
-            <a:avLst/>
-          </a:prstGeom>
-          <a:solidFill>
-            <a:srgbClr val="E7E9EB"/>
-          </a:solidFill>
-          <a:ln>
-            <a:noFill/>
-          </a:ln>
-          <a:effectLst/>
-          <a:extLst>
-            <a:ext uri="{91240B29-F687-4F45-9708-019B960494DF}">
-              <a14:hiddenLine xmlns:a14="http://schemas.microsoft.com/office/drawing/2010/main" w="9525">
-                <a:solidFill>
-                  <a:schemeClr val="tx1"/>
-                </a:solidFill>
-                <a:miter lim="800000"/>
-                <a:headEnd/>
-                <a:tailEnd/>
-              </a14:hiddenLine>
-            </a:ext>
-            <a:ext uri="{AF507438-7753-43E0-B8FC-AC1667EBCBE1}">
-              <a14:hiddenEffects xmlns:a14="http://schemas.microsoft.com/office/drawing/2010/main">
-                <a:effectLst>
-                  <a:outerShdw dist="35921" dir="2700000" algn="ctr" rotWithShape="0">
-                    <a:schemeClr val="bg2"/>
-                  </a:outerShdw>
-                </a:effectLst>
-              </a14:hiddenEffects>
-            </a:ext>
-          </a:extLst>
-        </p:spPr>
-        <p:txBody>
-          <a:bodyPr vert="horz" wrap="square" lIns="0" tIns="63480" rIns="0" bIns="63480" numCol="1" anchor="ctr" anchorCtr="0" compatLnSpc="1">
-            <a:prstTxWarp prst="textNoShape">
-              <a:avLst/>
-            </a:prstTxWarp>
-            <a:spAutoFit/>
-          </a:bodyPr>
-          <a:lstStyle>
-            <a:lvl1pPr eaLnBrk="0" fontAlgn="base" hangingPunct="0">
-              <a:spcBef>
-                <a:spcPct val="0"/>
-              </a:spcBef>
-              <a:spcAft>
-                <a:spcPct val="0"/>
-              </a:spcAft>
-              <a:defRPr>
-                <a:solidFill>
-                  <a:schemeClr val="tx1"/>
-                </a:solidFill>
-                <a:latin typeface="Arial" panose="020B0604020202020204" pitchFamily="34" charset="0"/>
-              </a:defRPr>
-            </a:lvl1pPr>
-            <a:lvl2pPr eaLnBrk="0" fontAlgn="base" hangingPunct="0">
-              <a:spcBef>
-                <a:spcPct val="0"/>
-              </a:spcBef>
-              <a:spcAft>
-                <a:spcPct val="0"/>
-              </a:spcAft>
-              <a:defRPr>
-                <a:solidFill>
-                  <a:schemeClr val="tx1"/>
-                </a:solidFill>
-                <a:latin typeface="Arial" panose="020B0604020202020204" pitchFamily="34" charset="0"/>
-              </a:defRPr>
-            </a:lvl2pPr>
-            <a:lvl3pPr eaLnBrk="0" fontAlgn="base" hangingPunct="0">
-              <a:spcBef>
-                <a:spcPct val="0"/>
-              </a:spcBef>
-              <a:spcAft>
-                <a:spcPct val="0"/>
-              </a:spcAft>
-              <a:defRPr>
-                <a:solidFill>
-                  <a:schemeClr val="tx1"/>
-                </a:solidFill>
-                <a:latin typeface="Arial" panose="020B0604020202020204" pitchFamily="34" charset="0"/>
-              </a:defRPr>
-            </a:lvl3pPr>
-            <a:lvl4pPr eaLnBrk="0" fontAlgn="base" hangingPunct="0">
-              <a:spcBef>
-                <a:spcPct val="0"/>
-              </a:spcBef>
-              <a:spcAft>
-                <a:spcPct val="0"/>
-              </a:spcAft>
-              <a:defRPr>
-                <a:solidFill>
-                  <a:schemeClr val="tx1"/>
-                </a:solidFill>
-                <a:latin typeface="Arial" panose="020B0604020202020204" pitchFamily="34" charset="0"/>
-              </a:defRPr>
-            </a:lvl4pPr>
-            <a:lvl5pPr eaLnBrk="0" fontAlgn="base" hangingPunct="0">
-              <a:spcBef>
-                <a:spcPct val="0"/>
-              </a:spcBef>
-              <a:spcAft>
-                <a:spcPct val="0"/>
-              </a:spcAft>
-              <a:defRPr>
-                <a:solidFill>
-                  <a:schemeClr val="tx1"/>
-                </a:solidFill>
-                <a:latin typeface="Arial" panose="020B0604020202020204" pitchFamily="34" charset="0"/>
-              </a:defRPr>
-            </a:lvl5pPr>
-            <a:lvl6pPr eaLnBrk="0" fontAlgn="base" hangingPunct="0">
-              <a:spcBef>
-                <a:spcPct val="0"/>
-              </a:spcBef>
-              <a:spcAft>
-                <a:spcPct val="0"/>
-              </a:spcAft>
-              <a:defRPr>
-                <a:solidFill>
-                  <a:schemeClr val="tx1"/>
-                </a:solidFill>
-                <a:latin typeface="Arial" panose="020B0604020202020204" pitchFamily="34" charset="0"/>
-              </a:defRPr>
-            </a:lvl6pPr>
-            <a:lvl7pPr eaLnBrk="0" fontAlgn="base" hangingPunct="0">
-              <a:spcBef>
-                <a:spcPct val="0"/>
-              </a:spcBef>
-              <a:spcAft>
-                <a:spcPct val="0"/>
-              </a:spcAft>
-              <a:defRPr>
-                <a:solidFill>
-                  <a:schemeClr val="tx1"/>
-                </a:solidFill>
-                <a:latin typeface="Arial" panose="020B0604020202020204" pitchFamily="34" charset="0"/>
-              </a:defRPr>
-            </a:lvl7pPr>
-            <a:lvl8pPr eaLnBrk="0" fontAlgn="base" hangingPunct="0">
-              <a:spcBef>
-                <a:spcPct val="0"/>
-              </a:spcBef>
-              <a:spcAft>
-                <a:spcPct val="0"/>
-              </a:spcAft>
-              <a:defRPr>
-                <a:solidFill>
-                  <a:schemeClr val="tx1"/>
-                </a:solidFill>
-                <a:latin typeface="Arial" panose="020B0604020202020204" pitchFamily="34" charset="0"/>
-              </a:defRPr>
-            </a:lvl8pPr>
-            <a:lvl9pPr eaLnBrk="0" fontAlgn="base" hangingPunct="0">
-              <a:spcBef>
-                <a:spcPct val="0"/>
-              </a:spcBef>
-              <a:spcAft>
-                <a:spcPct val="0"/>
-              </a:spcAft>
-              <a:defRPr>
-                <a:solidFill>
-                  <a:schemeClr val="tx1"/>
-                </a:solidFill>
-                <a:latin typeface="Arial" panose="020B0604020202020204" pitchFamily="34" charset="0"/>
-              </a:defRPr>
-            </a:lvl9pPr>
-          </a:lstStyle>
-          <a:p>
-            <a:pPr marL="0" marR="0" lvl="0" indent="0" algn="l" defTabSz="914400" rtl="0" eaLnBrk="0" fontAlgn="base" latinLnBrk="0" hangingPunct="0">
-              <a:lnSpc>
-                <a:spcPct val="100000"/>
-              </a:lnSpc>
-              <a:spcBef>
-                <a:spcPct val="0"/>
-              </a:spcBef>
-              <a:spcAft>
-                <a:spcPct val="0"/>
-              </a:spcAft>
-              <a:buClrTx/>
-              <a:buSzTx/>
-              <a:buFontTx/>
-              <a:buNone/>
-              <a:tabLst/>
-            </a:pPr>
-            <a:r>
-              <a:rPr kumimoji="0" lang="en-US" altLang="en-US" sz="2400" b="0" i="0" u="none" strike="noStrike" cap="none" normalizeH="0" baseline="0" dirty="0">
-                <a:ln>
-                  <a:noFill/>
-                </a:ln>
-                <a:solidFill>
-                  <a:srgbClr val="000000"/>
-                </a:solidFill>
-                <a:effectLst/>
-                <a:latin typeface="Verdana" panose="020B0604030504040204" pitchFamily="34" charset="0"/>
-              </a:rPr>
-              <a:t>You can define as many exception blocks as you want, e.g. if you want to execute a special block of code for a special kind of error:</a:t>
-            </a:r>
-            <a:endParaRPr kumimoji="0" lang="en-US" altLang="en-US" sz="2400" b="0" i="0" u="none" strike="noStrike" cap="none" normalizeH="0" baseline="0" dirty="0">
-              <a:ln>
-                <a:noFill/>
-              </a:ln>
-              <a:solidFill>
-                <a:schemeClr val="tx1"/>
-              </a:solidFill>
-              <a:effectLst/>
-            </a:endParaRPr>
-          </a:p>
-          <a:p>
-            <a:pPr marL="0" marR="0" lvl="0" indent="0" algn="l" defTabSz="914400" rtl="0" eaLnBrk="0" fontAlgn="base" latinLnBrk="0" hangingPunct="0">
-              <a:lnSpc>
-                <a:spcPct val="100000"/>
-              </a:lnSpc>
-              <a:spcBef>
-                <a:spcPct val="0"/>
-              </a:spcBef>
-              <a:spcAft>
-                <a:spcPct val="0"/>
-              </a:spcAft>
-              <a:buClrTx/>
-              <a:buSzTx/>
-              <a:buFontTx/>
-              <a:buNone/>
-              <a:tabLst/>
-            </a:pPr>
-            <a:endParaRPr kumimoji="0" lang="en-US" altLang="en-US" sz="2400" b="0" i="0" u="none" strike="noStrike" cap="none" normalizeH="0" baseline="0" dirty="0">
-              <a:ln>
-                <a:noFill/>
-              </a:ln>
-              <a:solidFill>
-                <a:srgbClr val="000000"/>
-              </a:solidFill>
-              <a:effectLst/>
-              <a:latin typeface="Segoe UI" panose="020B0502040204020203" pitchFamily="34" charset="0"/>
-              <a:cs typeface="Segoe UI" panose="020B0502040204020203" pitchFamily="34" charset="0"/>
-            </a:endParaRPr>
-          </a:p>
-          <a:p>
-            <a:pPr marL="0" marR="0" lvl="0" indent="0" algn="l" defTabSz="914400" rtl="0" eaLnBrk="0" fontAlgn="base" latinLnBrk="0" hangingPunct="0">
-              <a:lnSpc>
-                <a:spcPct val="100000"/>
-              </a:lnSpc>
-              <a:spcBef>
-                <a:spcPct val="0"/>
-              </a:spcBef>
-              <a:spcAft>
-                <a:spcPct val="0"/>
-              </a:spcAft>
-              <a:buClrTx/>
-              <a:buSzTx/>
-              <a:buFontTx/>
-              <a:buNone/>
-              <a:tabLst/>
-            </a:pPr>
-            <a:r>
-              <a:rPr kumimoji="0" lang="en-US" altLang="en-US" sz="2400" b="0" i="0" u="none" strike="noStrike" cap="none" normalizeH="0" baseline="0" dirty="0">
-                <a:ln>
-                  <a:noFill/>
-                </a:ln>
-                <a:solidFill>
-                  <a:srgbClr val="000000"/>
-                </a:solidFill>
-                <a:effectLst/>
-                <a:latin typeface="Segoe UI" panose="020B0502040204020203" pitchFamily="34" charset="0"/>
-                <a:cs typeface="Segoe UI" panose="020B0502040204020203" pitchFamily="34" charset="0"/>
-              </a:rPr>
-              <a:t>Example</a:t>
-            </a:r>
-          </a:p>
-          <a:p>
-            <a:pPr marL="0" marR="0" lvl="0" indent="0" algn="l" defTabSz="914400" rtl="0" eaLnBrk="0" fontAlgn="base" latinLnBrk="0" hangingPunct="0">
-              <a:lnSpc>
-                <a:spcPct val="100000"/>
-              </a:lnSpc>
-              <a:spcBef>
-                <a:spcPct val="0"/>
-              </a:spcBef>
-              <a:spcAft>
-                <a:spcPct val="0"/>
-              </a:spcAft>
-              <a:buClrTx/>
-              <a:buSzTx/>
-              <a:buFontTx/>
-              <a:buNone/>
-              <a:tabLst/>
-            </a:pPr>
-            <a:r>
-              <a:rPr kumimoji="0" lang="en-US" altLang="en-US" sz="2400" b="0" i="0" u="none" strike="noStrike" cap="none" normalizeH="0" baseline="0" dirty="0">
-                <a:ln>
-                  <a:noFill/>
-                </a:ln>
-                <a:solidFill>
-                  <a:srgbClr val="000000"/>
-                </a:solidFill>
-                <a:effectLst/>
-                <a:latin typeface="Verdana" panose="020B0604030504040204" pitchFamily="34" charset="0"/>
-              </a:rPr>
-              <a:t>Print one message if the try block raises a </a:t>
-            </a:r>
-            <a:r>
-              <a:rPr kumimoji="0" lang="en-US" altLang="en-US" sz="2400" b="0" i="0" u="none" strike="noStrike" cap="none" normalizeH="0" baseline="0" dirty="0" err="1">
-                <a:ln>
-                  <a:noFill/>
-                </a:ln>
-                <a:solidFill>
-                  <a:srgbClr val="DC143C"/>
-                </a:solidFill>
-                <a:effectLst/>
-                <a:latin typeface="Consolas" panose="020B0609020204030204" pitchFamily="49" charset="0"/>
-              </a:rPr>
-              <a:t>NameError</a:t>
-            </a:r>
-            <a:r>
-              <a:rPr kumimoji="0" lang="en-US" altLang="en-US" sz="2400" b="0" i="0" u="none" strike="noStrike" cap="none" normalizeH="0" baseline="0" dirty="0">
-                <a:ln>
-                  <a:noFill/>
-                </a:ln>
-                <a:solidFill>
-                  <a:srgbClr val="000000"/>
-                </a:solidFill>
-                <a:effectLst/>
-                <a:latin typeface="Verdana" panose="020B0604030504040204" pitchFamily="34" charset="0"/>
-              </a:rPr>
-              <a:t> and another for other errors:</a:t>
-            </a:r>
-          </a:p>
-          <a:p>
-            <a:pPr marL="0" marR="0" lvl="0" indent="0" algn="l" defTabSz="914400" rtl="0" eaLnBrk="0" fontAlgn="base" latinLnBrk="0" hangingPunct="0">
-              <a:lnSpc>
-                <a:spcPct val="100000"/>
-              </a:lnSpc>
-              <a:spcBef>
-                <a:spcPct val="0"/>
-              </a:spcBef>
-              <a:spcAft>
-                <a:spcPct val="0"/>
-              </a:spcAft>
-              <a:buClrTx/>
-              <a:buSzTx/>
-              <a:buFontTx/>
-              <a:buNone/>
-              <a:tabLst/>
-            </a:pPr>
-            <a:r>
-              <a:rPr kumimoji="0" lang="en-US" altLang="en-US" sz="2400" b="0" i="0" u="none" strike="noStrike" cap="none" normalizeH="0" baseline="0" dirty="0">
-                <a:ln>
-                  <a:noFill/>
-                </a:ln>
-                <a:solidFill>
-                  <a:srgbClr val="0000CD"/>
-                </a:solidFill>
-                <a:effectLst/>
-                <a:latin typeface="Consolas" panose="020B0609020204030204" pitchFamily="49" charset="0"/>
-              </a:rPr>
-              <a:t>try</a:t>
-            </a:r>
-            <a:r>
-              <a:rPr kumimoji="0" lang="en-US" altLang="en-US" sz="2400" b="0" i="0" u="none" strike="noStrike" cap="none" normalizeH="0" baseline="0" dirty="0">
-                <a:ln>
-                  <a:noFill/>
-                </a:ln>
-                <a:solidFill>
-                  <a:srgbClr val="000000"/>
-                </a:solidFill>
-                <a:effectLst/>
-                <a:latin typeface="Consolas" panose="020B0609020204030204" pitchFamily="49" charset="0"/>
-              </a:rPr>
-              <a:t>:</a:t>
-            </a:r>
-            <a:br>
-              <a:rPr kumimoji="0" lang="en-US" altLang="en-US" sz="2400" b="0" i="0" u="none" strike="noStrike" cap="none" normalizeH="0" baseline="0" dirty="0">
-                <a:ln>
-                  <a:noFill/>
-                </a:ln>
-                <a:solidFill>
-                  <a:srgbClr val="000000"/>
-                </a:solidFill>
-                <a:effectLst/>
-                <a:latin typeface="Consolas" panose="020B0609020204030204" pitchFamily="49" charset="0"/>
-              </a:rPr>
-            </a:br>
-            <a:r>
-              <a:rPr kumimoji="0" lang="en-US" altLang="en-US" sz="2400" b="0" i="0" u="none" strike="noStrike" cap="none" normalizeH="0" baseline="0" dirty="0">
-                <a:ln>
-                  <a:noFill/>
-                </a:ln>
-                <a:solidFill>
-                  <a:srgbClr val="000000"/>
-                </a:solidFill>
-                <a:effectLst/>
-                <a:latin typeface="Consolas" panose="020B0609020204030204" pitchFamily="49" charset="0"/>
-              </a:rPr>
-              <a:t>  </a:t>
-            </a:r>
-            <a:r>
-              <a:rPr kumimoji="0" lang="en-US" altLang="en-US" sz="2400" b="0" i="0" u="none" strike="noStrike" cap="none" normalizeH="0" baseline="0" dirty="0">
-                <a:ln>
-                  <a:noFill/>
-                </a:ln>
-                <a:solidFill>
-                  <a:srgbClr val="0000CD"/>
-                </a:solidFill>
-                <a:effectLst/>
-                <a:latin typeface="Consolas" panose="020B0609020204030204" pitchFamily="49" charset="0"/>
-              </a:rPr>
-              <a:t>print</a:t>
-            </a:r>
-            <a:r>
-              <a:rPr kumimoji="0" lang="en-US" altLang="en-US" sz="2400" b="0" i="0" u="none" strike="noStrike" cap="none" normalizeH="0" baseline="0" dirty="0">
-                <a:ln>
-                  <a:noFill/>
-                </a:ln>
-                <a:solidFill>
-                  <a:srgbClr val="000000"/>
-                </a:solidFill>
-                <a:effectLst/>
-                <a:latin typeface="Consolas" panose="020B0609020204030204" pitchFamily="49" charset="0"/>
-              </a:rPr>
-              <a:t>(x)</a:t>
-            </a:r>
-            <a:br>
-              <a:rPr kumimoji="0" lang="en-US" altLang="en-US" sz="2400" b="0" i="0" u="none" strike="noStrike" cap="none" normalizeH="0" baseline="0" dirty="0">
-                <a:ln>
-                  <a:noFill/>
-                </a:ln>
-                <a:solidFill>
-                  <a:srgbClr val="000000"/>
-                </a:solidFill>
-                <a:effectLst/>
-                <a:latin typeface="Consolas" panose="020B0609020204030204" pitchFamily="49" charset="0"/>
-              </a:rPr>
-            </a:br>
-            <a:r>
-              <a:rPr kumimoji="0" lang="en-US" altLang="en-US" sz="2400" b="0" i="0" u="none" strike="noStrike" cap="none" normalizeH="0" baseline="0" dirty="0">
-                <a:ln>
-                  <a:noFill/>
-                </a:ln>
-                <a:solidFill>
-                  <a:srgbClr val="0000CD"/>
-                </a:solidFill>
-                <a:effectLst/>
-                <a:latin typeface="Consolas" panose="020B0609020204030204" pitchFamily="49" charset="0"/>
-              </a:rPr>
-              <a:t>except</a:t>
-            </a:r>
-            <a:r>
-              <a:rPr kumimoji="0" lang="en-US" altLang="en-US" sz="2400" b="0" i="0" u="none" strike="noStrike" cap="none" normalizeH="0" baseline="0" dirty="0">
-                <a:ln>
-                  <a:noFill/>
-                </a:ln>
-                <a:solidFill>
-                  <a:srgbClr val="000000"/>
-                </a:solidFill>
-                <a:effectLst/>
-                <a:latin typeface="Consolas" panose="020B0609020204030204" pitchFamily="49" charset="0"/>
-              </a:rPr>
-              <a:t> </a:t>
-            </a:r>
-            <a:r>
-              <a:rPr kumimoji="0" lang="en-US" altLang="en-US" sz="2400" b="0" i="0" u="none" strike="noStrike" cap="none" normalizeH="0" baseline="0" dirty="0" err="1">
-                <a:ln>
-                  <a:noFill/>
-                </a:ln>
-                <a:solidFill>
-                  <a:srgbClr val="000000"/>
-                </a:solidFill>
-                <a:effectLst/>
-                <a:latin typeface="Consolas" panose="020B0609020204030204" pitchFamily="49" charset="0"/>
-              </a:rPr>
-              <a:t>NameError</a:t>
-            </a:r>
-            <a:r>
-              <a:rPr kumimoji="0" lang="en-US" altLang="en-US" sz="2400" b="0" i="0" u="none" strike="noStrike" cap="none" normalizeH="0" baseline="0" dirty="0">
-                <a:ln>
-                  <a:noFill/>
-                </a:ln>
-                <a:solidFill>
-                  <a:srgbClr val="000000"/>
-                </a:solidFill>
-                <a:effectLst/>
-                <a:latin typeface="Consolas" panose="020B0609020204030204" pitchFamily="49" charset="0"/>
-              </a:rPr>
-              <a:t>:</a:t>
-            </a:r>
-            <a:br>
-              <a:rPr kumimoji="0" lang="en-US" altLang="en-US" sz="2400" b="0" i="0" u="none" strike="noStrike" cap="none" normalizeH="0" baseline="0" dirty="0">
-                <a:ln>
-                  <a:noFill/>
-                </a:ln>
-                <a:solidFill>
-                  <a:srgbClr val="000000"/>
-                </a:solidFill>
-                <a:effectLst/>
-                <a:latin typeface="Consolas" panose="020B0609020204030204" pitchFamily="49" charset="0"/>
-              </a:rPr>
-            </a:br>
-            <a:r>
-              <a:rPr kumimoji="0" lang="en-US" altLang="en-US" sz="2400" b="0" i="0" u="none" strike="noStrike" cap="none" normalizeH="0" baseline="0" dirty="0">
-                <a:ln>
-                  <a:noFill/>
-                </a:ln>
-                <a:solidFill>
-                  <a:srgbClr val="000000"/>
-                </a:solidFill>
-                <a:effectLst/>
-                <a:latin typeface="Consolas" panose="020B0609020204030204" pitchFamily="49" charset="0"/>
-              </a:rPr>
-              <a:t>  </a:t>
-            </a:r>
-            <a:r>
-              <a:rPr kumimoji="0" lang="en-US" altLang="en-US" sz="2400" b="0" i="0" u="none" strike="noStrike" cap="none" normalizeH="0" baseline="0" dirty="0">
-                <a:ln>
-                  <a:noFill/>
-                </a:ln>
-                <a:solidFill>
-                  <a:srgbClr val="0000CD"/>
-                </a:solidFill>
-                <a:effectLst/>
-                <a:latin typeface="Consolas" panose="020B0609020204030204" pitchFamily="49" charset="0"/>
-              </a:rPr>
-              <a:t>print</a:t>
-            </a:r>
-            <a:r>
-              <a:rPr kumimoji="0" lang="en-US" altLang="en-US" sz="2400" b="0" i="0" u="none" strike="noStrike" cap="none" normalizeH="0" baseline="0" dirty="0">
-                <a:ln>
-                  <a:noFill/>
-                </a:ln>
-                <a:solidFill>
-                  <a:srgbClr val="000000"/>
-                </a:solidFill>
-                <a:effectLst/>
-                <a:latin typeface="Consolas" panose="020B0609020204030204" pitchFamily="49" charset="0"/>
-              </a:rPr>
-              <a:t>(</a:t>
-            </a:r>
-            <a:r>
-              <a:rPr kumimoji="0" lang="en-US" altLang="en-US" sz="2400" b="0" i="0" u="none" strike="noStrike" cap="none" normalizeH="0" baseline="0" dirty="0">
-                <a:ln>
-                  <a:noFill/>
-                </a:ln>
-                <a:solidFill>
-                  <a:srgbClr val="A52A2A"/>
-                </a:solidFill>
-                <a:effectLst/>
-                <a:latin typeface="Consolas" panose="020B0609020204030204" pitchFamily="49" charset="0"/>
-              </a:rPr>
-              <a:t>"Variable x is not defined"</a:t>
-            </a:r>
-            <a:r>
-              <a:rPr kumimoji="0" lang="en-US" altLang="en-US" sz="2400" b="0" i="0" u="none" strike="noStrike" cap="none" normalizeH="0" baseline="0" dirty="0">
-                <a:ln>
-                  <a:noFill/>
-                </a:ln>
-                <a:solidFill>
-                  <a:srgbClr val="000000"/>
-                </a:solidFill>
-                <a:effectLst/>
-                <a:latin typeface="Consolas" panose="020B0609020204030204" pitchFamily="49" charset="0"/>
-              </a:rPr>
-              <a:t>)</a:t>
-            </a:r>
-            <a:br>
-              <a:rPr kumimoji="0" lang="en-US" altLang="en-US" sz="2400" b="0" i="0" u="none" strike="noStrike" cap="none" normalizeH="0" baseline="0" dirty="0">
-                <a:ln>
-                  <a:noFill/>
-                </a:ln>
-                <a:solidFill>
-                  <a:srgbClr val="000000"/>
-                </a:solidFill>
-                <a:effectLst/>
-                <a:latin typeface="Consolas" panose="020B0609020204030204" pitchFamily="49" charset="0"/>
-              </a:rPr>
-            </a:br>
-            <a:r>
-              <a:rPr kumimoji="0" lang="en-US" altLang="en-US" sz="2400" b="0" i="0" u="none" strike="noStrike" cap="none" normalizeH="0" baseline="0" dirty="0">
-                <a:ln>
-                  <a:noFill/>
-                </a:ln>
-                <a:solidFill>
-                  <a:srgbClr val="0000CD"/>
-                </a:solidFill>
-                <a:effectLst/>
-                <a:latin typeface="Consolas" panose="020B0609020204030204" pitchFamily="49" charset="0"/>
-              </a:rPr>
-              <a:t>except</a:t>
-            </a:r>
-            <a:r>
-              <a:rPr kumimoji="0" lang="en-US" altLang="en-US" sz="2400" b="0" i="0" u="none" strike="noStrike" cap="none" normalizeH="0" baseline="0" dirty="0">
-                <a:ln>
-                  <a:noFill/>
-                </a:ln>
-                <a:solidFill>
-                  <a:srgbClr val="000000"/>
-                </a:solidFill>
-                <a:effectLst/>
-                <a:latin typeface="Consolas" panose="020B0609020204030204" pitchFamily="49" charset="0"/>
-              </a:rPr>
-              <a:t>:</a:t>
-            </a:r>
-            <a:br>
-              <a:rPr kumimoji="0" lang="en-US" altLang="en-US" sz="2400" b="0" i="0" u="none" strike="noStrike" cap="none" normalizeH="0" baseline="0" dirty="0">
-                <a:ln>
-                  <a:noFill/>
-                </a:ln>
-                <a:solidFill>
-                  <a:srgbClr val="000000"/>
-                </a:solidFill>
-                <a:effectLst/>
-                <a:latin typeface="Consolas" panose="020B0609020204030204" pitchFamily="49" charset="0"/>
-              </a:rPr>
-            </a:br>
-            <a:r>
-              <a:rPr kumimoji="0" lang="en-US" altLang="en-US" sz="2400" b="0" i="0" u="none" strike="noStrike" cap="none" normalizeH="0" baseline="0" dirty="0">
-                <a:ln>
-                  <a:noFill/>
-                </a:ln>
-                <a:solidFill>
-                  <a:srgbClr val="000000"/>
-                </a:solidFill>
-                <a:effectLst/>
-                <a:latin typeface="Consolas" panose="020B0609020204030204" pitchFamily="49" charset="0"/>
-              </a:rPr>
-              <a:t>  </a:t>
-            </a:r>
-            <a:r>
-              <a:rPr kumimoji="0" lang="en-US" altLang="en-US" sz="2400" b="0" i="0" u="none" strike="noStrike" cap="none" normalizeH="0" baseline="0" dirty="0">
-                <a:ln>
-                  <a:noFill/>
-                </a:ln>
-                <a:solidFill>
-                  <a:srgbClr val="0000CD"/>
-                </a:solidFill>
-                <a:effectLst/>
-                <a:latin typeface="Consolas" panose="020B0609020204030204" pitchFamily="49" charset="0"/>
-              </a:rPr>
-              <a:t>print</a:t>
-            </a:r>
-            <a:r>
-              <a:rPr kumimoji="0" lang="en-US" altLang="en-US" sz="2400" b="0" i="0" u="none" strike="noStrike" cap="none" normalizeH="0" baseline="0" dirty="0">
-                <a:ln>
-                  <a:noFill/>
-                </a:ln>
-                <a:solidFill>
-                  <a:srgbClr val="000000"/>
-                </a:solidFill>
-                <a:effectLst/>
-                <a:latin typeface="Consolas" panose="020B0609020204030204" pitchFamily="49" charset="0"/>
-              </a:rPr>
-              <a:t>(</a:t>
-            </a:r>
-            <a:r>
-              <a:rPr kumimoji="0" lang="en-US" altLang="en-US" sz="2400" b="0" i="0" u="none" strike="noStrike" cap="none" normalizeH="0" baseline="0" dirty="0">
-                <a:ln>
-                  <a:noFill/>
-                </a:ln>
-                <a:solidFill>
-                  <a:srgbClr val="A52A2A"/>
-                </a:solidFill>
-                <a:effectLst/>
-                <a:latin typeface="Consolas" panose="020B0609020204030204" pitchFamily="49" charset="0"/>
-              </a:rPr>
-              <a:t>"Something else went wrong"</a:t>
-            </a:r>
-            <a:r>
-              <a:rPr kumimoji="0" lang="en-US" altLang="en-US" sz="2400" b="0" i="0" u="none" strike="noStrike" cap="none" normalizeH="0" baseline="0" dirty="0">
-                <a:ln>
-                  <a:noFill/>
-                </a:ln>
-                <a:solidFill>
-                  <a:srgbClr val="000000"/>
-                </a:solidFill>
-                <a:effectLst/>
-                <a:latin typeface="Consolas" panose="020B0609020204030204" pitchFamily="49" charset="0"/>
-              </a:rPr>
-              <a:t>)</a:t>
-            </a:r>
-            <a:endParaRPr kumimoji="0" lang="en-US" altLang="en-US" sz="2400" b="0" i="0" u="none" strike="noStrike" cap="none" normalizeH="0" baseline="0" dirty="0">
-              <a:ln>
-                <a:noFill/>
-              </a:ln>
-              <a:solidFill>
-                <a:schemeClr val="tx1"/>
-              </a:solidFill>
-              <a:effectLst/>
-              <a:latin typeface="Arial" panose="020B0604020202020204" pitchFamily="34" charset="0"/>
-            </a:endParaRPr>
-          </a:p>
-        </p:txBody>
-      </p:sp>
-    </p:spTree>
-    <p:extLst>
-      <p:ext uri="{BB962C8B-B14F-4D97-AF65-F5344CB8AC3E}">
-        <p14:creationId xmlns:p14="http://schemas.microsoft.com/office/powerpoint/2010/main" val="2730511761"/>
-      </p:ext>
-    </p:extLst>
-  </p:cSld>
-  <p:clrMapOvr>
-    <a:masterClrMapping/>
-  </p:clrMapOvr>
-  <mc:AlternateContent xmlns:mc="http://schemas.openxmlformats.org/markup-compatibility/2006" xmlns:p14="http://schemas.microsoft.com/office/powerpoint/2010/main">
-    <mc:Choice Requires="p14">
-      <p:transition spd="slow" p14:dur="1200">
-        <p14:prism/>
-      </p:transition>
-    </mc:Choice>
-    <mc:Fallback xmlns="">
-      <p:transition spd="slow">
-        <p:fade/>
-      </p:transition>
-    </mc:Fallback>
-  </mc:AlternateContent>
-</p:sld>
-</file>
-
-<file path=ppt/slides/slide17.xml><?xml version="1.0" encoding="utf-8"?>
-<p:sld xmlns:a="http://schemas.openxmlformats.org/drawingml/2006/main" xmlns:r="http://schemas.openxmlformats.org/officeDocument/2006/relationships" xmlns:p="http://schemas.openxmlformats.org/presentationml/2006/main">
-  <p:cSld>
-    <p:spTree>
-      <p:nvGrpSpPr>
-        <p:cNvPr id="1" name=""/>
-        <p:cNvGrpSpPr/>
-        <p:nvPr/>
-      </p:nvGrpSpPr>
-      <p:grpSpPr>
-        <a:xfrm>
-          <a:off x="0" y="0"/>
-          <a:ext cx="0" cy="0"/>
-          <a:chOff x="0" y="0"/>
-          <a:chExt cx="0" cy="0"/>
-        </a:xfrm>
-      </p:grpSpPr>
-      <p:sp>
-        <p:nvSpPr>
-          <p:cNvPr id="6" name="TextBox 5">
-            <a:extLst>
-              <a:ext uri="{FF2B5EF4-FFF2-40B4-BE49-F238E27FC236}">
-                <a16:creationId xmlns:a16="http://schemas.microsoft.com/office/drawing/2014/main" id="{CE8C9024-1B2C-4E5F-8982-C6D7F965C621}"/>
-              </a:ext>
-            </a:extLst>
-          </p:cNvPr>
-          <p:cNvSpPr txBox="1"/>
-          <p:nvPr/>
-        </p:nvSpPr>
-        <p:spPr>
-          <a:xfrm>
-            <a:off x="1324685" y="491804"/>
-            <a:ext cx="8080571" cy="584775"/>
-          </a:xfrm>
-          <a:prstGeom prst="rect">
-            <a:avLst/>
-          </a:prstGeom>
-          <a:noFill/>
-        </p:spPr>
-        <p:txBody>
-          <a:bodyPr wrap="square">
-            <a:spAutoFit/>
-          </a:bodyPr>
-          <a:lstStyle/>
-          <a:p>
-            <a:r>
-              <a:rPr lang="en-CA" sz="3200" b="1" i="0" dirty="0">
-                <a:solidFill>
-                  <a:srgbClr val="000000"/>
-                </a:solidFill>
-                <a:effectLst/>
-                <a:latin typeface="Segoe UI" panose="020B0502040204020203" pitchFamily="34" charset="0"/>
-              </a:rPr>
-              <a:t>Else</a:t>
-            </a:r>
-          </a:p>
-        </p:txBody>
-      </p:sp>
-      <p:sp>
-        <p:nvSpPr>
-          <p:cNvPr id="2" name="Rectangle 1">
-            <a:extLst>
-              <a:ext uri="{FF2B5EF4-FFF2-40B4-BE49-F238E27FC236}">
-                <a16:creationId xmlns:a16="http://schemas.microsoft.com/office/drawing/2014/main" id="{9F15F9AC-BF35-4868-BD34-276D19D35147}"/>
-              </a:ext>
-            </a:extLst>
-          </p:cNvPr>
-          <p:cNvSpPr>
-            <a:spLocks noChangeArrowheads="1"/>
-          </p:cNvSpPr>
-          <p:nvPr/>
-        </p:nvSpPr>
-        <p:spPr bwMode="auto">
-          <a:xfrm>
-            <a:off x="1073020" y="1622825"/>
-            <a:ext cx="10245012" cy="4190850"/>
-          </a:xfrm>
-          <a:prstGeom prst="rect">
-            <a:avLst/>
-          </a:prstGeom>
-          <a:solidFill>
-            <a:srgbClr val="E7E9EB"/>
-          </a:solidFill>
-          <a:ln>
-            <a:noFill/>
-          </a:ln>
-          <a:effectLst/>
-          <a:extLst>
-            <a:ext uri="{91240B29-F687-4F45-9708-019B960494DF}">
-              <a14:hiddenLine xmlns:a14="http://schemas.microsoft.com/office/drawing/2010/main" w="9525">
-                <a:solidFill>
-                  <a:schemeClr val="tx1"/>
-                </a:solidFill>
-                <a:miter lim="800000"/>
-                <a:headEnd/>
-                <a:tailEnd/>
-              </a14:hiddenLine>
-            </a:ext>
-            <a:ext uri="{AF507438-7753-43E0-B8FC-AC1667EBCBE1}">
-              <a14:hiddenEffects xmlns:a14="http://schemas.microsoft.com/office/drawing/2010/main">
-                <a:effectLst>
-                  <a:outerShdw dist="35921" dir="2700000" algn="ctr" rotWithShape="0">
-                    <a:schemeClr val="bg2"/>
-                  </a:outerShdw>
-                </a:effectLst>
-              </a14:hiddenEffects>
-            </a:ext>
-          </a:extLst>
-        </p:spPr>
-        <p:txBody>
-          <a:bodyPr vert="horz" wrap="square" lIns="0" tIns="63480" rIns="0" bIns="63480" numCol="1" anchor="ctr" anchorCtr="0" compatLnSpc="1">
-            <a:prstTxWarp prst="textNoShape">
-              <a:avLst/>
-            </a:prstTxWarp>
-            <a:spAutoFit/>
-          </a:bodyPr>
-          <a:lstStyle>
-            <a:lvl1pPr eaLnBrk="0" fontAlgn="base" hangingPunct="0">
-              <a:spcBef>
-                <a:spcPct val="0"/>
-              </a:spcBef>
-              <a:spcAft>
-                <a:spcPct val="0"/>
-              </a:spcAft>
-              <a:defRPr>
-                <a:solidFill>
-                  <a:schemeClr val="tx1"/>
-                </a:solidFill>
-                <a:latin typeface="Arial" panose="020B0604020202020204" pitchFamily="34" charset="0"/>
-              </a:defRPr>
-            </a:lvl1pPr>
-            <a:lvl2pPr eaLnBrk="0" fontAlgn="base" hangingPunct="0">
-              <a:spcBef>
-                <a:spcPct val="0"/>
-              </a:spcBef>
-              <a:spcAft>
-                <a:spcPct val="0"/>
-              </a:spcAft>
-              <a:defRPr>
-                <a:solidFill>
-                  <a:schemeClr val="tx1"/>
-                </a:solidFill>
-                <a:latin typeface="Arial" panose="020B0604020202020204" pitchFamily="34" charset="0"/>
-              </a:defRPr>
-            </a:lvl2pPr>
-            <a:lvl3pPr eaLnBrk="0" fontAlgn="base" hangingPunct="0">
-              <a:spcBef>
-                <a:spcPct val="0"/>
-              </a:spcBef>
-              <a:spcAft>
-                <a:spcPct val="0"/>
-              </a:spcAft>
-              <a:defRPr>
-                <a:solidFill>
-                  <a:schemeClr val="tx1"/>
-                </a:solidFill>
-                <a:latin typeface="Arial" panose="020B0604020202020204" pitchFamily="34" charset="0"/>
-              </a:defRPr>
-            </a:lvl3pPr>
-            <a:lvl4pPr eaLnBrk="0" fontAlgn="base" hangingPunct="0">
-              <a:spcBef>
-                <a:spcPct val="0"/>
-              </a:spcBef>
-              <a:spcAft>
-                <a:spcPct val="0"/>
-              </a:spcAft>
-              <a:defRPr>
-                <a:solidFill>
-                  <a:schemeClr val="tx1"/>
-                </a:solidFill>
-                <a:latin typeface="Arial" panose="020B0604020202020204" pitchFamily="34" charset="0"/>
-              </a:defRPr>
-            </a:lvl4pPr>
-            <a:lvl5pPr eaLnBrk="0" fontAlgn="base" hangingPunct="0">
-              <a:spcBef>
-                <a:spcPct val="0"/>
-              </a:spcBef>
-              <a:spcAft>
-                <a:spcPct val="0"/>
-              </a:spcAft>
-              <a:defRPr>
-                <a:solidFill>
-                  <a:schemeClr val="tx1"/>
-                </a:solidFill>
-                <a:latin typeface="Arial" panose="020B0604020202020204" pitchFamily="34" charset="0"/>
-              </a:defRPr>
-            </a:lvl5pPr>
-            <a:lvl6pPr eaLnBrk="0" fontAlgn="base" hangingPunct="0">
-              <a:spcBef>
-                <a:spcPct val="0"/>
-              </a:spcBef>
-              <a:spcAft>
-                <a:spcPct val="0"/>
-              </a:spcAft>
-              <a:defRPr>
-                <a:solidFill>
-                  <a:schemeClr val="tx1"/>
-                </a:solidFill>
-                <a:latin typeface="Arial" panose="020B0604020202020204" pitchFamily="34" charset="0"/>
-              </a:defRPr>
-            </a:lvl6pPr>
-            <a:lvl7pPr eaLnBrk="0" fontAlgn="base" hangingPunct="0">
-              <a:spcBef>
-                <a:spcPct val="0"/>
-              </a:spcBef>
-              <a:spcAft>
-                <a:spcPct val="0"/>
-              </a:spcAft>
-              <a:defRPr>
-                <a:solidFill>
-                  <a:schemeClr val="tx1"/>
-                </a:solidFill>
-                <a:latin typeface="Arial" panose="020B0604020202020204" pitchFamily="34" charset="0"/>
-              </a:defRPr>
-            </a:lvl7pPr>
-            <a:lvl8pPr eaLnBrk="0" fontAlgn="base" hangingPunct="0">
-              <a:spcBef>
-                <a:spcPct val="0"/>
-              </a:spcBef>
-              <a:spcAft>
-                <a:spcPct val="0"/>
-              </a:spcAft>
-              <a:defRPr>
-                <a:solidFill>
-                  <a:schemeClr val="tx1"/>
-                </a:solidFill>
-                <a:latin typeface="Arial" panose="020B0604020202020204" pitchFamily="34" charset="0"/>
-              </a:defRPr>
-            </a:lvl8pPr>
-            <a:lvl9pPr eaLnBrk="0" fontAlgn="base" hangingPunct="0">
-              <a:spcBef>
-                <a:spcPct val="0"/>
-              </a:spcBef>
-              <a:spcAft>
-                <a:spcPct val="0"/>
-              </a:spcAft>
-              <a:defRPr>
-                <a:solidFill>
-                  <a:schemeClr val="tx1"/>
-                </a:solidFill>
-                <a:latin typeface="Arial" panose="020B0604020202020204" pitchFamily="34" charset="0"/>
-              </a:defRPr>
-            </a:lvl9pPr>
-          </a:lstStyle>
-          <a:p>
-            <a:pPr marL="0" marR="0" lvl="0" indent="0" algn="l" defTabSz="914400" rtl="0" eaLnBrk="0" fontAlgn="base" latinLnBrk="0" hangingPunct="0">
-              <a:lnSpc>
-                <a:spcPct val="100000"/>
-              </a:lnSpc>
-              <a:spcBef>
-                <a:spcPct val="0"/>
-              </a:spcBef>
-              <a:spcAft>
-                <a:spcPct val="0"/>
-              </a:spcAft>
-              <a:buClrTx/>
-              <a:buSzTx/>
-              <a:buFontTx/>
-              <a:buNone/>
-              <a:tabLst/>
-            </a:pPr>
-            <a:r>
-              <a:rPr kumimoji="0" lang="en-US" altLang="en-US" sz="2400" b="0" i="0" u="none" strike="noStrike" cap="none" normalizeH="0" baseline="0" dirty="0">
-                <a:ln>
-                  <a:noFill/>
-                </a:ln>
-                <a:solidFill>
-                  <a:srgbClr val="000000"/>
-                </a:solidFill>
-                <a:effectLst/>
-                <a:latin typeface="Verdana" panose="020B0604030504040204" pitchFamily="34" charset="0"/>
-              </a:rPr>
-              <a:t>You can use the </a:t>
-            </a:r>
-            <a:r>
-              <a:rPr kumimoji="0" lang="en-US" altLang="en-US" sz="2400" b="0" i="0" u="none" strike="noStrike" cap="none" normalizeH="0" baseline="0" dirty="0">
-                <a:ln>
-                  <a:noFill/>
-                </a:ln>
-                <a:solidFill>
-                  <a:srgbClr val="DC143C"/>
-                </a:solidFill>
-                <a:effectLst/>
-                <a:latin typeface="Consolas" panose="020B0609020204030204" pitchFamily="49" charset="0"/>
-              </a:rPr>
-              <a:t>else</a:t>
-            </a:r>
-            <a:r>
-              <a:rPr kumimoji="0" lang="en-US" altLang="en-US" sz="2400" b="0" i="0" u="none" strike="noStrike" cap="none" normalizeH="0" baseline="0" dirty="0">
-                <a:ln>
-                  <a:noFill/>
-                </a:ln>
-                <a:solidFill>
-                  <a:srgbClr val="000000"/>
-                </a:solidFill>
-                <a:effectLst/>
-                <a:latin typeface="Verdana" panose="020B0604030504040204" pitchFamily="34" charset="0"/>
-              </a:rPr>
-              <a:t> keyword to define a block of code to be executed if no errors were raised:</a:t>
-            </a:r>
-            <a:endParaRPr kumimoji="0" lang="en-US" altLang="en-US" sz="2400" b="0" i="0" u="none" strike="noStrike" cap="none" normalizeH="0" baseline="0" dirty="0">
-              <a:ln>
-                <a:noFill/>
-              </a:ln>
-              <a:solidFill>
-                <a:schemeClr val="tx1"/>
-              </a:solidFill>
-              <a:effectLst/>
-            </a:endParaRPr>
-          </a:p>
-          <a:p>
-            <a:pPr marL="0" marR="0" lvl="0" indent="0" algn="l" defTabSz="914400" rtl="0" eaLnBrk="0" fontAlgn="base" latinLnBrk="0" hangingPunct="0">
-              <a:lnSpc>
-                <a:spcPct val="100000"/>
-              </a:lnSpc>
-              <a:spcBef>
-                <a:spcPct val="0"/>
-              </a:spcBef>
-              <a:spcAft>
-                <a:spcPct val="0"/>
-              </a:spcAft>
-              <a:buClrTx/>
-              <a:buSzTx/>
-              <a:buFontTx/>
-              <a:buNone/>
-              <a:tabLst/>
-            </a:pPr>
-            <a:endParaRPr kumimoji="0" lang="en-US" altLang="en-US" sz="2400" b="0" i="0" u="none" strike="noStrike" cap="none" normalizeH="0" baseline="0" dirty="0">
-              <a:ln>
-                <a:noFill/>
-              </a:ln>
-              <a:solidFill>
-                <a:srgbClr val="000000"/>
-              </a:solidFill>
-              <a:effectLst/>
-              <a:latin typeface="Segoe UI" panose="020B0502040204020203" pitchFamily="34" charset="0"/>
-              <a:cs typeface="Segoe UI" panose="020B0502040204020203" pitchFamily="34" charset="0"/>
-            </a:endParaRPr>
-          </a:p>
-          <a:p>
-            <a:pPr marL="0" marR="0" lvl="0" indent="0" algn="l" defTabSz="914400" rtl="0" eaLnBrk="0" fontAlgn="base" latinLnBrk="0" hangingPunct="0">
-              <a:lnSpc>
-                <a:spcPct val="100000"/>
-              </a:lnSpc>
-              <a:spcBef>
-                <a:spcPct val="0"/>
-              </a:spcBef>
-              <a:spcAft>
-                <a:spcPct val="0"/>
-              </a:spcAft>
-              <a:buClrTx/>
-              <a:buSzTx/>
-              <a:buFontTx/>
-              <a:buNone/>
-              <a:tabLst/>
-            </a:pPr>
-            <a:r>
-              <a:rPr kumimoji="0" lang="en-US" altLang="en-US" sz="2400" b="0" i="0" u="none" strike="noStrike" cap="none" normalizeH="0" baseline="0" dirty="0">
-                <a:ln>
-                  <a:noFill/>
-                </a:ln>
-                <a:solidFill>
-                  <a:srgbClr val="000000"/>
-                </a:solidFill>
-                <a:effectLst/>
-                <a:latin typeface="Segoe UI" panose="020B0502040204020203" pitchFamily="34" charset="0"/>
-                <a:cs typeface="Segoe UI" panose="020B0502040204020203" pitchFamily="34" charset="0"/>
-              </a:rPr>
-              <a:t>Example</a:t>
-            </a:r>
-          </a:p>
-          <a:p>
-            <a:pPr marL="0" marR="0" lvl="0" indent="0" algn="l" defTabSz="914400" rtl="0" eaLnBrk="0" fontAlgn="base" latinLnBrk="0" hangingPunct="0">
-              <a:lnSpc>
-                <a:spcPct val="100000"/>
-              </a:lnSpc>
-              <a:spcBef>
-                <a:spcPct val="0"/>
-              </a:spcBef>
-              <a:spcAft>
-                <a:spcPct val="0"/>
-              </a:spcAft>
-              <a:buClrTx/>
-              <a:buSzTx/>
-              <a:buFontTx/>
-              <a:buNone/>
-              <a:tabLst/>
-            </a:pPr>
-            <a:r>
-              <a:rPr kumimoji="0" lang="en-US" altLang="en-US" sz="2400" b="0" i="0" u="none" strike="noStrike" cap="none" normalizeH="0" baseline="0" dirty="0">
-                <a:ln>
-                  <a:noFill/>
-                </a:ln>
-                <a:solidFill>
-                  <a:srgbClr val="000000"/>
-                </a:solidFill>
-                <a:effectLst/>
-                <a:latin typeface="Verdana" panose="020B0604030504040204" pitchFamily="34" charset="0"/>
-              </a:rPr>
-              <a:t>In this example, the </a:t>
-            </a:r>
-            <a:r>
-              <a:rPr kumimoji="0" lang="en-US" altLang="en-US" sz="2400" b="0" i="0" u="none" strike="noStrike" cap="none" normalizeH="0" baseline="0" dirty="0">
-                <a:ln>
-                  <a:noFill/>
-                </a:ln>
-                <a:solidFill>
-                  <a:srgbClr val="DC143C"/>
-                </a:solidFill>
-                <a:effectLst/>
-                <a:latin typeface="Consolas" panose="020B0609020204030204" pitchFamily="49" charset="0"/>
-              </a:rPr>
-              <a:t>try</a:t>
-            </a:r>
-            <a:r>
-              <a:rPr kumimoji="0" lang="en-US" altLang="en-US" sz="2400" b="0" i="0" u="none" strike="noStrike" cap="none" normalizeH="0" baseline="0" dirty="0">
-                <a:ln>
-                  <a:noFill/>
-                </a:ln>
-                <a:solidFill>
-                  <a:srgbClr val="000000"/>
-                </a:solidFill>
-                <a:effectLst/>
-                <a:latin typeface="Verdana" panose="020B0604030504040204" pitchFamily="34" charset="0"/>
-              </a:rPr>
-              <a:t> block does not generate any error:</a:t>
-            </a:r>
-          </a:p>
-          <a:p>
-            <a:pPr marL="0" marR="0" lvl="0" indent="0" algn="l" defTabSz="914400" rtl="0" eaLnBrk="0" fontAlgn="base" latinLnBrk="0" hangingPunct="0">
-              <a:lnSpc>
-                <a:spcPct val="100000"/>
-              </a:lnSpc>
-              <a:spcBef>
-                <a:spcPct val="0"/>
-              </a:spcBef>
-              <a:spcAft>
-                <a:spcPct val="0"/>
-              </a:spcAft>
-              <a:buClrTx/>
-              <a:buSzTx/>
-              <a:buFontTx/>
-              <a:buNone/>
-              <a:tabLst/>
-            </a:pPr>
-            <a:r>
-              <a:rPr kumimoji="0" lang="en-US" altLang="en-US" sz="2400" b="0" i="0" u="none" strike="noStrike" cap="none" normalizeH="0" baseline="0" dirty="0">
-                <a:ln>
-                  <a:noFill/>
-                </a:ln>
-                <a:solidFill>
-                  <a:srgbClr val="0000CD"/>
-                </a:solidFill>
-                <a:effectLst/>
-                <a:latin typeface="Consolas" panose="020B0609020204030204" pitchFamily="49" charset="0"/>
-              </a:rPr>
-              <a:t>try</a:t>
-            </a:r>
-            <a:r>
-              <a:rPr kumimoji="0" lang="en-US" altLang="en-US" sz="2400" b="0" i="0" u="none" strike="noStrike" cap="none" normalizeH="0" baseline="0" dirty="0">
-                <a:ln>
-                  <a:noFill/>
-                </a:ln>
-                <a:solidFill>
-                  <a:srgbClr val="000000"/>
-                </a:solidFill>
-                <a:effectLst/>
-                <a:latin typeface="Consolas" panose="020B0609020204030204" pitchFamily="49" charset="0"/>
-              </a:rPr>
-              <a:t>:</a:t>
-            </a:r>
-            <a:br>
-              <a:rPr kumimoji="0" lang="en-US" altLang="en-US" sz="2400" b="0" i="0" u="none" strike="noStrike" cap="none" normalizeH="0" baseline="0" dirty="0">
-                <a:ln>
-                  <a:noFill/>
-                </a:ln>
-                <a:solidFill>
-                  <a:srgbClr val="000000"/>
-                </a:solidFill>
-                <a:effectLst/>
-                <a:latin typeface="Consolas" panose="020B0609020204030204" pitchFamily="49" charset="0"/>
-              </a:rPr>
-            </a:br>
-            <a:r>
-              <a:rPr kumimoji="0" lang="en-US" altLang="en-US" sz="2400" b="0" i="0" u="none" strike="noStrike" cap="none" normalizeH="0" baseline="0" dirty="0">
-                <a:ln>
-                  <a:noFill/>
-                </a:ln>
-                <a:solidFill>
-                  <a:srgbClr val="000000"/>
-                </a:solidFill>
-                <a:effectLst/>
-                <a:latin typeface="Consolas" panose="020B0609020204030204" pitchFamily="49" charset="0"/>
-              </a:rPr>
-              <a:t>  </a:t>
-            </a:r>
-            <a:r>
-              <a:rPr kumimoji="0" lang="en-US" altLang="en-US" sz="2400" b="0" i="0" u="none" strike="noStrike" cap="none" normalizeH="0" baseline="0" dirty="0">
-                <a:ln>
-                  <a:noFill/>
-                </a:ln>
-                <a:solidFill>
-                  <a:srgbClr val="0000CD"/>
-                </a:solidFill>
-                <a:effectLst/>
-                <a:latin typeface="Consolas" panose="020B0609020204030204" pitchFamily="49" charset="0"/>
-              </a:rPr>
-              <a:t>print</a:t>
-            </a:r>
-            <a:r>
-              <a:rPr kumimoji="0" lang="en-US" altLang="en-US" sz="2400" b="0" i="0" u="none" strike="noStrike" cap="none" normalizeH="0" baseline="0" dirty="0">
-                <a:ln>
-                  <a:noFill/>
-                </a:ln>
-                <a:solidFill>
-                  <a:srgbClr val="000000"/>
-                </a:solidFill>
-                <a:effectLst/>
-                <a:latin typeface="Consolas" panose="020B0609020204030204" pitchFamily="49" charset="0"/>
-              </a:rPr>
-              <a:t>(</a:t>
-            </a:r>
-            <a:r>
-              <a:rPr kumimoji="0" lang="en-US" altLang="en-US" sz="2400" b="0" i="0" u="none" strike="noStrike" cap="none" normalizeH="0" baseline="0" dirty="0">
-                <a:ln>
-                  <a:noFill/>
-                </a:ln>
-                <a:solidFill>
-                  <a:srgbClr val="A52A2A"/>
-                </a:solidFill>
-                <a:effectLst/>
-                <a:latin typeface="Consolas" panose="020B0609020204030204" pitchFamily="49" charset="0"/>
-              </a:rPr>
-              <a:t>"Hello"</a:t>
-            </a:r>
-            <a:r>
-              <a:rPr kumimoji="0" lang="en-US" altLang="en-US" sz="2400" b="0" i="0" u="none" strike="noStrike" cap="none" normalizeH="0" baseline="0" dirty="0">
-                <a:ln>
-                  <a:noFill/>
-                </a:ln>
-                <a:solidFill>
-                  <a:srgbClr val="000000"/>
-                </a:solidFill>
-                <a:effectLst/>
-                <a:latin typeface="Consolas" panose="020B0609020204030204" pitchFamily="49" charset="0"/>
-              </a:rPr>
-              <a:t>)</a:t>
-            </a:r>
-            <a:br>
-              <a:rPr kumimoji="0" lang="en-US" altLang="en-US" sz="2400" b="0" i="0" u="none" strike="noStrike" cap="none" normalizeH="0" baseline="0" dirty="0">
-                <a:ln>
-                  <a:noFill/>
-                </a:ln>
-                <a:solidFill>
-                  <a:srgbClr val="000000"/>
-                </a:solidFill>
-                <a:effectLst/>
-                <a:latin typeface="Consolas" panose="020B0609020204030204" pitchFamily="49" charset="0"/>
-              </a:rPr>
-            </a:br>
-            <a:r>
-              <a:rPr kumimoji="0" lang="en-US" altLang="en-US" sz="2400" b="0" i="0" u="none" strike="noStrike" cap="none" normalizeH="0" baseline="0" dirty="0">
-                <a:ln>
-                  <a:noFill/>
-                </a:ln>
-                <a:solidFill>
-                  <a:srgbClr val="0000CD"/>
-                </a:solidFill>
-                <a:effectLst/>
-                <a:latin typeface="Consolas" panose="020B0609020204030204" pitchFamily="49" charset="0"/>
-              </a:rPr>
-              <a:t>except</a:t>
-            </a:r>
-            <a:r>
-              <a:rPr kumimoji="0" lang="en-US" altLang="en-US" sz="2400" b="0" i="0" u="none" strike="noStrike" cap="none" normalizeH="0" baseline="0" dirty="0">
-                <a:ln>
-                  <a:noFill/>
-                </a:ln>
-                <a:solidFill>
-                  <a:srgbClr val="000000"/>
-                </a:solidFill>
-                <a:effectLst/>
-                <a:latin typeface="Consolas" panose="020B0609020204030204" pitchFamily="49" charset="0"/>
-              </a:rPr>
-              <a:t>:</a:t>
-            </a:r>
-            <a:br>
-              <a:rPr kumimoji="0" lang="en-US" altLang="en-US" sz="2400" b="0" i="0" u="none" strike="noStrike" cap="none" normalizeH="0" baseline="0" dirty="0">
-                <a:ln>
-                  <a:noFill/>
-                </a:ln>
-                <a:solidFill>
-                  <a:srgbClr val="000000"/>
-                </a:solidFill>
-                <a:effectLst/>
-                <a:latin typeface="Consolas" panose="020B0609020204030204" pitchFamily="49" charset="0"/>
-              </a:rPr>
-            </a:br>
-            <a:r>
-              <a:rPr kumimoji="0" lang="en-US" altLang="en-US" sz="2400" b="0" i="0" u="none" strike="noStrike" cap="none" normalizeH="0" baseline="0" dirty="0">
-                <a:ln>
-                  <a:noFill/>
-                </a:ln>
-                <a:solidFill>
-                  <a:srgbClr val="000000"/>
-                </a:solidFill>
-                <a:effectLst/>
-                <a:latin typeface="Consolas" panose="020B0609020204030204" pitchFamily="49" charset="0"/>
-              </a:rPr>
-              <a:t>  </a:t>
-            </a:r>
-            <a:r>
-              <a:rPr kumimoji="0" lang="en-US" altLang="en-US" sz="2400" b="0" i="0" u="none" strike="noStrike" cap="none" normalizeH="0" baseline="0" dirty="0">
-                <a:ln>
-                  <a:noFill/>
-                </a:ln>
-                <a:solidFill>
-                  <a:srgbClr val="0000CD"/>
-                </a:solidFill>
-                <a:effectLst/>
-                <a:latin typeface="Consolas" panose="020B0609020204030204" pitchFamily="49" charset="0"/>
-              </a:rPr>
-              <a:t>print</a:t>
-            </a:r>
-            <a:r>
-              <a:rPr kumimoji="0" lang="en-US" altLang="en-US" sz="2400" b="0" i="0" u="none" strike="noStrike" cap="none" normalizeH="0" baseline="0" dirty="0">
-                <a:ln>
-                  <a:noFill/>
-                </a:ln>
-                <a:solidFill>
-                  <a:srgbClr val="000000"/>
-                </a:solidFill>
-                <a:effectLst/>
-                <a:latin typeface="Consolas" panose="020B0609020204030204" pitchFamily="49" charset="0"/>
-              </a:rPr>
-              <a:t>(</a:t>
-            </a:r>
-            <a:r>
-              <a:rPr kumimoji="0" lang="en-US" altLang="en-US" sz="2400" b="0" i="0" u="none" strike="noStrike" cap="none" normalizeH="0" baseline="0" dirty="0">
-                <a:ln>
-                  <a:noFill/>
-                </a:ln>
-                <a:solidFill>
-                  <a:srgbClr val="A52A2A"/>
-                </a:solidFill>
-                <a:effectLst/>
-                <a:latin typeface="Consolas" panose="020B0609020204030204" pitchFamily="49" charset="0"/>
-              </a:rPr>
-              <a:t>"Something went wrong"</a:t>
-            </a:r>
-            <a:r>
-              <a:rPr kumimoji="0" lang="en-US" altLang="en-US" sz="2400" b="0" i="0" u="none" strike="noStrike" cap="none" normalizeH="0" baseline="0" dirty="0">
-                <a:ln>
-                  <a:noFill/>
-                </a:ln>
-                <a:solidFill>
-                  <a:srgbClr val="000000"/>
-                </a:solidFill>
-                <a:effectLst/>
-                <a:latin typeface="Consolas" panose="020B0609020204030204" pitchFamily="49" charset="0"/>
-              </a:rPr>
-              <a:t>)</a:t>
-            </a:r>
-            <a:br>
-              <a:rPr kumimoji="0" lang="en-US" altLang="en-US" sz="2400" b="0" i="0" u="none" strike="noStrike" cap="none" normalizeH="0" baseline="0" dirty="0">
-                <a:ln>
-                  <a:noFill/>
-                </a:ln>
-                <a:solidFill>
-                  <a:srgbClr val="000000"/>
-                </a:solidFill>
-                <a:effectLst/>
-                <a:latin typeface="Consolas" panose="020B0609020204030204" pitchFamily="49" charset="0"/>
-              </a:rPr>
-            </a:br>
-            <a:r>
-              <a:rPr kumimoji="0" lang="en-US" altLang="en-US" sz="2400" b="0" i="0" u="none" strike="noStrike" cap="none" normalizeH="0" baseline="0" dirty="0">
-                <a:ln>
-                  <a:noFill/>
-                </a:ln>
-                <a:solidFill>
-                  <a:srgbClr val="0000CD"/>
-                </a:solidFill>
-                <a:effectLst/>
-                <a:latin typeface="Consolas" panose="020B0609020204030204" pitchFamily="49" charset="0"/>
-              </a:rPr>
-              <a:t>else</a:t>
-            </a:r>
-            <a:r>
-              <a:rPr kumimoji="0" lang="en-US" altLang="en-US" sz="2400" b="0" i="0" u="none" strike="noStrike" cap="none" normalizeH="0" baseline="0" dirty="0">
-                <a:ln>
-                  <a:noFill/>
-                </a:ln>
-                <a:solidFill>
-                  <a:srgbClr val="000000"/>
-                </a:solidFill>
-                <a:effectLst/>
-                <a:latin typeface="Consolas" panose="020B0609020204030204" pitchFamily="49" charset="0"/>
-              </a:rPr>
-              <a:t>:</a:t>
-            </a:r>
-            <a:br>
-              <a:rPr kumimoji="0" lang="en-US" altLang="en-US" sz="2400" b="0" i="0" u="none" strike="noStrike" cap="none" normalizeH="0" baseline="0" dirty="0">
-                <a:ln>
-                  <a:noFill/>
-                </a:ln>
-                <a:solidFill>
-                  <a:srgbClr val="000000"/>
-                </a:solidFill>
-                <a:effectLst/>
-                <a:latin typeface="Consolas" panose="020B0609020204030204" pitchFamily="49" charset="0"/>
-              </a:rPr>
-            </a:br>
-            <a:r>
-              <a:rPr kumimoji="0" lang="en-US" altLang="en-US" sz="2400" b="0" i="0" u="none" strike="noStrike" cap="none" normalizeH="0" baseline="0" dirty="0">
-                <a:ln>
-                  <a:noFill/>
-                </a:ln>
-                <a:solidFill>
-                  <a:srgbClr val="000000"/>
-                </a:solidFill>
-                <a:effectLst/>
-                <a:latin typeface="Consolas" panose="020B0609020204030204" pitchFamily="49" charset="0"/>
-              </a:rPr>
-              <a:t>  </a:t>
-            </a:r>
-            <a:r>
-              <a:rPr kumimoji="0" lang="en-US" altLang="en-US" sz="2400" b="0" i="0" u="none" strike="noStrike" cap="none" normalizeH="0" baseline="0" dirty="0">
-                <a:ln>
-                  <a:noFill/>
-                </a:ln>
-                <a:solidFill>
-                  <a:srgbClr val="0000CD"/>
-                </a:solidFill>
-                <a:effectLst/>
-                <a:latin typeface="Consolas" panose="020B0609020204030204" pitchFamily="49" charset="0"/>
-              </a:rPr>
-              <a:t>print</a:t>
-            </a:r>
-            <a:r>
-              <a:rPr kumimoji="0" lang="en-US" altLang="en-US" sz="2400" b="0" i="0" u="none" strike="noStrike" cap="none" normalizeH="0" baseline="0" dirty="0">
-                <a:ln>
-                  <a:noFill/>
-                </a:ln>
-                <a:solidFill>
-                  <a:srgbClr val="000000"/>
-                </a:solidFill>
-                <a:effectLst/>
-                <a:latin typeface="Consolas" panose="020B0609020204030204" pitchFamily="49" charset="0"/>
-              </a:rPr>
-              <a:t>(</a:t>
-            </a:r>
-            <a:r>
-              <a:rPr kumimoji="0" lang="en-US" altLang="en-US" sz="2400" b="0" i="0" u="none" strike="noStrike" cap="none" normalizeH="0" baseline="0" dirty="0">
-                <a:ln>
-                  <a:noFill/>
-                </a:ln>
-                <a:solidFill>
-                  <a:srgbClr val="A52A2A"/>
-                </a:solidFill>
-                <a:effectLst/>
-                <a:latin typeface="Consolas" panose="020B0609020204030204" pitchFamily="49" charset="0"/>
-              </a:rPr>
-              <a:t>"Nothing went wrong"</a:t>
-            </a:r>
-            <a:r>
-              <a:rPr kumimoji="0" lang="en-US" altLang="en-US" sz="2400" b="0" i="0" u="none" strike="noStrike" cap="none" normalizeH="0" baseline="0" dirty="0">
-                <a:ln>
-                  <a:noFill/>
-                </a:ln>
-                <a:solidFill>
-                  <a:srgbClr val="000000"/>
-                </a:solidFill>
-                <a:effectLst/>
-                <a:latin typeface="Consolas" panose="020B0609020204030204" pitchFamily="49" charset="0"/>
-              </a:rPr>
-              <a:t>)</a:t>
-            </a:r>
-            <a:endParaRPr kumimoji="0" lang="en-US" altLang="en-US" sz="2400" b="0" i="0" u="none" strike="noStrike" cap="none" normalizeH="0" baseline="0" dirty="0">
-              <a:ln>
-                <a:noFill/>
-              </a:ln>
-              <a:solidFill>
-                <a:schemeClr val="tx1"/>
-              </a:solidFill>
-              <a:effectLst/>
-              <a:latin typeface="Arial" panose="020B0604020202020204" pitchFamily="34" charset="0"/>
-            </a:endParaRPr>
-          </a:p>
-        </p:txBody>
-      </p:sp>
-    </p:spTree>
-    <p:extLst>
-      <p:ext uri="{BB962C8B-B14F-4D97-AF65-F5344CB8AC3E}">
-        <p14:creationId xmlns:p14="http://schemas.microsoft.com/office/powerpoint/2010/main" val="1173472441"/>
-      </p:ext>
-    </p:extLst>
-  </p:cSld>
-  <p:clrMapOvr>
-    <a:masterClrMapping/>
-  </p:clrMapOvr>
-  <mc:AlternateContent xmlns:mc="http://schemas.openxmlformats.org/markup-compatibility/2006" xmlns:p14="http://schemas.microsoft.com/office/powerpoint/2010/main">
-    <mc:Choice Requires="p14">
-      <p:transition spd="slow" p14:dur="1200">
-        <p14:prism/>
-      </p:transition>
-    </mc:Choice>
-    <mc:Fallback xmlns="">
-      <p:transition spd="slow">
-        <p:fade/>
-      </p:transition>
-    </mc:Fallback>
-  </mc:AlternateContent>
-</p:sld>
-</file>
-
-<file path=ppt/slides/slide18.xml><?xml version="1.0" encoding="utf-8"?>
-<p:sld xmlns:a="http://schemas.openxmlformats.org/drawingml/2006/main" xmlns:r="http://schemas.openxmlformats.org/officeDocument/2006/relationships" xmlns:p="http://schemas.openxmlformats.org/presentationml/2006/main">
-  <p:cSld>
-    <p:spTree>
-      <p:nvGrpSpPr>
-        <p:cNvPr id="1" name=""/>
-        <p:cNvGrpSpPr/>
-        <p:nvPr/>
-      </p:nvGrpSpPr>
-      <p:grpSpPr>
-        <a:xfrm>
-          <a:off x="0" y="0"/>
-          <a:ext cx="0" cy="0"/>
-          <a:chOff x="0" y="0"/>
-          <a:chExt cx="0" cy="0"/>
-        </a:xfrm>
-      </p:grpSpPr>
-      <p:sp>
-        <p:nvSpPr>
-          <p:cNvPr id="6" name="TextBox 5">
-            <a:extLst>
-              <a:ext uri="{FF2B5EF4-FFF2-40B4-BE49-F238E27FC236}">
-                <a16:creationId xmlns:a16="http://schemas.microsoft.com/office/drawing/2014/main" id="{CE8C9024-1B2C-4E5F-8982-C6D7F965C621}"/>
-              </a:ext>
-            </a:extLst>
-          </p:cNvPr>
-          <p:cNvSpPr txBox="1"/>
-          <p:nvPr/>
-        </p:nvSpPr>
-        <p:spPr>
-          <a:xfrm>
-            <a:off x="1324685" y="473142"/>
-            <a:ext cx="8080571" cy="584775"/>
-          </a:xfrm>
-          <a:prstGeom prst="rect">
-            <a:avLst/>
-          </a:prstGeom>
-          <a:noFill/>
-        </p:spPr>
-        <p:txBody>
-          <a:bodyPr wrap="square">
-            <a:spAutoFit/>
-          </a:bodyPr>
-          <a:lstStyle/>
-          <a:p>
-            <a:r>
-              <a:rPr lang="en-CA" sz="3200" b="1" i="0" dirty="0">
-                <a:solidFill>
-                  <a:srgbClr val="000000"/>
-                </a:solidFill>
-                <a:effectLst/>
-                <a:latin typeface="Segoe UI" panose="020B0502040204020203" pitchFamily="34" charset="0"/>
-              </a:rPr>
-              <a:t>Finally</a:t>
-            </a:r>
-          </a:p>
-        </p:txBody>
-      </p:sp>
-      <p:sp>
-        <p:nvSpPr>
-          <p:cNvPr id="2" name="Rectangle 1">
-            <a:extLst>
-              <a:ext uri="{FF2B5EF4-FFF2-40B4-BE49-F238E27FC236}">
-                <a16:creationId xmlns:a16="http://schemas.microsoft.com/office/drawing/2014/main" id="{822DFDA2-AA8F-4648-9B91-F33A6FB0AB47}"/>
-              </a:ext>
-            </a:extLst>
-          </p:cNvPr>
-          <p:cNvSpPr>
-            <a:spLocks noChangeArrowheads="1"/>
-          </p:cNvSpPr>
-          <p:nvPr/>
-        </p:nvSpPr>
-        <p:spPr bwMode="auto">
-          <a:xfrm>
-            <a:off x="1124208" y="989423"/>
-            <a:ext cx="9943584" cy="5606944"/>
-          </a:xfrm>
-          <a:prstGeom prst="rect">
-            <a:avLst/>
-          </a:prstGeom>
-          <a:solidFill>
-            <a:srgbClr val="E7E9EB"/>
-          </a:solidFill>
-          <a:ln>
-            <a:noFill/>
-          </a:ln>
-          <a:effectLst/>
-          <a:extLst>
-            <a:ext uri="{91240B29-F687-4F45-9708-019B960494DF}">
-              <a14:hiddenLine xmlns:a14="http://schemas.microsoft.com/office/drawing/2010/main" w="9525">
-                <a:solidFill>
-                  <a:schemeClr val="tx1"/>
-                </a:solidFill>
-                <a:miter lim="800000"/>
-                <a:headEnd/>
-                <a:tailEnd/>
-              </a14:hiddenLine>
-            </a:ext>
-            <a:ext uri="{AF507438-7753-43E0-B8FC-AC1667EBCBE1}">
-              <a14:hiddenEffects xmlns:a14="http://schemas.microsoft.com/office/drawing/2010/main">
-                <a:effectLst>
-                  <a:outerShdw dist="35921" dir="2700000" algn="ctr" rotWithShape="0">
-                    <a:schemeClr val="bg2"/>
-                  </a:outerShdw>
-                </a:effectLst>
-              </a14:hiddenEffects>
-            </a:ext>
-          </a:extLst>
-        </p:spPr>
-        <p:txBody>
-          <a:bodyPr vert="horz" wrap="square" lIns="0" tIns="63480" rIns="0" bIns="63480" numCol="1" anchor="ctr" anchorCtr="0" compatLnSpc="1">
-            <a:prstTxWarp prst="textNoShape">
-              <a:avLst/>
-            </a:prstTxWarp>
-            <a:spAutoFit/>
-          </a:bodyPr>
-          <a:lstStyle>
-            <a:lvl1pPr eaLnBrk="0" fontAlgn="base" hangingPunct="0">
-              <a:spcBef>
-                <a:spcPct val="0"/>
-              </a:spcBef>
-              <a:spcAft>
-                <a:spcPct val="0"/>
-              </a:spcAft>
-              <a:defRPr>
-                <a:solidFill>
-                  <a:schemeClr val="tx1"/>
-                </a:solidFill>
-                <a:latin typeface="Arial" panose="020B0604020202020204" pitchFamily="34" charset="0"/>
-              </a:defRPr>
-            </a:lvl1pPr>
-            <a:lvl2pPr eaLnBrk="0" fontAlgn="base" hangingPunct="0">
-              <a:spcBef>
-                <a:spcPct val="0"/>
-              </a:spcBef>
-              <a:spcAft>
-                <a:spcPct val="0"/>
-              </a:spcAft>
-              <a:defRPr>
-                <a:solidFill>
-                  <a:schemeClr val="tx1"/>
-                </a:solidFill>
-                <a:latin typeface="Arial" panose="020B0604020202020204" pitchFamily="34" charset="0"/>
-              </a:defRPr>
-            </a:lvl2pPr>
-            <a:lvl3pPr eaLnBrk="0" fontAlgn="base" hangingPunct="0">
-              <a:spcBef>
-                <a:spcPct val="0"/>
-              </a:spcBef>
-              <a:spcAft>
-                <a:spcPct val="0"/>
-              </a:spcAft>
-              <a:defRPr>
-                <a:solidFill>
-                  <a:schemeClr val="tx1"/>
-                </a:solidFill>
-                <a:latin typeface="Arial" panose="020B0604020202020204" pitchFamily="34" charset="0"/>
-              </a:defRPr>
-            </a:lvl3pPr>
-            <a:lvl4pPr eaLnBrk="0" fontAlgn="base" hangingPunct="0">
-              <a:spcBef>
-                <a:spcPct val="0"/>
-              </a:spcBef>
-              <a:spcAft>
-                <a:spcPct val="0"/>
-              </a:spcAft>
-              <a:defRPr>
-                <a:solidFill>
-                  <a:schemeClr val="tx1"/>
-                </a:solidFill>
-                <a:latin typeface="Arial" panose="020B0604020202020204" pitchFamily="34" charset="0"/>
-              </a:defRPr>
-            </a:lvl4pPr>
-            <a:lvl5pPr eaLnBrk="0" fontAlgn="base" hangingPunct="0">
-              <a:spcBef>
-                <a:spcPct val="0"/>
-              </a:spcBef>
-              <a:spcAft>
-                <a:spcPct val="0"/>
-              </a:spcAft>
-              <a:defRPr>
-                <a:solidFill>
-                  <a:schemeClr val="tx1"/>
-                </a:solidFill>
-                <a:latin typeface="Arial" panose="020B0604020202020204" pitchFamily="34" charset="0"/>
-              </a:defRPr>
-            </a:lvl5pPr>
-            <a:lvl6pPr eaLnBrk="0" fontAlgn="base" hangingPunct="0">
-              <a:spcBef>
-                <a:spcPct val="0"/>
-              </a:spcBef>
-              <a:spcAft>
-                <a:spcPct val="0"/>
-              </a:spcAft>
-              <a:defRPr>
-                <a:solidFill>
-                  <a:schemeClr val="tx1"/>
-                </a:solidFill>
-                <a:latin typeface="Arial" panose="020B0604020202020204" pitchFamily="34" charset="0"/>
-              </a:defRPr>
-            </a:lvl6pPr>
-            <a:lvl7pPr eaLnBrk="0" fontAlgn="base" hangingPunct="0">
-              <a:spcBef>
-                <a:spcPct val="0"/>
-              </a:spcBef>
-              <a:spcAft>
-                <a:spcPct val="0"/>
-              </a:spcAft>
-              <a:defRPr>
-                <a:solidFill>
-                  <a:schemeClr val="tx1"/>
-                </a:solidFill>
-                <a:latin typeface="Arial" panose="020B0604020202020204" pitchFamily="34" charset="0"/>
-              </a:defRPr>
-            </a:lvl7pPr>
-            <a:lvl8pPr eaLnBrk="0" fontAlgn="base" hangingPunct="0">
-              <a:spcBef>
-                <a:spcPct val="0"/>
-              </a:spcBef>
-              <a:spcAft>
-                <a:spcPct val="0"/>
-              </a:spcAft>
-              <a:defRPr>
-                <a:solidFill>
-                  <a:schemeClr val="tx1"/>
-                </a:solidFill>
-                <a:latin typeface="Arial" panose="020B0604020202020204" pitchFamily="34" charset="0"/>
-              </a:defRPr>
-            </a:lvl8pPr>
-            <a:lvl9pPr eaLnBrk="0" fontAlgn="base" hangingPunct="0">
-              <a:spcBef>
-                <a:spcPct val="0"/>
-              </a:spcBef>
-              <a:spcAft>
-                <a:spcPct val="0"/>
-              </a:spcAft>
-              <a:defRPr>
-                <a:solidFill>
-                  <a:schemeClr val="tx1"/>
-                </a:solidFill>
-                <a:latin typeface="Arial" panose="020B0604020202020204" pitchFamily="34" charset="0"/>
-              </a:defRPr>
-            </a:lvl9pPr>
-          </a:lstStyle>
-          <a:p>
-            <a:pPr marL="0" marR="0" lvl="0" indent="0" algn="l" defTabSz="914400" rtl="0" eaLnBrk="0" fontAlgn="base" latinLnBrk="0" hangingPunct="0">
-              <a:lnSpc>
-                <a:spcPct val="150000"/>
-              </a:lnSpc>
-              <a:spcBef>
-                <a:spcPct val="0"/>
-              </a:spcBef>
-              <a:spcAft>
-                <a:spcPct val="0"/>
-              </a:spcAft>
-              <a:buClrTx/>
-              <a:buSzTx/>
-              <a:buFontTx/>
-              <a:buNone/>
-              <a:tabLst/>
-            </a:pPr>
-            <a:r>
-              <a:rPr kumimoji="0" lang="en-US" altLang="en-US" sz="2400" b="0" i="0" u="none" strike="noStrike" cap="none" normalizeH="0" baseline="0" dirty="0">
-                <a:ln>
-                  <a:noFill/>
-                </a:ln>
-                <a:solidFill>
-                  <a:srgbClr val="000000"/>
-                </a:solidFill>
-                <a:effectLst/>
-                <a:latin typeface="Verdana" panose="020B0604030504040204" pitchFamily="34" charset="0"/>
-              </a:rPr>
-              <a:t>The </a:t>
-            </a:r>
-            <a:r>
-              <a:rPr kumimoji="0" lang="en-US" altLang="en-US" sz="2400" b="0" i="0" u="none" strike="noStrike" cap="none" normalizeH="0" baseline="0" dirty="0">
-                <a:ln>
-                  <a:noFill/>
-                </a:ln>
-                <a:solidFill>
-                  <a:srgbClr val="DC143C"/>
-                </a:solidFill>
-                <a:effectLst/>
-                <a:latin typeface="Consolas" panose="020B0609020204030204" pitchFamily="49" charset="0"/>
-              </a:rPr>
-              <a:t>finally</a:t>
-            </a:r>
-            <a:r>
-              <a:rPr kumimoji="0" lang="en-US" altLang="en-US" sz="2400" b="0" i="0" u="none" strike="noStrike" cap="none" normalizeH="0" baseline="0" dirty="0">
-                <a:ln>
-                  <a:noFill/>
-                </a:ln>
-                <a:solidFill>
-                  <a:srgbClr val="000000"/>
-                </a:solidFill>
-                <a:effectLst/>
-                <a:latin typeface="Verdana" panose="020B0604030504040204" pitchFamily="34" charset="0"/>
-              </a:rPr>
-              <a:t> block, if specified, will be executed regardless if the try block raises an error or not.</a:t>
-            </a:r>
-            <a:endParaRPr kumimoji="0" lang="en-US" altLang="en-US" sz="2400" b="0" i="0" u="none" strike="noStrike" cap="none" normalizeH="0" baseline="0" dirty="0">
-              <a:ln>
-                <a:noFill/>
-              </a:ln>
-              <a:solidFill>
-                <a:schemeClr val="tx1"/>
-              </a:solidFill>
-              <a:effectLst/>
-            </a:endParaRPr>
-          </a:p>
-          <a:p>
-            <a:pPr marL="0" marR="0" lvl="0" indent="0" algn="l" defTabSz="914400" rtl="0" eaLnBrk="0" fontAlgn="base" latinLnBrk="0" hangingPunct="0">
-              <a:lnSpc>
-                <a:spcPct val="150000"/>
-              </a:lnSpc>
-              <a:spcBef>
-                <a:spcPct val="0"/>
-              </a:spcBef>
-              <a:spcAft>
-                <a:spcPct val="0"/>
-              </a:spcAft>
-              <a:buClrTx/>
-              <a:buSzTx/>
-              <a:buFontTx/>
-              <a:buNone/>
-              <a:tabLst/>
-            </a:pPr>
-            <a:endParaRPr kumimoji="0" lang="en-US" altLang="en-US" sz="2400" b="0" i="0" u="none" strike="noStrike" cap="none" normalizeH="0" baseline="0" dirty="0">
-              <a:ln>
-                <a:noFill/>
-              </a:ln>
-              <a:solidFill>
-                <a:srgbClr val="000000"/>
-              </a:solidFill>
-              <a:effectLst/>
-              <a:latin typeface="Segoe UI" panose="020B0502040204020203" pitchFamily="34" charset="0"/>
-              <a:cs typeface="Segoe UI" panose="020B0502040204020203" pitchFamily="34" charset="0"/>
-            </a:endParaRPr>
-          </a:p>
-          <a:p>
-            <a:pPr marL="0" marR="0" lvl="0" indent="0" algn="l" defTabSz="914400" rtl="0" eaLnBrk="0" fontAlgn="base" latinLnBrk="0" hangingPunct="0">
-              <a:lnSpc>
-                <a:spcPct val="150000"/>
-              </a:lnSpc>
-              <a:spcBef>
-                <a:spcPct val="0"/>
-              </a:spcBef>
-              <a:spcAft>
-                <a:spcPct val="0"/>
-              </a:spcAft>
-              <a:buClrTx/>
-              <a:buSzTx/>
-              <a:buFontTx/>
-              <a:buNone/>
-              <a:tabLst/>
-            </a:pPr>
-            <a:r>
-              <a:rPr kumimoji="0" lang="en-US" altLang="en-US" sz="2400" b="0" i="0" u="none" strike="noStrike" cap="none" normalizeH="0" baseline="0" dirty="0">
-                <a:ln>
-                  <a:noFill/>
-                </a:ln>
-                <a:solidFill>
-                  <a:srgbClr val="000000"/>
-                </a:solidFill>
-                <a:effectLst/>
-                <a:latin typeface="Segoe UI" panose="020B0502040204020203" pitchFamily="34" charset="0"/>
-                <a:cs typeface="Segoe UI" panose="020B0502040204020203" pitchFamily="34" charset="0"/>
-              </a:rPr>
-              <a:t>Example</a:t>
-            </a:r>
-          </a:p>
-          <a:p>
-            <a:pPr marL="0" marR="0" lvl="0" indent="0" algn="l" defTabSz="914400" rtl="0" eaLnBrk="0" fontAlgn="base" latinLnBrk="0" hangingPunct="0">
-              <a:lnSpc>
-                <a:spcPct val="150000"/>
-              </a:lnSpc>
-              <a:spcBef>
-                <a:spcPct val="0"/>
-              </a:spcBef>
-              <a:spcAft>
-                <a:spcPct val="0"/>
-              </a:spcAft>
-              <a:buClrTx/>
-              <a:buSzTx/>
-              <a:buFontTx/>
-              <a:buNone/>
-              <a:tabLst/>
-            </a:pPr>
-            <a:r>
-              <a:rPr kumimoji="0" lang="en-US" altLang="en-US" sz="2400" b="0" i="0" u="none" strike="noStrike" cap="none" normalizeH="0" baseline="0" dirty="0">
-                <a:ln>
-                  <a:noFill/>
-                </a:ln>
-                <a:solidFill>
-                  <a:srgbClr val="0000CD"/>
-                </a:solidFill>
-                <a:effectLst/>
-                <a:latin typeface="Consolas" panose="020B0609020204030204" pitchFamily="49" charset="0"/>
-              </a:rPr>
-              <a:t>try</a:t>
-            </a:r>
-            <a:r>
-              <a:rPr kumimoji="0" lang="en-US" altLang="en-US" sz="2400" b="0" i="0" u="none" strike="noStrike" cap="none" normalizeH="0" baseline="0" dirty="0">
-                <a:ln>
-                  <a:noFill/>
-                </a:ln>
-                <a:solidFill>
-                  <a:srgbClr val="000000"/>
-                </a:solidFill>
-                <a:effectLst/>
-                <a:latin typeface="Consolas" panose="020B0609020204030204" pitchFamily="49" charset="0"/>
-              </a:rPr>
-              <a:t>:</a:t>
-            </a:r>
-            <a:br>
-              <a:rPr kumimoji="0" lang="en-US" altLang="en-US" sz="2400" b="0" i="0" u="none" strike="noStrike" cap="none" normalizeH="0" baseline="0" dirty="0">
-                <a:ln>
-                  <a:noFill/>
-                </a:ln>
-                <a:solidFill>
-                  <a:srgbClr val="000000"/>
-                </a:solidFill>
-                <a:effectLst/>
-                <a:latin typeface="Consolas" panose="020B0609020204030204" pitchFamily="49" charset="0"/>
-              </a:rPr>
-            </a:br>
-            <a:r>
-              <a:rPr kumimoji="0" lang="en-US" altLang="en-US" sz="2400" b="0" i="0" u="none" strike="noStrike" cap="none" normalizeH="0" baseline="0" dirty="0">
-                <a:ln>
-                  <a:noFill/>
-                </a:ln>
-                <a:solidFill>
-                  <a:srgbClr val="000000"/>
-                </a:solidFill>
-                <a:effectLst/>
-                <a:latin typeface="Consolas" panose="020B0609020204030204" pitchFamily="49" charset="0"/>
-              </a:rPr>
-              <a:t>  </a:t>
-            </a:r>
-            <a:r>
-              <a:rPr kumimoji="0" lang="en-US" altLang="en-US" sz="2400" b="0" i="0" u="none" strike="noStrike" cap="none" normalizeH="0" baseline="0" dirty="0">
-                <a:ln>
-                  <a:noFill/>
-                </a:ln>
-                <a:solidFill>
-                  <a:srgbClr val="0000CD"/>
-                </a:solidFill>
-                <a:effectLst/>
-                <a:latin typeface="Consolas" panose="020B0609020204030204" pitchFamily="49" charset="0"/>
-              </a:rPr>
-              <a:t>print</a:t>
-            </a:r>
-            <a:r>
-              <a:rPr kumimoji="0" lang="en-US" altLang="en-US" sz="2400" b="0" i="0" u="none" strike="noStrike" cap="none" normalizeH="0" baseline="0" dirty="0">
-                <a:ln>
-                  <a:noFill/>
-                </a:ln>
-                <a:solidFill>
-                  <a:srgbClr val="000000"/>
-                </a:solidFill>
-                <a:effectLst/>
-                <a:latin typeface="Consolas" panose="020B0609020204030204" pitchFamily="49" charset="0"/>
-              </a:rPr>
-              <a:t>(x)</a:t>
-            </a:r>
-            <a:br>
-              <a:rPr kumimoji="0" lang="en-US" altLang="en-US" sz="2400" b="0" i="0" u="none" strike="noStrike" cap="none" normalizeH="0" baseline="0" dirty="0">
-                <a:ln>
-                  <a:noFill/>
-                </a:ln>
-                <a:solidFill>
-                  <a:srgbClr val="000000"/>
-                </a:solidFill>
-                <a:effectLst/>
-                <a:latin typeface="Consolas" panose="020B0609020204030204" pitchFamily="49" charset="0"/>
-              </a:rPr>
-            </a:br>
-            <a:r>
-              <a:rPr kumimoji="0" lang="en-US" altLang="en-US" sz="2400" b="0" i="0" u="none" strike="noStrike" cap="none" normalizeH="0" baseline="0" dirty="0">
-                <a:ln>
-                  <a:noFill/>
-                </a:ln>
-                <a:solidFill>
-                  <a:srgbClr val="0000CD"/>
-                </a:solidFill>
-                <a:effectLst/>
-                <a:latin typeface="Consolas" panose="020B0609020204030204" pitchFamily="49" charset="0"/>
-              </a:rPr>
-              <a:t>except</a:t>
-            </a:r>
-            <a:r>
-              <a:rPr kumimoji="0" lang="en-US" altLang="en-US" sz="2400" b="0" i="0" u="none" strike="noStrike" cap="none" normalizeH="0" baseline="0" dirty="0">
-                <a:ln>
-                  <a:noFill/>
-                </a:ln>
-                <a:solidFill>
-                  <a:srgbClr val="000000"/>
-                </a:solidFill>
-                <a:effectLst/>
-                <a:latin typeface="Consolas" panose="020B0609020204030204" pitchFamily="49" charset="0"/>
-              </a:rPr>
-              <a:t>:</a:t>
-            </a:r>
-            <a:br>
-              <a:rPr kumimoji="0" lang="en-US" altLang="en-US" sz="2400" b="0" i="0" u="none" strike="noStrike" cap="none" normalizeH="0" baseline="0" dirty="0">
-                <a:ln>
-                  <a:noFill/>
-                </a:ln>
-                <a:solidFill>
-                  <a:srgbClr val="000000"/>
-                </a:solidFill>
-                <a:effectLst/>
-                <a:latin typeface="Consolas" panose="020B0609020204030204" pitchFamily="49" charset="0"/>
-              </a:rPr>
-            </a:br>
-            <a:r>
-              <a:rPr kumimoji="0" lang="en-US" altLang="en-US" sz="2400" b="0" i="0" u="none" strike="noStrike" cap="none" normalizeH="0" baseline="0" dirty="0">
-                <a:ln>
-                  <a:noFill/>
-                </a:ln>
-                <a:solidFill>
-                  <a:srgbClr val="000000"/>
-                </a:solidFill>
-                <a:effectLst/>
-                <a:latin typeface="Consolas" panose="020B0609020204030204" pitchFamily="49" charset="0"/>
-              </a:rPr>
-              <a:t>  </a:t>
-            </a:r>
-            <a:r>
-              <a:rPr kumimoji="0" lang="en-US" altLang="en-US" sz="2400" b="0" i="0" u="none" strike="noStrike" cap="none" normalizeH="0" baseline="0" dirty="0">
-                <a:ln>
-                  <a:noFill/>
-                </a:ln>
-                <a:solidFill>
-                  <a:srgbClr val="0000CD"/>
-                </a:solidFill>
-                <a:effectLst/>
-                <a:latin typeface="Consolas" panose="020B0609020204030204" pitchFamily="49" charset="0"/>
-              </a:rPr>
-              <a:t>print</a:t>
-            </a:r>
-            <a:r>
-              <a:rPr kumimoji="0" lang="en-US" altLang="en-US" sz="2400" b="0" i="0" u="none" strike="noStrike" cap="none" normalizeH="0" baseline="0" dirty="0">
-                <a:ln>
-                  <a:noFill/>
-                </a:ln>
-                <a:solidFill>
-                  <a:srgbClr val="000000"/>
-                </a:solidFill>
-                <a:effectLst/>
-                <a:latin typeface="Consolas" panose="020B0609020204030204" pitchFamily="49" charset="0"/>
-              </a:rPr>
-              <a:t>(</a:t>
-            </a:r>
-            <a:r>
-              <a:rPr kumimoji="0" lang="en-US" altLang="en-US" sz="2400" b="0" i="0" u="none" strike="noStrike" cap="none" normalizeH="0" baseline="0" dirty="0">
-                <a:ln>
-                  <a:noFill/>
-                </a:ln>
-                <a:solidFill>
-                  <a:srgbClr val="A52A2A"/>
-                </a:solidFill>
-                <a:effectLst/>
-                <a:latin typeface="Consolas" panose="020B0609020204030204" pitchFamily="49" charset="0"/>
-              </a:rPr>
-              <a:t>"Something went wrong"</a:t>
-            </a:r>
-            <a:r>
-              <a:rPr kumimoji="0" lang="en-US" altLang="en-US" sz="2400" b="0" i="0" u="none" strike="noStrike" cap="none" normalizeH="0" baseline="0" dirty="0">
-                <a:ln>
-                  <a:noFill/>
-                </a:ln>
-                <a:solidFill>
-                  <a:srgbClr val="000000"/>
-                </a:solidFill>
-                <a:effectLst/>
-                <a:latin typeface="Consolas" panose="020B0609020204030204" pitchFamily="49" charset="0"/>
-              </a:rPr>
-              <a:t>)</a:t>
-            </a:r>
-            <a:br>
-              <a:rPr kumimoji="0" lang="en-US" altLang="en-US" sz="2400" b="0" i="0" u="none" strike="noStrike" cap="none" normalizeH="0" baseline="0" dirty="0">
-                <a:ln>
-                  <a:noFill/>
-                </a:ln>
-                <a:solidFill>
-                  <a:srgbClr val="000000"/>
-                </a:solidFill>
-                <a:effectLst/>
-                <a:latin typeface="Consolas" panose="020B0609020204030204" pitchFamily="49" charset="0"/>
-              </a:rPr>
-            </a:br>
-            <a:r>
-              <a:rPr kumimoji="0" lang="en-US" altLang="en-US" sz="2400" b="0" i="0" u="none" strike="noStrike" cap="none" normalizeH="0" baseline="0" dirty="0">
-                <a:ln>
-                  <a:noFill/>
-                </a:ln>
-                <a:solidFill>
-                  <a:srgbClr val="0000CD"/>
-                </a:solidFill>
-                <a:effectLst/>
-                <a:latin typeface="Consolas" panose="020B0609020204030204" pitchFamily="49" charset="0"/>
-              </a:rPr>
-              <a:t>finally</a:t>
-            </a:r>
-            <a:r>
-              <a:rPr kumimoji="0" lang="en-US" altLang="en-US" sz="2400" b="0" i="0" u="none" strike="noStrike" cap="none" normalizeH="0" baseline="0" dirty="0">
-                <a:ln>
-                  <a:noFill/>
-                </a:ln>
-                <a:solidFill>
-                  <a:srgbClr val="000000"/>
-                </a:solidFill>
-                <a:effectLst/>
-                <a:latin typeface="Consolas" panose="020B0609020204030204" pitchFamily="49" charset="0"/>
-              </a:rPr>
-              <a:t>:</a:t>
-            </a:r>
-            <a:br>
-              <a:rPr kumimoji="0" lang="en-US" altLang="en-US" sz="2400" b="0" i="0" u="none" strike="noStrike" cap="none" normalizeH="0" baseline="0" dirty="0">
-                <a:ln>
-                  <a:noFill/>
-                </a:ln>
-                <a:solidFill>
-                  <a:srgbClr val="000000"/>
-                </a:solidFill>
-                <a:effectLst/>
-                <a:latin typeface="Consolas" panose="020B0609020204030204" pitchFamily="49" charset="0"/>
-              </a:rPr>
-            </a:br>
-            <a:r>
-              <a:rPr kumimoji="0" lang="en-US" altLang="en-US" sz="2400" b="0" i="0" u="none" strike="noStrike" cap="none" normalizeH="0" baseline="0" dirty="0">
-                <a:ln>
-                  <a:noFill/>
-                </a:ln>
-                <a:solidFill>
-                  <a:srgbClr val="000000"/>
-                </a:solidFill>
-                <a:effectLst/>
-                <a:latin typeface="Consolas" panose="020B0609020204030204" pitchFamily="49" charset="0"/>
-              </a:rPr>
-              <a:t>  </a:t>
-            </a:r>
-            <a:r>
-              <a:rPr kumimoji="0" lang="en-US" altLang="en-US" sz="2400" b="0" i="0" u="none" strike="noStrike" cap="none" normalizeH="0" baseline="0" dirty="0">
-                <a:ln>
-                  <a:noFill/>
-                </a:ln>
-                <a:solidFill>
-                  <a:srgbClr val="0000CD"/>
-                </a:solidFill>
-                <a:effectLst/>
-                <a:latin typeface="Consolas" panose="020B0609020204030204" pitchFamily="49" charset="0"/>
-              </a:rPr>
-              <a:t>print</a:t>
-            </a:r>
-            <a:r>
-              <a:rPr kumimoji="0" lang="en-US" altLang="en-US" sz="2400" b="0" i="0" u="none" strike="noStrike" cap="none" normalizeH="0" baseline="0" dirty="0">
-                <a:ln>
-                  <a:noFill/>
-                </a:ln>
-                <a:solidFill>
-                  <a:srgbClr val="000000"/>
-                </a:solidFill>
-                <a:effectLst/>
-                <a:latin typeface="Consolas" panose="020B0609020204030204" pitchFamily="49" charset="0"/>
-              </a:rPr>
-              <a:t>(</a:t>
-            </a:r>
-            <a:r>
-              <a:rPr kumimoji="0" lang="en-US" altLang="en-US" sz="2400" b="0" i="0" u="none" strike="noStrike" cap="none" normalizeH="0" baseline="0" dirty="0">
-                <a:ln>
-                  <a:noFill/>
-                </a:ln>
-                <a:solidFill>
-                  <a:srgbClr val="A52A2A"/>
-                </a:solidFill>
-                <a:effectLst/>
-                <a:latin typeface="Consolas" panose="020B0609020204030204" pitchFamily="49" charset="0"/>
-              </a:rPr>
-              <a:t>"The 'try except' is finished"</a:t>
-            </a:r>
-            <a:r>
-              <a:rPr kumimoji="0" lang="en-US" altLang="en-US" sz="2400" b="0" i="0" u="none" strike="noStrike" cap="none" normalizeH="0" baseline="0" dirty="0">
-                <a:ln>
-                  <a:noFill/>
-                </a:ln>
-                <a:solidFill>
-                  <a:srgbClr val="000000"/>
-                </a:solidFill>
-                <a:effectLst/>
-                <a:latin typeface="Consolas" panose="020B0609020204030204" pitchFamily="49" charset="0"/>
-              </a:rPr>
-              <a:t>)</a:t>
-            </a:r>
-            <a:endParaRPr kumimoji="0" lang="en-US" altLang="en-US" sz="2400" b="0" i="0" u="none" strike="noStrike" cap="none" normalizeH="0" baseline="0" dirty="0">
-              <a:ln>
-                <a:noFill/>
-              </a:ln>
-              <a:solidFill>
-                <a:schemeClr val="tx1"/>
-              </a:solidFill>
-              <a:effectLst/>
-              <a:latin typeface="Arial" panose="020B0604020202020204" pitchFamily="34" charset="0"/>
-            </a:endParaRPr>
-          </a:p>
-        </p:txBody>
-      </p:sp>
-    </p:spTree>
-    <p:extLst>
-      <p:ext uri="{BB962C8B-B14F-4D97-AF65-F5344CB8AC3E}">
-        <p14:creationId xmlns:p14="http://schemas.microsoft.com/office/powerpoint/2010/main" val="1178637889"/>
-      </p:ext>
-    </p:extLst>
-  </p:cSld>
-  <p:clrMapOvr>
-    <a:masterClrMapping/>
-  </p:clrMapOvr>
-  <mc:AlternateContent xmlns:mc="http://schemas.openxmlformats.org/markup-compatibility/2006" xmlns:p14="http://schemas.microsoft.com/office/powerpoint/2010/main">
-    <mc:Choice Requires="p14">
-      <p:transition spd="slow" p14:dur="1200">
-        <p14:prism/>
-      </p:transition>
-    </mc:Choice>
-    <mc:Fallback xmlns="">
-      <p:transition spd="slow">
-        <p:fade/>
-      </p:transition>
-    </mc:Fallback>
-  </mc:AlternateContent>
-</p:sld>
-</file>
-
-<file path=ppt/slides/slide19.xml><?xml version="1.0" encoding="utf-8"?>
-<p:sld xmlns:a="http://schemas.openxmlformats.org/drawingml/2006/main" xmlns:r="http://schemas.openxmlformats.org/officeDocument/2006/relationships" xmlns:p="http://schemas.openxmlformats.org/presentationml/2006/main">
-  <p:cSld>
-    <p:spTree>
-      <p:nvGrpSpPr>
-        <p:cNvPr id="1" name=""/>
-        <p:cNvGrpSpPr/>
-        <p:nvPr/>
-      </p:nvGrpSpPr>
-      <p:grpSpPr>
-        <a:xfrm>
-          <a:off x="0" y="0"/>
-          <a:ext cx="0" cy="0"/>
-          <a:chOff x="0" y="0"/>
-          <a:chExt cx="0" cy="0"/>
-        </a:xfrm>
-      </p:grpSpPr>
-      <p:sp>
-        <p:nvSpPr>
-          <p:cNvPr id="6" name="TextBox 5">
-            <a:extLst>
-              <a:ext uri="{FF2B5EF4-FFF2-40B4-BE49-F238E27FC236}">
-                <a16:creationId xmlns:a16="http://schemas.microsoft.com/office/drawing/2014/main" id="{CE8C9024-1B2C-4E5F-8982-C6D7F965C621}"/>
-              </a:ext>
-            </a:extLst>
-          </p:cNvPr>
-          <p:cNvSpPr txBox="1"/>
-          <p:nvPr/>
-        </p:nvSpPr>
-        <p:spPr>
-          <a:xfrm>
-            <a:off x="1324685" y="454481"/>
-            <a:ext cx="8080571" cy="584775"/>
-          </a:xfrm>
-          <a:prstGeom prst="rect">
-            <a:avLst/>
-          </a:prstGeom>
-          <a:noFill/>
-        </p:spPr>
-        <p:txBody>
-          <a:bodyPr wrap="square">
-            <a:spAutoFit/>
-          </a:bodyPr>
-          <a:lstStyle/>
-          <a:p>
-            <a:endParaRPr lang="en-CA" sz="3200" b="1" i="0" dirty="0">
-              <a:solidFill>
-                <a:srgbClr val="000000"/>
-              </a:solidFill>
-              <a:effectLst/>
-              <a:latin typeface="Segoe UI" panose="020B0502040204020203" pitchFamily="34" charset="0"/>
-            </a:endParaRPr>
-          </a:p>
-        </p:txBody>
-      </p:sp>
-      <p:sp>
-        <p:nvSpPr>
-          <p:cNvPr id="5" name="TextBox 4">
-            <a:extLst>
-              <a:ext uri="{FF2B5EF4-FFF2-40B4-BE49-F238E27FC236}">
-                <a16:creationId xmlns:a16="http://schemas.microsoft.com/office/drawing/2014/main" id="{F90779E8-5B43-4CD8-BC2E-4AF782E2BA43}"/>
-              </a:ext>
-            </a:extLst>
-          </p:cNvPr>
-          <p:cNvSpPr txBox="1"/>
-          <p:nvPr/>
-        </p:nvSpPr>
-        <p:spPr>
-          <a:xfrm>
-            <a:off x="977382" y="1039256"/>
-            <a:ext cx="10023410" cy="5573000"/>
-          </a:xfrm>
-          <a:prstGeom prst="rect">
-            <a:avLst/>
-          </a:prstGeom>
-          <a:noFill/>
-        </p:spPr>
-        <p:txBody>
-          <a:bodyPr wrap="square">
-            <a:spAutoFit/>
-          </a:bodyPr>
-          <a:lstStyle/>
-          <a:p>
-            <a:pPr algn="l">
-              <a:lnSpc>
-                <a:spcPct val="150000"/>
-              </a:lnSpc>
-            </a:pPr>
-            <a:r>
-              <a:rPr lang="en-US" sz="2400" b="0" i="0" dirty="0">
-                <a:solidFill>
-                  <a:srgbClr val="000000"/>
-                </a:solidFill>
-                <a:effectLst/>
-                <a:latin typeface="Verdana" panose="020B0604030504040204" pitchFamily="34" charset="0"/>
-              </a:rPr>
-              <a:t>This can be useful to close objects and clean up resources:</a:t>
-            </a:r>
-          </a:p>
-          <a:p>
-            <a:pPr algn="l">
-              <a:lnSpc>
-                <a:spcPct val="150000"/>
-              </a:lnSpc>
-            </a:pPr>
-            <a:r>
-              <a:rPr lang="en-US" sz="2400" b="0" i="0" dirty="0">
-                <a:solidFill>
-                  <a:srgbClr val="000000"/>
-                </a:solidFill>
-                <a:effectLst/>
-                <a:latin typeface="Segoe UI" panose="020B0502040204020203" pitchFamily="34" charset="0"/>
-              </a:rPr>
-              <a:t>Example</a:t>
-            </a:r>
-          </a:p>
-          <a:p>
-            <a:pPr algn="l">
-              <a:lnSpc>
-                <a:spcPct val="150000"/>
-              </a:lnSpc>
-            </a:pPr>
-            <a:r>
-              <a:rPr lang="en-US" sz="2400" b="0" i="0" dirty="0">
-                <a:solidFill>
-                  <a:srgbClr val="000000"/>
-                </a:solidFill>
-                <a:effectLst/>
-                <a:latin typeface="Verdana" panose="020B0604030504040204" pitchFamily="34" charset="0"/>
-              </a:rPr>
-              <a:t>Try to open and write to a file that is not writable:</a:t>
-            </a:r>
-          </a:p>
-          <a:p>
-            <a:pPr algn="l">
-              <a:lnSpc>
-                <a:spcPct val="150000"/>
-              </a:lnSpc>
-            </a:pPr>
-            <a:r>
-              <a:rPr lang="en-US" sz="2400" b="0" i="0" dirty="0">
-                <a:solidFill>
-                  <a:srgbClr val="0000CD"/>
-                </a:solidFill>
-                <a:effectLst/>
-                <a:latin typeface="Consolas" panose="020B0609020204030204" pitchFamily="49" charset="0"/>
-              </a:rPr>
-              <a:t>try</a:t>
-            </a:r>
-            <a:r>
-              <a:rPr lang="en-US" sz="2400" b="0" i="0" dirty="0">
-                <a:solidFill>
-                  <a:srgbClr val="000000"/>
-                </a:solidFill>
-                <a:effectLst/>
-                <a:latin typeface="Consolas" panose="020B0609020204030204" pitchFamily="49" charset="0"/>
-              </a:rPr>
-              <a:t>:</a:t>
-            </a:r>
-            <a:br>
-              <a:rPr lang="en-US" sz="2400" b="0" i="0" dirty="0">
-                <a:solidFill>
-                  <a:srgbClr val="000000"/>
-                </a:solidFill>
-                <a:effectLst/>
-                <a:latin typeface="Consolas" panose="020B0609020204030204" pitchFamily="49" charset="0"/>
-              </a:rPr>
-            </a:br>
-            <a:r>
-              <a:rPr lang="en-US" sz="2400" b="0" i="0" dirty="0">
-                <a:solidFill>
-                  <a:srgbClr val="000000"/>
-                </a:solidFill>
-                <a:effectLst/>
-                <a:latin typeface="Consolas" panose="020B0609020204030204" pitchFamily="49" charset="0"/>
-              </a:rPr>
-              <a:t>  f = </a:t>
-            </a:r>
-            <a:r>
-              <a:rPr lang="en-US" sz="2400" b="0" i="0" dirty="0">
-                <a:solidFill>
-                  <a:srgbClr val="0000CD"/>
-                </a:solidFill>
-                <a:effectLst/>
-                <a:latin typeface="Consolas" panose="020B0609020204030204" pitchFamily="49" charset="0"/>
-              </a:rPr>
-              <a:t>open</a:t>
-            </a:r>
-            <a:r>
-              <a:rPr lang="en-US" sz="2400" b="0" i="0" dirty="0">
-                <a:solidFill>
-                  <a:srgbClr val="000000"/>
-                </a:solidFill>
-                <a:effectLst/>
-                <a:latin typeface="Consolas" panose="020B0609020204030204" pitchFamily="49" charset="0"/>
-              </a:rPr>
-              <a:t>(</a:t>
-            </a:r>
-            <a:r>
-              <a:rPr lang="en-US" sz="2400" b="0" i="0" dirty="0">
-                <a:solidFill>
-                  <a:srgbClr val="A52A2A"/>
-                </a:solidFill>
-                <a:effectLst/>
-                <a:latin typeface="Consolas" panose="020B0609020204030204" pitchFamily="49" charset="0"/>
-              </a:rPr>
-              <a:t>"demofile.txt"</a:t>
-            </a:r>
-            <a:r>
-              <a:rPr lang="en-US" sz="2400" b="0" i="0" dirty="0">
-                <a:solidFill>
-                  <a:srgbClr val="000000"/>
-                </a:solidFill>
-                <a:effectLst/>
-                <a:latin typeface="Consolas" panose="020B0609020204030204" pitchFamily="49" charset="0"/>
-              </a:rPr>
-              <a:t>)</a:t>
-            </a:r>
-            <a:br>
-              <a:rPr lang="en-US" sz="2400" b="0" i="0" dirty="0">
-                <a:solidFill>
-                  <a:srgbClr val="000000"/>
-                </a:solidFill>
-                <a:effectLst/>
-                <a:latin typeface="Consolas" panose="020B0609020204030204" pitchFamily="49" charset="0"/>
-              </a:rPr>
-            </a:br>
-            <a:r>
-              <a:rPr lang="en-US" sz="2400" b="0" i="0" dirty="0">
-                <a:solidFill>
-                  <a:srgbClr val="000000"/>
-                </a:solidFill>
-                <a:effectLst/>
-                <a:latin typeface="Consolas" panose="020B0609020204030204" pitchFamily="49" charset="0"/>
-              </a:rPr>
-              <a:t>  </a:t>
-            </a:r>
-            <a:r>
-              <a:rPr lang="en-US" sz="2400" b="0" i="0" dirty="0" err="1">
-                <a:solidFill>
-                  <a:srgbClr val="000000"/>
-                </a:solidFill>
-                <a:effectLst/>
-                <a:latin typeface="Consolas" panose="020B0609020204030204" pitchFamily="49" charset="0"/>
-              </a:rPr>
-              <a:t>f.write</a:t>
-            </a:r>
-            <a:r>
-              <a:rPr lang="en-US" sz="2400" b="0" i="0" dirty="0">
-                <a:solidFill>
-                  <a:srgbClr val="000000"/>
-                </a:solidFill>
-                <a:effectLst/>
-                <a:latin typeface="Consolas" panose="020B0609020204030204" pitchFamily="49" charset="0"/>
-              </a:rPr>
-              <a:t>(</a:t>
-            </a:r>
-            <a:r>
-              <a:rPr lang="en-US" sz="2400" b="0" i="0" dirty="0">
-                <a:solidFill>
-                  <a:srgbClr val="A52A2A"/>
-                </a:solidFill>
-                <a:effectLst/>
-                <a:latin typeface="Consolas" panose="020B0609020204030204" pitchFamily="49" charset="0"/>
-              </a:rPr>
-              <a:t>"Lorum Ipsum"</a:t>
-            </a:r>
-            <a:r>
-              <a:rPr lang="en-US" sz="2400" b="0" i="0" dirty="0">
-                <a:solidFill>
-                  <a:srgbClr val="000000"/>
-                </a:solidFill>
-                <a:effectLst/>
-                <a:latin typeface="Consolas" panose="020B0609020204030204" pitchFamily="49" charset="0"/>
-              </a:rPr>
-              <a:t>)</a:t>
-            </a:r>
-            <a:br>
-              <a:rPr lang="en-US" sz="2400" b="0" i="0" dirty="0">
-                <a:solidFill>
-                  <a:srgbClr val="000000"/>
-                </a:solidFill>
-                <a:effectLst/>
-                <a:latin typeface="Consolas" panose="020B0609020204030204" pitchFamily="49" charset="0"/>
-              </a:rPr>
-            </a:br>
-            <a:r>
-              <a:rPr lang="en-US" sz="2400" b="0" i="0" dirty="0">
-                <a:solidFill>
-                  <a:srgbClr val="0000CD"/>
-                </a:solidFill>
-                <a:effectLst/>
-                <a:latin typeface="Consolas" panose="020B0609020204030204" pitchFamily="49" charset="0"/>
-              </a:rPr>
-              <a:t>except</a:t>
-            </a:r>
-            <a:r>
-              <a:rPr lang="en-US" sz="2400" b="0" i="0" dirty="0">
-                <a:solidFill>
-                  <a:srgbClr val="000000"/>
-                </a:solidFill>
-                <a:effectLst/>
-                <a:latin typeface="Consolas" panose="020B0609020204030204" pitchFamily="49" charset="0"/>
-              </a:rPr>
-              <a:t>:</a:t>
-            </a:r>
-            <a:br>
-              <a:rPr lang="en-US" sz="2400" b="0" i="0" dirty="0">
-                <a:solidFill>
-                  <a:srgbClr val="000000"/>
-                </a:solidFill>
-                <a:effectLst/>
-                <a:latin typeface="Consolas" panose="020B0609020204030204" pitchFamily="49" charset="0"/>
-              </a:rPr>
-            </a:br>
-            <a:r>
-              <a:rPr lang="en-US" sz="2400" b="0" i="0" dirty="0">
-                <a:solidFill>
-                  <a:srgbClr val="000000"/>
-                </a:solidFill>
-                <a:effectLst/>
-                <a:latin typeface="Consolas" panose="020B0609020204030204" pitchFamily="49" charset="0"/>
-              </a:rPr>
-              <a:t>  </a:t>
-            </a:r>
-            <a:r>
-              <a:rPr lang="en-US" sz="2400" b="0" i="0" dirty="0">
-                <a:solidFill>
-                  <a:srgbClr val="0000CD"/>
-                </a:solidFill>
-                <a:effectLst/>
-                <a:latin typeface="Consolas" panose="020B0609020204030204" pitchFamily="49" charset="0"/>
-              </a:rPr>
-              <a:t>print</a:t>
-            </a:r>
-            <a:r>
-              <a:rPr lang="en-US" sz="2400" b="0" i="0" dirty="0">
-                <a:solidFill>
-                  <a:srgbClr val="000000"/>
-                </a:solidFill>
-                <a:effectLst/>
-                <a:latin typeface="Consolas" panose="020B0609020204030204" pitchFamily="49" charset="0"/>
-              </a:rPr>
-              <a:t>(</a:t>
-            </a:r>
-            <a:r>
-              <a:rPr lang="en-US" sz="2400" b="0" i="0" dirty="0">
-                <a:solidFill>
-                  <a:srgbClr val="A52A2A"/>
-                </a:solidFill>
-                <a:effectLst/>
-                <a:latin typeface="Consolas" panose="020B0609020204030204" pitchFamily="49" charset="0"/>
-              </a:rPr>
-              <a:t>"Something went wrong when writing to the file"</a:t>
-            </a:r>
-            <a:r>
-              <a:rPr lang="en-US" sz="2400" b="0" i="0" dirty="0">
-                <a:solidFill>
-                  <a:srgbClr val="000000"/>
-                </a:solidFill>
-                <a:effectLst/>
-                <a:latin typeface="Consolas" panose="020B0609020204030204" pitchFamily="49" charset="0"/>
-              </a:rPr>
-              <a:t>)</a:t>
-            </a:r>
-            <a:br>
-              <a:rPr lang="en-US" sz="2400" b="0" i="0" dirty="0">
-                <a:solidFill>
-                  <a:srgbClr val="000000"/>
-                </a:solidFill>
-                <a:effectLst/>
-                <a:latin typeface="Consolas" panose="020B0609020204030204" pitchFamily="49" charset="0"/>
-              </a:rPr>
-            </a:br>
-            <a:r>
-              <a:rPr lang="en-US" sz="2400" b="0" i="0" dirty="0">
-                <a:solidFill>
-                  <a:srgbClr val="0000CD"/>
-                </a:solidFill>
-                <a:effectLst/>
-                <a:latin typeface="Consolas" panose="020B0609020204030204" pitchFamily="49" charset="0"/>
-              </a:rPr>
-              <a:t>finally</a:t>
-            </a:r>
-            <a:r>
-              <a:rPr lang="en-US" sz="2400" b="0" i="0" dirty="0">
-                <a:solidFill>
-                  <a:srgbClr val="000000"/>
-                </a:solidFill>
-                <a:effectLst/>
-                <a:latin typeface="Consolas" panose="020B0609020204030204" pitchFamily="49" charset="0"/>
-              </a:rPr>
-              <a:t>:</a:t>
-            </a:r>
-            <a:br>
-              <a:rPr lang="en-US" sz="2400" b="0" i="0" dirty="0">
-                <a:solidFill>
-                  <a:srgbClr val="000000"/>
-                </a:solidFill>
-                <a:effectLst/>
-                <a:latin typeface="Consolas" panose="020B0609020204030204" pitchFamily="49" charset="0"/>
-              </a:rPr>
-            </a:br>
-            <a:r>
-              <a:rPr lang="en-US" sz="2400" b="0" i="0" dirty="0">
-                <a:solidFill>
-                  <a:srgbClr val="000000"/>
-                </a:solidFill>
-                <a:effectLst/>
-                <a:latin typeface="Consolas" panose="020B0609020204030204" pitchFamily="49" charset="0"/>
-              </a:rPr>
-              <a:t>  </a:t>
-            </a:r>
-            <a:r>
-              <a:rPr lang="en-US" sz="2400" b="0" i="0" dirty="0" err="1">
-                <a:solidFill>
-                  <a:srgbClr val="000000"/>
-                </a:solidFill>
-                <a:effectLst/>
-                <a:latin typeface="Consolas" panose="020B0609020204030204" pitchFamily="49" charset="0"/>
-              </a:rPr>
-              <a:t>f.close</a:t>
-            </a:r>
-            <a:r>
-              <a:rPr lang="en-US" sz="2400" b="0" i="0" dirty="0">
-                <a:solidFill>
-                  <a:srgbClr val="000000"/>
-                </a:solidFill>
-                <a:effectLst/>
-                <a:latin typeface="Consolas" panose="020B0609020204030204" pitchFamily="49" charset="0"/>
-              </a:rPr>
-              <a:t>()</a:t>
-            </a:r>
-          </a:p>
-        </p:txBody>
-      </p:sp>
-    </p:spTree>
-    <p:extLst>
-      <p:ext uri="{BB962C8B-B14F-4D97-AF65-F5344CB8AC3E}">
-        <p14:creationId xmlns:p14="http://schemas.microsoft.com/office/powerpoint/2010/main" val="1030737162"/>
-      </p:ext>
-    </p:extLst>
-  </p:cSld>
-  <p:clrMapOvr>
-    <a:masterClrMapping/>
-  </p:clrMapOvr>
-  <mc:AlternateContent xmlns:mc="http://schemas.openxmlformats.org/markup-compatibility/2006" xmlns:p14="http://schemas.microsoft.com/office/powerpoint/2010/main">
-    <mc:Choice Requires="p14">
-      <p:transition spd="slow" p14:dur="1200">
-        <p14:prism/>
-      </p:transition>
-    </mc:Choice>
-    <mc:Fallback xmlns="">
-      <p:transition spd="slow">
-        <p:fade/>
-      </p:transition>
-    </mc:Fallback>
-  </mc:AlternateContent>
-</p:sld>
-</file>
-
-<file path=ppt/slides/slide2.xml><?xml version="1.0" encoding="utf-8"?>
-<p:sld xmlns:a="http://schemas.openxmlformats.org/drawingml/2006/main" xmlns:r="http://schemas.openxmlformats.org/officeDocument/2006/relationships" xmlns:p="http://schemas.openxmlformats.org/presentationml/2006/main">
-  <p:cSld>
-    <p:spTree>
-      <p:nvGrpSpPr>
-        <p:cNvPr id="1" name=""/>
-        <p:cNvGrpSpPr/>
-        <p:nvPr/>
-      </p:nvGrpSpPr>
-      <p:grpSpPr>
-        <a:xfrm>
-          <a:off x="0" y="0"/>
-          <a:ext cx="0" cy="0"/>
-          <a:chOff x="0" y="0"/>
-          <a:chExt cx="0" cy="0"/>
-        </a:xfrm>
-      </p:grpSpPr>
-      <p:grpSp>
-        <p:nvGrpSpPr>
-          <p:cNvPr id="9" name="组合 8"/>
-          <p:cNvGrpSpPr>
-            <a:grpSpLocks noChangeAspect="1"/>
-          </p:cNvGrpSpPr>
-          <p:nvPr>
-            <p:custDataLst>
-              <p:tags r:id="rId1"/>
-            </p:custDataLst>
-          </p:nvPr>
-        </p:nvGrpSpPr>
-        <p:grpSpPr>
-          <a:xfrm>
-            <a:off x="4105506" y="1233488"/>
-            <a:ext cx="618455" cy="1800000"/>
-            <a:chOff x="597712" y="2415605"/>
-            <a:chExt cx="1076110" cy="3131998"/>
-          </a:xfrm>
-        </p:grpSpPr>
-        <p:sp>
-          <p:nvSpPr>
-            <p:cNvPr id="10" name="等腰三角形 9"/>
-            <p:cNvSpPr/>
-            <p:nvPr/>
-          </p:nvSpPr>
-          <p:spPr>
-            <a:xfrm rot="10800000">
-              <a:off x="597712" y="2908359"/>
-              <a:ext cx="1076110" cy="2639244"/>
-            </a:xfrm>
-            <a:custGeom>
-              <a:avLst/>
-              <a:gdLst>
-                <a:gd name="connsiteX0" fmla="*/ 0 w 3341155"/>
-                <a:gd name="connsiteY0" fmla="*/ 5053133 h 5053133"/>
-                <a:gd name="connsiteX1" fmla="*/ 1670578 w 3341155"/>
-                <a:gd name="connsiteY1" fmla="*/ 0 h 5053133"/>
-                <a:gd name="connsiteX2" fmla="*/ 3341155 w 3341155"/>
-                <a:gd name="connsiteY2" fmla="*/ 5053133 h 5053133"/>
-                <a:gd name="connsiteX3" fmla="*/ 0 w 3341155"/>
-                <a:gd name="connsiteY3" fmla="*/ 5053133 h 5053133"/>
-                <a:gd name="connsiteX0" fmla="*/ 0 w 3341155"/>
-                <a:gd name="connsiteY0" fmla="*/ 5053133 h 5053133"/>
-                <a:gd name="connsiteX1" fmla="*/ 1670578 w 3341155"/>
-                <a:gd name="connsiteY1" fmla="*/ 0 h 5053133"/>
-                <a:gd name="connsiteX2" fmla="*/ 3341155 w 3341155"/>
-                <a:gd name="connsiteY2" fmla="*/ 5053133 h 5053133"/>
-                <a:gd name="connsiteX3" fmla="*/ 0 w 3341155"/>
-                <a:gd name="connsiteY3" fmla="*/ 5053133 h 5053133"/>
-                <a:gd name="connsiteX0" fmla="*/ 0 w 3341155"/>
-                <a:gd name="connsiteY0" fmla="*/ 5054349 h 5054349"/>
-                <a:gd name="connsiteX1" fmla="*/ 1670578 w 3341155"/>
-                <a:gd name="connsiteY1" fmla="*/ 1216 h 5054349"/>
-                <a:gd name="connsiteX2" fmla="*/ 3341155 w 3341155"/>
-                <a:gd name="connsiteY2" fmla="*/ 5054349 h 5054349"/>
-                <a:gd name="connsiteX3" fmla="*/ 0 w 3341155"/>
-                <a:gd name="connsiteY3" fmla="*/ 5054349 h 5054349"/>
-                <a:gd name="connsiteX0" fmla="*/ 0 w 3341155"/>
-                <a:gd name="connsiteY0" fmla="*/ 5054932 h 5054932"/>
-                <a:gd name="connsiteX1" fmla="*/ 1670578 w 3341155"/>
-                <a:gd name="connsiteY1" fmla="*/ 1799 h 5054932"/>
-                <a:gd name="connsiteX2" fmla="*/ 3341155 w 3341155"/>
-                <a:gd name="connsiteY2" fmla="*/ 5054932 h 5054932"/>
-                <a:gd name="connsiteX3" fmla="*/ 0 w 3341155"/>
-                <a:gd name="connsiteY3" fmla="*/ 5054932 h 5054932"/>
-                <a:gd name="connsiteX0" fmla="*/ 0 w 3341155"/>
-                <a:gd name="connsiteY0" fmla="*/ 5054932 h 5054932"/>
-                <a:gd name="connsiteX1" fmla="*/ 1670578 w 3341155"/>
-                <a:gd name="connsiteY1" fmla="*/ 1799 h 5054932"/>
-                <a:gd name="connsiteX2" fmla="*/ 3341155 w 3341155"/>
-                <a:gd name="connsiteY2" fmla="*/ 5054932 h 5054932"/>
-                <a:gd name="connsiteX3" fmla="*/ 0 w 3341155"/>
-                <a:gd name="connsiteY3" fmla="*/ 5054932 h 5054932"/>
-              </a:gdLst>
-              <a:ahLst/>
-              <a:cxnLst>
-                <a:cxn ang="0">
-                  <a:pos x="connsiteX0" y="connsiteY0"/>
-                </a:cxn>
-                <a:cxn ang="0">
-                  <a:pos x="connsiteX1" y="connsiteY1"/>
-                </a:cxn>
-                <a:cxn ang="0">
-                  <a:pos x="connsiteX2" y="connsiteY2"/>
-                </a:cxn>
-                <a:cxn ang="0">
-                  <a:pos x="connsiteX3" y="connsiteY3"/>
-                </a:cxn>
-              </a:cxnLst>
-              <a:rect l="l" t="t" r="r" b="b"/>
-              <a:pathLst>
-                <a:path w="3341155" h="5054932">
-                  <a:moveTo>
-                    <a:pt x="0" y="5054932"/>
-                  </a:moveTo>
-                  <a:cubicBezTo>
-                    <a:pt x="556859" y="3370554"/>
-                    <a:pt x="1547106" y="-90235"/>
-                    <a:pt x="1670578" y="1799"/>
-                  </a:cubicBezTo>
-                  <a:cubicBezTo>
-                    <a:pt x="1801193" y="-87854"/>
-                    <a:pt x="2784296" y="3370554"/>
-                    <a:pt x="3341155" y="5054932"/>
-                  </a:cubicBezTo>
-                  <a:lnTo>
-                    <a:pt x="0" y="5054932"/>
-                  </a:lnTo>
-                  <a:close/>
-                </a:path>
-              </a:pathLst>
-            </a:custGeom>
-            <a:gradFill>
-              <a:gsLst>
-                <a:gs pos="70000">
-                  <a:srgbClr val="000000">
-                    <a:alpha val="8000"/>
-                  </a:srgbClr>
-                </a:gs>
-                <a:gs pos="50000">
-                  <a:srgbClr val="000000">
-                    <a:alpha val="4000"/>
-                  </a:srgbClr>
-                </a:gs>
-                <a:gs pos="30000">
-                  <a:schemeClr val="tx1">
-                    <a:alpha val="0"/>
-                  </a:schemeClr>
-                </a:gs>
-                <a:gs pos="100000">
-                  <a:schemeClr val="tx1">
-                    <a:lumMod val="85000"/>
-                    <a:lumOff val="15000"/>
-                    <a:alpha val="30000"/>
-                  </a:schemeClr>
-                </a:gs>
-              </a:gsLst>
-              <a:lin ang="5400000" scaled="1"/>
-            </a:gradFill>
-            <a:ln>
-              <a:noFill/>
-            </a:ln>
-            <a:effectLst>
-              <a:softEdge rad="63500"/>
-            </a:effectLst>
-          </p:spPr>
-          <p:style>
-            <a:lnRef idx="2">
-              <a:schemeClr val="accent1">
-                <a:shade val="50000"/>
-              </a:schemeClr>
-            </a:lnRef>
-            <a:fillRef idx="1">
-              <a:schemeClr val="accent1"/>
-            </a:fillRef>
-            <a:effectRef idx="0">
-              <a:schemeClr val="accent1"/>
-            </a:effectRef>
-            <a:fontRef idx="minor">
-              <a:schemeClr val="lt1"/>
-            </a:fontRef>
-          </p:style>
-          <p:txBody>
-            <a:bodyPr rtlCol="0" anchor="ctr"/>
-            <a:lstStyle/>
-            <a:p>
-              <a:pPr algn="ctr"/>
-              <a:endParaRPr lang="zh-CN" altLang="en-US">
-                <a:solidFill>
-                  <a:prstClr val="white"/>
-                </a:solidFill>
-                <a:cs typeface="+mn-ea"/>
-                <a:sym typeface="+mn-lt"/>
-              </a:endParaRPr>
-            </a:p>
-          </p:txBody>
-        </p:sp>
-        <p:sp>
-          <p:nvSpPr>
-            <p:cNvPr id="11" name="椭圆 10"/>
-            <p:cNvSpPr>
-              <a:spLocks noChangeAspect="1"/>
-            </p:cNvSpPr>
-            <p:nvPr/>
-          </p:nvSpPr>
-          <p:spPr>
-            <a:xfrm>
-              <a:off x="648010" y="2415605"/>
-              <a:ext cx="971992" cy="972000"/>
-            </a:xfrm>
-            <a:prstGeom prst="ellipse">
-              <a:avLst/>
-            </a:prstGeom>
-            <a:gradFill>
-              <a:gsLst>
-                <a:gs pos="1000">
-                  <a:schemeClr val="accent1">
-                    <a:lumMod val="20000"/>
-                    <a:lumOff val="80000"/>
-                  </a:schemeClr>
-                </a:gs>
-                <a:gs pos="60000">
-                  <a:srgbClr val="A5A5A5"/>
-                </a:gs>
-                <a:gs pos="100000">
-                  <a:srgbClr val="A5A5A5"/>
-                </a:gs>
-              </a:gsLst>
-              <a:lin ang="5400000" scaled="1"/>
-            </a:gradFill>
-            <a:ln w="25400">
-              <a:noFill/>
-            </a:ln>
-            <a:effectLst>
-              <a:outerShdw blurRad="254000" dist="63500" dir="5400000" algn="t" rotWithShape="0">
-                <a:prstClr val="black">
-                  <a:alpha val="30000"/>
-                </a:prstClr>
-              </a:outerShdw>
-            </a:effectLst>
-          </p:spPr>
-          <p:style>
-            <a:lnRef idx="2">
-              <a:schemeClr val="accent1">
-                <a:shade val="50000"/>
-              </a:schemeClr>
-            </a:lnRef>
-            <a:fillRef idx="1">
-              <a:schemeClr val="accent1"/>
-            </a:fillRef>
-            <a:effectRef idx="0">
-              <a:schemeClr val="accent1"/>
-            </a:effectRef>
-            <a:fontRef idx="minor">
-              <a:schemeClr val="lt1"/>
-            </a:fontRef>
-          </p:style>
-          <p:txBody>
-            <a:bodyPr rtlCol="0" anchor="ctr"/>
-            <a:lstStyle/>
-            <a:p>
-              <a:pPr algn="ctr"/>
-              <a:endParaRPr lang="zh-CN" altLang="en-US">
-                <a:solidFill>
-                  <a:prstClr val="white"/>
-                </a:solidFill>
-                <a:cs typeface="+mn-ea"/>
-                <a:sym typeface="+mn-lt"/>
-              </a:endParaRPr>
-            </a:p>
-          </p:txBody>
-        </p:sp>
-      </p:grpSp>
-      <p:grpSp>
-        <p:nvGrpSpPr>
-          <p:cNvPr id="3" name="组合 2"/>
-          <p:cNvGrpSpPr>
-            <a:grpSpLocks noChangeAspect="1"/>
-          </p:cNvGrpSpPr>
-          <p:nvPr>
-            <p:custDataLst>
-              <p:tags r:id="rId2"/>
-            </p:custDataLst>
-          </p:nvPr>
-        </p:nvGrpSpPr>
-        <p:grpSpPr>
-          <a:xfrm>
-            <a:off x="2760245" y="2023201"/>
-            <a:ext cx="2027688" cy="6443998"/>
-            <a:chOff x="935919" y="107043"/>
-            <a:chExt cx="1818452" cy="5779044"/>
-          </a:xfrm>
-        </p:grpSpPr>
-        <p:sp>
-          <p:nvSpPr>
-            <p:cNvPr id="4" name="等腰三角形 9"/>
-            <p:cNvSpPr/>
-            <p:nvPr/>
-          </p:nvSpPr>
-          <p:spPr>
-            <a:xfrm rot="10800000">
-              <a:off x="935919" y="1016252"/>
-              <a:ext cx="1818452" cy="4869835"/>
-            </a:xfrm>
-            <a:custGeom>
-              <a:avLst/>
-              <a:gdLst>
-                <a:gd name="connsiteX0" fmla="*/ 0 w 3341155"/>
-                <a:gd name="connsiteY0" fmla="*/ 5053133 h 5053133"/>
-                <a:gd name="connsiteX1" fmla="*/ 1670578 w 3341155"/>
-                <a:gd name="connsiteY1" fmla="*/ 0 h 5053133"/>
-                <a:gd name="connsiteX2" fmla="*/ 3341155 w 3341155"/>
-                <a:gd name="connsiteY2" fmla="*/ 5053133 h 5053133"/>
-                <a:gd name="connsiteX3" fmla="*/ 0 w 3341155"/>
-                <a:gd name="connsiteY3" fmla="*/ 5053133 h 5053133"/>
-                <a:gd name="connsiteX0" fmla="*/ 0 w 3341155"/>
-                <a:gd name="connsiteY0" fmla="*/ 5053133 h 5053133"/>
-                <a:gd name="connsiteX1" fmla="*/ 1670578 w 3341155"/>
-                <a:gd name="connsiteY1" fmla="*/ 0 h 5053133"/>
-                <a:gd name="connsiteX2" fmla="*/ 3341155 w 3341155"/>
-                <a:gd name="connsiteY2" fmla="*/ 5053133 h 5053133"/>
-                <a:gd name="connsiteX3" fmla="*/ 0 w 3341155"/>
-                <a:gd name="connsiteY3" fmla="*/ 5053133 h 5053133"/>
-                <a:gd name="connsiteX0" fmla="*/ 0 w 3341155"/>
-                <a:gd name="connsiteY0" fmla="*/ 5054349 h 5054349"/>
-                <a:gd name="connsiteX1" fmla="*/ 1670578 w 3341155"/>
-                <a:gd name="connsiteY1" fmla="*/ 1216 h 5054349"/>
-                <a:gd name="connsiteX2" fmla="*/ 3341155 w 3341155"/>
-                <a:gd name="connsiteY2" fmla="*/ 5054349 h 5054349"/>
-                <a:gd name="connsiteX3" fmla="*/ 0 w 3341155"/>
-                <a:gd name="connsiteY3" fmla="*/ 5054349 h 5054349"/>
-                <a:gd name="connsiteX0" fmla="*/ 0 w 3341155"/>
-                <a:gd name="connsiteY0" fmla="*/ 5054932 h 5054932"/>
-                <a:gd name="connsiteX1" fmla="*/ 1670578 w 3341155"/>
-                <a:gd name="connsiteY1" fmla="*/ 1799 h 5054932"/>
-                <a:gd name="connsiteX2" fmla="*/ 3341155 w 3341155"/>
-                <a:gd name="connsiteY2" fmla="*/ 5054932 h 5054932"/>
-                <a:gd name="connsiteX3" fmla="*/ 0 w 3341155"/>
-                <a:gd name="connsiteY3" fmla="*/ 5054932 h 5054932"/>
-                <a:gd name="connsiteX0" fmla="*/ 0 w 3341155"/>
-                <a:gd name="connsiteY0" fmla="*/ 5054932 h 5054932"/>
-                <a:gd name="connsiteX1" fmla="*/ 1670578 w 3341155"/>
-                <a:gd name="connsiteY1" fmla="*/ 1799 h 5054932"/>
-                <a:gd name="connsiteX2" fmla="*/ 3341155 w 3341155"/>
-                <a:gd name="connsiteY2" fmla="*/ 5054932 h 5054932"/>
-                <a:gd name="connsiteX3" fmla="*/ 0 w 3341155"/>
-                <a:gd name="connsiteY3" fmla="*/ 5054932 h 5054932"/>
-              </a:gdLst>
-              <a:ahLst/>
-              <a:cxnLst>
-                <a:cxn ang="0">
-                  <a:pos x="connsiteX0" y="connsiteY0"/>
-                </a:cxn>
-                <a:cxn ang="0">
-                  <a:pos x="connsiteX1" y="connsiteY1"/>
-                </a:cxn>
-                <a:cxn ang="0">
-                  <a:pos x="connsiteX2" y="connsiteY2"/>
-                </a:cxn>
-                <a:cxn ang="0">
-                  <a:pos x="connsiteX3" y="connsiteY3"/>
-                </a:cxn>
-              </a:cxnLst>
-              <a:rect l="l" t="t" r="r" b="b"/>
-              <a:pathLst>
-                <a:path w="3341155" h="5054932">
-                  <a:moveTo>
-                    <a:pt x="0" y="5054932"/>
-                  </a:moveTo>
-                  <a:cubicBezTo>
-                    <a:pt x="556859" y="3370554"/>
-                    <a:pt x="1547106" y="-90235"/>
-                    <a:pt x="1670578" y="1799"/>
-                  </a:cubicBezTo>
-                  <a:cubicBezTo>
-                    <a:pt x="1801193" y="-87854"/>
-                    <a:pt x="2784296" y="3370554"/>
-                    <a:pt x="3341155" y="5054932"/>
-                  </a:cubicBezTo>
-                  <a:lnTo>
-                    <a:pt x="0" y="5054932"/>
-                  </a:lnTo>
-                  <a:close/>
-                </a:path>
-              </a:pathLst>
-            </a:custGeom>
-            <a:gradFill>
-              <a:gsLst>
-                <a:gs pos="70000">
-                  <a:srgbClr val="000000">
-                    <a:alpha val="8000"/>
-                  </a:srgbClr>
-                </a:gs>
-                <a:gs pos="50000">
-                  <a:srgbClr val="000000">
-                    <a:alpha val="4000"/>
-                  </a:srgbClr>
-                </a:gs>
-                <a:gs pos="30000">
-                  <a:schemeClr val="tx1">
-                    <a:alpha val="0"/>
-                  </a:schemeClr>
-                </a:gs>
-                <a:gs pos="100000">
-                  <a:schemeClr val="tx1">
-                    <a:lumMod val="85000"/>
-                    <a:lumOff val="15000"/>
-                    <a:alpha val="30000"/>
-                  </a:schemeClr>
-                </a:gs>
-              </a:gsLst>
-              <a:lin ang="5400000" scaled="1"/>
-            </a:gradFill>
-            <a:ln>
-              <a:noFill/>
-            </a:ln>
-            <a:effectLst>
-              <a:softEdge rad="63500"/>
-            </a:effectLst>
-          </p:spPr>
-          <p:style>
-            <a:lnRef idx="2">
-              <a:schemeClr val="accent1">
-                <a:shade val="50000"/>
-              </a:schemeClr>
-            </a:lnRef>
-            <a:fillRef idx="1">
-              <a:schemeClr val="accent1"/>
-            </a:fillRef>
-            <a:effectRef idx="0">
-              <a:schemeClr val="accent1"/>
-            </a:effectRef>
-            <a:fontRef idx="minor">
-              <a:schemeClr val="lt1"/>
-            </a:fontRef>
-          </p:style>
-          <p:txBody>
-            <a:bodyPr rtlCol="0" anchor="ctr"/>
-            <a:lstStyle/>
-            <a:p>
-              <a:pPr algn="ctr"/>
-              <a:endParaRPr lang="zh-CN" altLang="en-US">
-                <a:solidFill>
-                  <a:prstClr val="white"/>
-                </a:solidFill>
-                <a:cs typeface="+mn-ea"/>
-                <a:sym typeface="+mn-lt"/>
-              </a:endParaRPr>
-            </a:p>
-          </p:txBody>
-        </p:sp>
-        <p:sp>
-          <p:nvSpPr>
-            <p:cNvPr id="5" name="椭圆 4"/>
-            <p:cNvSpPr>
-              <a:spLocks noChangeAspect="1"/>
-            </p:cNvSpPr>
-            <p:nvPr/>
-          </p:nvSpPr>
-          <p:spPr>
-            <a:xfrm>
-              <a:off x="942885" y="107043"/>
-              <a:ext cx="1799994" cy="1800000"/>
-            </a:xfrm>
-            <a:prstGeom prst="ellipse">
-              <a:avLst/>
-            </a:prstGeom>
-            <a:gradFill flip="none" rotWithShape="1">
-              <a:gsLst>
-                <a:gs pos="0">
-                  <a:schemeClr val="bg1"/>
-                </a:gs>
-                <a:gs pos="60000">
-                  <a:schemeClr val="bg2"/>
-                </a:gs>
-                <a:gs pos="100000">
-                  <a:schemeClr val="bg1">
-                    <a:lumMod val="85000"/>
-                  </a:schemeClr>
-                </a:gs>
-              </a:gsLst>
-              <a:lin ang="5400000" scaled="1"/>
-              <a:tileRect/>
-            </a:gradFill>
-            <a:ln w="25400">
-              <a:noFill/>
-            </a:ln>
-            <a:effectLst>
-              <a:outerShdw blurRad="254000" dist="63500" dir="5400000" algn="t" rotWithShape="0">
-                <a:prstClr val="black">
-                  <a:alpha val="30000"/>
-                </a:prstClr>
-              </a:outerShdw>
-            </a:effectLst>
-          </p:spPr>
-          <p:style>
-            <a:lnRef idx="2">
-              <a:schemeClr val="accent1">
-                <a:shade val="50000"/>
-              </a:schemeClr>
-            </a:lnRef>
-            <a:fillRef idx="1">
-              <a:schemeClr val="accent1"/>
-            </a:fillRef>
-            <a:effectRef idx="0">
-              <a:schemeClr val="accent1"/>
-            </a:effectRef>
-            <a:fontRef idx="minor">
-              <a:schemeClr val="lt1"/>
-            </a:fontRef>
-          </p:style>
-          <p:txBody>
-            <a:bodyPr rtlCol="0" anchor="ctr" anchorCtr="1"/>
-            <a:lstStyle/>
-            <a:p>
-              <a:pPr algn="ctr">
-                <a:lnSpc>
-                  <a:spcPct val="130000"/>
-                </a:lnSpc>
-                <a:defRPr/>
-              </a:pPr>
-              <a:endParaRPr lang="zh-CN" altLang="en-US" sz="4000" b="1" kern="0" dirty="0">
-                <a:solidFill>
-                  <a:srgbClr val="009999"/>
-                </a:solidFill>
-                <a:latin typeface="+mj-ea"/>
-                <a:ea typeface="+mj-ea"/>
-                <a:cs typeface="+mn-ea"/>
-                <a:sym typeface="+mn-lt"/>
-              </a:endParaRPr>
-            </a:p>
-          </p:txBody>
-        </p:sp>
-      </p:grpSp>
-      <p:grpSp>
-        <p:nvGrpSpPr>
-          <p:cNvPr id="6" name="组合 5"/>
-          <p:cNvGrpSpPr>
-            <a:grpSpLocks noChangeAspect="1"/>
-          </p:cNvGrpSpPr>
-          <p:nvPr>
-            <p:custDataLst>
-              <p:tags r:id="rId3"/>
-            </p:custDataLst>
-          </p:nvPr>
-        </p:nvGrpSpPr>
-        <p:grpSpPr>
-          <a:xfrm>
-            <a:off x="1981669" y="4924887"/>
-            <a:ext cx="1194018" cy="3475167"/>
-            <a:chOff x="597712" y="2415605"/>
-            <a:chExt cx="1076110" cy="3131998"/>
-          </a:xfrm>
-        </p:grpSpPr>
-        <p:sp>
-          <p:nvSpPr>
-            <p:cNvPr id="7" name="等腰三角形 9"/>
-            <p:cNvSpPr/>
-            <p:nvPr/>
-          </p:nvSpPr>
-          <p:spPr>
-            <a:xfrm rot="10800000">
-              <a:off x="597712" y="2908359"/>
-              <a:ext cx="1076110" cy="2639244"/>
-            </a:xfrm>
-            <a:custGeom>
-              <a:avLst/>
-              <a:gdLst>
-                <a:gd name="connsiteX0" fmla="*/ 0 w 3341155"/>
-                <a:gd name="connsiteY0" fmla="*/ 5053133 h 5053133"/>
-                <a:gd name="connsiteX1" fmla="*/ 1670578 w 3341155"/>
-                <a:gd name="connsiteY1" fmla="*/ 0 h 5053133"/>
-                <a:gd name="connsiteX2" fmla="*/ 3341155 w 3341155"/>
-                <a:gd name="connsiteY2" fmla="*/ 5053133 h 5053133"/>
-                <a:gd name="connsiteX3" fmla="*/ 0 w 3341155"/>
-                <a:gd name="connsiteY3" fmla="*/ 5053133 h 5053133"/>
-                <a:gd name="connsiteX0" fmla="*/ 0 w 3341155"/>
-                <a:gd name="connsiteY0" fmla="*/ 5053133 h 5053133"/>
-                <a:gd name="connsiteX1" fmla="*/ 1670578 w 3341155"/>
-                <a:gd name="connsiteY1" fmla="*/ 0 h 5053133"/>
-                <a:gd name="connsiteX2" fmla="*/ 3341155 w 3341155"/>
-                <a:gd name="connsiteY2" fmla="*/ 5053133 h 5053133"/>
-                <a:gd name="connsiteX3" fmla="*/ 0 w 3341155"/>
-                <a:gd name="connsiteY3" fmla="*/ 5053133 h 5053133"/>
-                <a:gd name="connsiteX0" fmla="*/ 0 w 3341155"/>
-                <a:gd name="connsiteY0" fmla="*/ 5054349 h 5054349"/>
-                <a:gd name="connsiteX1" fmla="*/ 1670578 w 3341155"/>
-                <a:gd name="connsiteY1" fmla="*/ 1216 h 5054349"/>
-                <a:gd name="connsiteX2" fmla="*/ 3341155 w 3341155"/>
-                <a:gd name="connsiteY2" fmla="*/ 5054349 h 5054349"/>
-                <a:gd name="connsiteX3" fmla="*/ 0 w 3341155"/>
-                <a:gd name="connsiteY3" fmla="*/ 5054349 h 5054349"/>
-                <a:gd name="connsiteX0" fmla="*/ 0 w 3341155"/>
-                <a:gd name="connsiteY0" fmla="*/ 5054932 h 5054932"/>
-                <a:gd name="connsiteX1" fmla="*/ 1670578 w 3341155"/>
-                <a:gd name="connsiteY1" fmla="*/ 1799 h 5054932"/>
-                <a:gd name="connsiteX2" fmla="*/ 3341155 w 3341155"/>
-                <a:gd name="connsiteY2" fmla="*/ 5054932 h 5054932"/>
-                <a:gd name="connsiteX3" fmla="*/ 0 w 3341155"/>
-                <a:gd name="connsiteY3" fmla="*/ 5054932 h 5054932"/>
-                <a:gd name="connsiteX0" fmla="*/ 0 w 3341155"/>
-                <a:gd name="connsiteY0" fmla="*/ 5054932 h 5054932"/>
-                <a:gd name="connsiteX1" fmla="*/ 1670578 w 3341155"/>
-                <a:gd name="connsiteY1" fmla="*/ 1799 h 5054932"/>
-                <a:gd name="connsiteX2" fmla="*/ 3341155 w 3341155"/>
-                <a:gd name="connsiteY2" fmla="*/ 5054932 h 5054932"/>
-                <a:gd name="connsiteX3" fmla="*/ 0 w 3341155"/>
-                <a:gd name="connsiteY3" fmla="*/ 5054932 h 5054932"/>
-              </a:gdLst>
-              <a:ahLst/>
-              <a:cxnLst>
-                <a:cxn ang="0">
-                  <a:pos x="connsiteX0" y="connsiteY0"/>
-                </a:cxn>
-                <a:cxn ang="0">
-                  <a:pos x="connsiteX1" y="connsiteY1"/>
-                </a:cxn>
-                <a:cxn ang="0">
-                  <a:pos x="connsiteX2" y="connsiteY2"/>
-                </a:cxn>
-                <a:cxn ang="0">
-                  <a:pos x="connsiteX3" y="connsiteY3"/>
-                </a:cxn>
-              </a:cxnLst>
-              <a:rect l="l" t="t" r="r" b="b"/>
-              <a:pathLst>
-                <a:path w="3341155" h="5054932">
-                  <a:moveTo>
-                    <a:pt x="0" y="5054932"/>
-                  </a:moveTo>
-                  <a:cubicBezTo>
-                    <a:pt x="556859" y="3370554"/>
-                    <a:pt x="1547106" y="-90235"/>
-                    <a:pt x="1670578" y="1799"/>
-                  </a:cubicBezTo>
-                  <a:cubicBezTo>
-                    <a:pt x="1801193" y="-87854"/>
-                    <a:pt x="2784296" y="3370554"/>
-                    <a:pt x="3341155" y="5054932"/>
-                  </a:cubicBezTo>
-                  <a:lnTo>
-                    <a:pt x="0" y="5054932"/>
-                  </a:lnTo>
-                  <a:close/>
-                </a:path>
-              </a:pathLst>
-            </a:custGeom>
-            <a:gradFill>
-              <a:gsLst>
-                <a:gs pos="70000">
-                  <a:srgbClr val="000000">
-                    <a:alpha val="8000"/>
-                  </a:srgbClr>
-                </a:gs>
-                <a:gs pos="50000">
-                  <a:srgbClr val="000000">
-                    <a:alpha val="4000"/>
-                  </a:srgbClr>
-                </a:gs>
-                <a:gs pos="30000">
-                  <a:schemeClr val="tx1">
-                    <a:alpha val="0"/>
-                  </a:schemeClr>
-                </a:gs>
-                <a:gs pos="100000">
-                  <a:schemeClr val="tx1">
-                    <a:lumMod val="85000"/>
-                    <a:lumOff val="15000"/>
-                    <a:alpha val="30000"/>
-                  </a:schemeClr>
-                </a:gs>
-              </a:gsLst>
-              <a:lin ang="5400000" scaled="1"/>
-            </a:gradFill>
-            <a:ln>
-              <a:noFill/>
-            </a:ln>
-            <a:effectLst>
-              <a:softEdge rad="63500"/>
-            </a:effectLst>
-          </p:spPr>
-          <p:style>
-            <a:lnRef idx="2">
-              <a:schemeClr val="accent1">
-                <a:shade val="50000"/>
-              </a:schemeClr>
-            </a:lnRef>
-            <a:fillRef idx="1">
-              <a:schemeClr val="accent1"/>
-            </a:fillRef>
-            <a:effectRef idx="0">
-              <a:schemeClr val="accent1"/>
-            </a:effectRef>
-            <a:fontRef idx="minor">
-              <a:schemeClr val="lt1"/>
-            </a:fontRef>
-          </p:style>
-          <p:txBody>
-            <a:bodyPr rtlCol="0" anchor="ctr"/>
-            <a:lstStyle/>
-            <a:p>
-              <a:pPr algn="ctr"/>
-              <a:endParaRPr lang="zh-CN" altLang="en-US">
-                <a:solidFill>
-                  <a:prstClr val="white"/>
-                </a:solidFill>
-                <a:cs typeface="+mn-ea"/>
-                <a:sym typeface="+mn-lt"/>
-              </a:endParaRPr>
-            </a:p>
-          </p:txBody>
-        </p:sp>
-        <p:sp>
-          <p:nvSpPr>
-            <p:cNvPr id="8" name="椭圆 7"/>
-            <p:cNvSpPr>
-              <a:spLocks noChangeAspect="1"/>
-            </p:cNvSpPr>
-            <p:nvPr/>
-          </p:nvSpPr>
-          <p:spPr>
-            <a:xfrm>
-              <a:off x="648010" y="2415605"/>
-              <a:ext cx="971992" cy="972000"/>
-            </a:xfrm>
-            <a:prstGeom prst="ellipse">
-              <a:avLst/>
-            </a:prstGeom>
-            <a:gradFill>
-              <a:gsLst>
-                <a:gs pos="1000">
-                  <a:schemeClr val="accent1">
-                    <a:lumMod val="20000"/>
-                    <a:lumOff val="80000"/>
-                  </a:schemeClr>
-                </a:gs>
-                <a:gs pos="60000">
-                  <a:srgbClr val="A5A5A5"/>
-                </a:gs>
-                <a:gs pos="100000">
-                  <a:srgbClr val="A5A5A5"/>
-                </a:gs>
-              </a:gsLst>
-              <a:lin ang="5400000" scaled="1"/>
-            </a:gradFill>
-            <a:ln w="25400">
-              <a:noFill/>
-            </a:ln>
-            <a:effectLst>
-              <a:outerShdw blurRad="254000" dist="63500" dir="5400000" algn="t" rotWithShape="0">
-                <a:prstClr val="black">
-                  <a:alpha val="30000"/>
-                </a:prstClr>
-              </a:outerShdw>
-            </a:effectLst>
-          </p:spPr>
-          <p:style>
-            <a:lnRef idx="2">
-              <a:schemeClr val="accent1">
-                <a:shade val="50000"/>
-              </a:schemeClr>
-            </a:lnRef>
-            <a:fillRef idx="1">
-              <a:schemeClr val="accent1"/>
-            </a:fillRef>
-            <a:effectRef idx="0">
-              <a:schemeClr val="accent1"/>
-            </a:effectRef>
-            <a:fontRef idx="minor">
-              <a:schemeClr val="lt1"/>
-            </a:fontRef>
-          </p:style>
-          <p:txBody>
-            <a:bodyPr rtlCol="0" anchor="ctr"/>
-            <a:lstStyle/>
-            <a:p>
-              <a:pPr algn="ctr"/>
-              <a:endParaRPr lang="zh-CN" altLang="en-US">
-                <a:solidFill>
-                  <a:prstClr val="white"/>
-                </a:solidFill>
-                <a:cs typeface="+mn-ea"/>
-                <a:sym typeface="+mn-lt"/>
-              </a:endParaRPr>
-            </a:p>
-          </p:txBody>
-        </p:sp>
-      </p:grpSp>
-      <p:grpSp>
-        <p:nvGrpSpPr>
-          <p:cNvPr id="12" name="组合 11"/>
-          <p:cNvGrpSpPr>
-            <a:grpSpLocks noChangeAspect="1"/>
-          </p:cNvGrpSpPr>
-          <p:nvPr>
-            <p:custDataLst>
-              <p:tags r:id="rId4"/>
-            </p:custDataLst>
-          </p:nvPr>
-        </p:nvGrpSpPr>
-        <p:grpSpPr>
-          <a:xfrm>
-            <a:off x="4481255" y="4431190"/>
-            <a:ext cx="618455" cy="1800000"/>
-            <a:chOff x="597712" y="2415605"/>
-            <a:chExt cx="1076110" cy="3131998"/>
-          </a:xfrm>
-        </p:grpSpPr>
-        <p:sp>
-          <p:nvSpPr>
-            <p:cNvPr id="13" name="等腰三角形 9"/>
-            <p:cNvSpPr/>
-            <p:nvPr/>
-          </p:nvSpPr>
-          <p:spPr>
-            <a:xfrm rot="10800000">
-              <a:off x="597712" y="2908359"/>
-              <a:ext cx="1076110" cy="2639244"/>
-            </a:xfrm>
-            <a:custGeom>
-              <a:avLst/>
-              <a:gdLst>
-                <a:gd name="connsiteX0" fmla="*/ 0 w 3341155"/>
-                <a:gd name="connsiteY0" fmla="*/ 5053133 h 5053133"/>
-                <a:gd name="connsiteX1" fmla="*/ 1670578 w 3341155"/>
-                <a:gd name="connsiteY1" fmla="*/ 0 h 5053133"/>
-                <a:gd name="connsiteX2" fmla="*/ 3341155 w 3341155"/>
-                <a:gd name="connsiteY2" fmla="*/ 5053133 h 5053133"/>
-                <a:gd name="connsiteX3" fmla="*/ 0 w 3341155"/>
-                <a:gd name="connsiteY3" fmla="*/ 5053133 h 5053133"/>
-                <a:gd name="connsiteX0" fmla="*/ 0 w 3341155"/>
-                <a:gd name="connsiteY0" fmla="*/ 5053133 h 5053133"/>
-                <a:gd name="connsiteX1" fmla="*/ 1670578 w 3341155"/>
-                <a:gd name="connsiteY1" fmla="*/ 0 h 5053133"/>
-                <a:gd name="connsiteX2" fmla="*/ 3341155 w 3341155"/>
-                <a:gd name="connsiteY2" fmla="*/ 5053133 h 5053133"/>
-                <a:gd name="connsiteX3" fmla="*/ 0 w 3341155"/>
-                <a:gd name="connsiteY3" fmla="*/ 5053133 h 5053133"/>
-                <a:gd name="connsiteX0" fmla="*/ 0 w 3341155"/>
-                <a:gd name="connsiteY0" fmla="*/ 5054349 h 5054349"/>
-                <a:gd name="connsiteX1" fmla="*/ 1670578 w 3341155"/>
-                <a:gd name="connsiteY1" fmla="*/ 1216 h 5054349"/>
-                <a:gd name="connsiteX2" fmla="*/ 3341155 w 3341155"/>
-                <a:gd name="connsiteY2" fmla="*/ 5054349 h 5054349"/>
-                <a:gd name="connsiteX3" fmla="*/ 0 w 3341155"/>
-                <a:gd name="connsiteY3" fmla="*/ 5054349 h 5054349"/>
-                <a:gd name="connsiteX0" fmla="*/ 0 w 3341155"/>
-                <a:gd name="connsiteY0" fmla="*/ 5054932 h 5054932"/>
-                <a:gd name="connsiteX1" fmla="*/ 1670578 w 3341155"/>
-                <a:gd name="connsiteY1" fmla="*/ 1799 h 5054932"/>
-                <a:gd name="connsiteX2" fmla="*/ 3341155 w 3341155"/>
-                <a:gd name="connsiteY2" fmla="*/ 5054932 h 5054932"/>
-                <a:gd name="connsiteX3" fmla="*/ 0 w 3341155"/>
-                <a:gd name="connsiteY3" fmla="*/ 5054932 h 5054932"/>
-                <a:gd name="connsiteX0" fmla="*/ 0 w 3341155"/>
-                <a:gd name="connsiteY0" fmla="*/ 5054932 h 5054932"/>
-                <a:gd name="connsiteX1" fmla="*/ 1670578 w 3341155"/>
-                <a:gd name="connsiteY1" fmla="*/ 1799 h 5054932"/>
-                <a:gd name="connsiteX2" fmla="*/ 3341155 w 3341155"/>
-                <a:gd name="connsiteY2" fmla="*/ 5054932 h 5054932"/>
-                <a:gd name="connsiteX3" fmla="*/ 0 w 3341155"/>
-                <a:gd name="connsiteY3" fmla="*/ 5054932 h 5054932"/>
-              </a:gdLst>
-              <a:ahLst/>
-              <a:cxnLst>
-                <a:cxn ang="0">
-                  <a:pos x="connsiteX0" y="connsiteY0"/>
-                </a:cxn>
-                <a:cxn ang="0">
-                  <a:pos x="connsiteX1" y="connsiteY1"/>
-                </a:cxn>
-                <a:cxn ang="0">
-                  <a:pos x="connsiteX2" y="connsiteY2"/>
-                </a:cxn>
-                <a:cxn ang="0">
-                  <a:pos x="connsiteX3" y="connsiteY3"/>
-                </a:cxn>
-              </a:cxnLst>
-              <a:rect l="l" t="t" r="r" b="b"/>
-              <a:pathLst>
-                <a:path w="3341155" h="5054932">
-                  <a:moveTo>
-                    <a:pt x="0" y="5054932"/>
-                  </a:moveTo>
-                  <a:cubicBezTo>
-                    <a:pt x="556859" y="3370554"/>
-                    <a:pt x="1547106" y="-90235"/>
-                    <a:pt x="1670578" y="1799"/>
-                  </a:cubicBezTo>
-                  <a:cubicBezTo>
-                    <a:pt x="1801193" y="-87854"/>
-                    <a:pt x="2784296" y="3370554"/>
-                    <a:pt x="3341155" y="5054932"/>
-                  </a:cubicBezTo>
-                  <a:lnTo>
-                    <a:pt x="0" y="5054932"/>
-                  </a:lnTo>
-                  <a:close/>
-                </a:path>
-              </a:pathLst>
-            </a:custGeom>
-            <a:gradFill>
-              <a:gsLst>
-                <a:gs pos="70000">
-                  <a:srgbClr val="000000">
-                    <a:alpha val="8000"/>
-                  </a:srgbClr>
-                </a:gs>
-                <a:gs pos="50000">
-                  <a:srgbClr val="000000">
-                    <a:alpha val="4000"/>
-                  </a:srgbClr>
-                </a:gs>
-                <a:gs pos="30000">
-                  <a:schemeClr val="tx1">
-                    <a:alpha val="0"/>
-                  </a:schemeClr>
-                </a:gs>
-                <a:gs pos="100000">
-                  <a:schemeClr val="tx1">
-                    <a:lumMod val="85000"/>
-                    <a:lumOff val="15000"/>
-                    <a:alpha val="30000"/>
-                  </a:schemeClr>
-                </a:gs>
-              </a:gsLst>
-              <a:lin ang="5400000" scaled="1"/>
-            </a:gradFill>
-            <a:ln>
-              <a:noFill/>
-            </a:ln>
-            <a:effectLst>
-              <a:softEdge rad="63500"/>
-            </a:effectLst>
-          </p:spPr>
-          <p:style>
-            <a:lnRef idx="2">
-              <a:schemeClr val="accent1">
-                <a:shade val="50000"/>
-              </a:schemeClr>
-            </a:lnRef>
-            <a:fillRef idx="1">
-              <a:schemeClr val="accent1"/>
-            </a:fillRef>
-            <a:effectRef idx="0">
-              <a:schemeClr val="accent1"/>
-            </a:effectRef>
-            <a:fontRef idx="minor">
-              <a:schemeClr val="lt1"/>
-            </a:fontRef>
-          </p:style>
-          <p:txBody>
-            <a:bodyPr rtlCol="0" anchor="ctr"/>
-            <a:lstStyle/>
-            <a:p>
-              <a:pPr algn="ctr"/>
-              <a:endParaRPr lang="zh-CN" altLang="en-US">
-                <a:solidFill>
-                  <a:prstClr val="white"/>
-                </a:solidFill>
-                <a:cs typeface="+mn-ea"/>
-                <a:sym typeface="+mn-lt"/>
-              </a:endParaRPr>
-            </a:p>
-          </p:txBody>
-        </p:sp>
-        <p:sp>
-          <p:nvSpPr>
-            <p:cNvPr id="14" name="椭圆 13"/>
-            <p:cNvSpPr>
-              <a:spLocks noChangeAspect="1"/>
-            </p:cNvSpPr>
-            <p:nvPr/>
-          </p:nvSpPr>
-          <p:spPr>
-            <a:xfrm>
-              <a:off x="648010" y="2415605"/>
-              <a:ext cx="971992" cy="972000"/>
-            </a:xfrm>
-            <a:prstGeom prst="ellipse">
-              <a:avLst/>
-            </a:prstGeom>
-            <a:gradFill>
-              <a:gsLst>
-                <a:gs pos="1000">
-                  <a:schemeClr val="accent4">
-                    <a:lumMod val="20000"/>
-                    <a:lumOff val="80000"/>
-                  </a:schemeClr>
-                </a:gs>
-                <a:gs pos="60000">
-                  <a:srgbClr val="009999"/>
-                </a:gs>
-                <a:gs pos="100000">
-                  <a:srgbClr val="009999"/>
-                </a:gs>
-              </a:gsLst>
-              <a:lin ang="5400000" scaled="1"/>
-            </a:gradFill>
-            <a:ln w="25400">
-              <a:noFill/>
-            </a:ln>
-            <a:effectLst>
-              <a:outerShdw blurRad="254000" dist="63500" dir="5400000" algn="t" rotWithShape="0">
-                <a:prstClr val="black">
-                  <a:alpha val="30000"/>
-                </a:prstClr>
-              </a:outerShdw>
-            </a:effectLst>
-          </p:spPr>
-          <p:style>
-            <a:lnRef idx="2">
-              <a:schemeClr val="accent1">
-                <a:shade val="50000"/>
-              </a:schemeClr>
-            </a:lnRef>
-            <a:fillRef idx="1">
-              <a:schemeClr val="accent1"/>
-            </a:fillRef>
-            <a:effectRef idx="0">
-              <a:schemeClr val="accent1"/>
-            </a:effectRef>
-            <a:fontRef idx="minor">
-              <a:schemeClr val="lt1"/>
-            </a:fontRef>
-          </p:style>
-          <p:txBody>
-            <a:bodyPr rtlCol="0" anchor="ctr"/>
-            <a:lstStyle/>
-            <a:p>
-              <a:pPr algn="ctr"/>
-              <a:endParaRPr lang="zh-CN" altLang="en-US">
-                <a:solidFill>
-                  <a:prstClr val="white"/>
-                </a:solidFill>
-                <a:cs typeface="+mn-ea"/>
-                <a:sym typeface="+mn-lt"/>
-              </a:endParaRPr>
-            </a:p>
-          </p:txBody>
-        </p:sp>
-      </p:grpSp>
-      <p:grpSp>
-        <p:nvGrpSpPr>
-          <p:cNvPr id="15" name="组合 14"/>
-          <p:cNvGrpSpPr>
-            <a:grpSpLocks noChangeAspect="1"/>
-          </p:cNvGrpSpPr>
-          <p:nvPr>
-            <p:custDataLst>
-              <p:tags r:id="rId5"/>
-            </p:custDataLst>
-          </p:nvPr>
-        </p:nvGrpSpPr>
-        <p:grpSpPr>
-          <a:xfrm>
-            <a:off x="1033964" y="2075338"/>
-            <a:ext cx="1150325" cy="3348000"/>
-            <a:chOff x="597712" y="2415605"/>
-            <a:chExt cx="1076110" cy="3131998"/>
-          </a:xfrm>
-        </p:grpSpPr>
-        <p:sp>
-          <p:nvSpPr>
-            <p:cNvPr id="16" name="等腰三角形 9"/>
-            <p:cNvSpPr/>
-            <p:nvPr/>
-          </p:nvSpPr>
-          <p:spPr>
-            <a:xfrm rot="10800000">
-              <a:off x="597712" y="2908359"/>
-              <a:ext cx="1076110" cy="2639244"/>
-            </a:xfrm>
-            <a:custGeom>
-              <a:avLst/>
-              <a:gdLst>
-                <a:gd name="connsiteX0" fmla="*/ 0 w 3341155"/>
-                <a:gd name="connsiteY0" fmla="*/ 5053133 h 5053133"/>
-                <a:gd name="connsiteX1" fmla="*/ 1670578 w 3341155"/>
-                <a:gd name="connsiteY1" fmla="*/ 0 h 5053133"/>
-                <a:gd name="connsiteX2" fmla="*/ 3341155 w 3341155"/>
-                <a:gd name="connsiteY2" fmla="*/ 5053133 h 5053133"/>
-                <a:gd name="connsiteX3" fmla="*/ 0 w 3341155"/>
-                <a:gd name="connsiteY3" fmla="*/ 5053133 h 5053133"/>
-                <a:gd name="connsiteX0" fmla="*/ 0 w 3341155"/>
-                <a:gd name="connsiteY0" fmla="*/ 5053133 h 5053133"/>
-                <a:gd name="connsiteX1" fmla="*/ 1670578 w 3341155"/>
-                <a:gd name="connsiteY1" fmla="*/ 0 h 5053133"/>
-                <a:gd name="connsiteX2" fmla="*/ 3341155 w 3341155"/>
-                <a:gd name="connsiteY2" fmla="*/ 5053133 h 5053133"/>
-                <a:gd name="connsiteX3" fmla="*/ 0 w 3341155"/>
-                <a:gd name="connsiteY3" fmla="*/ 5053133 h 5053133"/>
-                <a:gd name="connsiteX0" fmla="*/ 0 w 3341155"/>
-                <a:gd name="connsiteY0" fmla="*/ 5054349 h 5054349"/>
-                <a:gd name="connsiteX1" fmla="*/ 1670578 w 3341155"/>
-                <a:gd name="connsiteY1" fmla="*/ 1216 h 5054349"/>
-                <a:gd name="connsiteX2" fmla="*/ 3341155 w 3341155"/>
-                <a:gd name="connsiteY2" fmla="*/ 5054349 h 5054349"/>
-                <a:gd name="connsiteX3" fmla="*/ 0 w 3341155"/>
-                <a:gd name="connsiteY3" fmla="*/ 5054349 h 5054349"/>
-                <a:gd name="connsiteX0" fmla="*/ 0 w 3341155"/>
-                <a:gd name="connsiteY0" fmla="*/ 5054932 h 5054932"/>
-                <a:gd name="connsiteX1" fmla="*/ 1670578 w 3341155"/>
-                <a:gd name="connsiteY1" fmla="*/ 1799 h 5054932"/>
-                <a:gd name="connsiteX2" fmla="*/ 3341155 w 3341155"/>
-                <a:gd name="connsiteY2" fmla="*/ 5054932 h 5054932"/>
-                <a:gd name="connsiteX3" fmla="*/ 0 w 3341155"/>
-                <a:gd name="connsiteY3" fmla="*/ 5054932 h 5054932"/>
-                <a:gd name="connsiteX0" fmla="*/ 0 w 3341155"/>
-                <a:gd name="connsiteY0" fmla="*/ 5054932 h 5054932"/>
-                <a:gd name="connsiteX1" fmla="*/ 1670578 w 3341155"/>
-                <a:gd name="connsiteY1" fmla="*/ 1799 h 5054932"/>
-                <a:gd name="connsiteX2" fmla="*/ 3341155 w 3341155"/>
-                <a:gd name="connsiteY2" fmla="*/ 5054932 h 5054932"/>
-                <a:gd name="connsiteX3" fmla="*/ 0 w 3341155"/>
-                <a:gd name="connsiteY3" fmla="*/ 5054932 h 5054932"/>
-              </a:gdLst>
-              <a:ahLst/>
-              <a:cxnLst>
-                <a:cxn ang="0">
-                  <a:pos x="connsiteX0" y="connsiteY0"/>
-                </a:cxn>
-                <a:cxn ang="0">
-                  <a:pos x="connsiteX1" y="connsiteY1"/>
-                </a:cxn>
-                <a:cxn ang="0">
-                  <a:pos x="connsiteX2" y="connsiteY2"/>
-                </a:cxn>
-                <a:cxn ang="0">
-                  <a:pos x="connsiteX3" y="connsiteY3"/>
-                </a:cxn>
-              </a:cxnLst>
-              <a:rect l="l" t="t" r="r" b="b"/>
-              <a:pathLst>
-                <a:path w="3341155" h="5054932">
-                  <a:moveTo>
-                    <a:pt x="0" y="5054932"/>
-                  </a:moveTo>
-                  <a:cubicBezTo>
-                    <a:pt x="556859" y="3370554"/>
-                    <a:pt x="1547106" y="-90235"/>
-                    <a:pt x="1670578" y="1799"/>
-                  </a:cubicBezTo>
-                  <a:cubicBezTo>
-                    <a:pt x="1801193" y="-87854"/>
-                    <a:pt x="2784296" y="3370554"/>
-                    <a:pt x="3341155" y="5054932"/>
-                  </a:cubicBezTo>
-                  <a:lnTo>
-                    <a:pt x="0" y="5054932"/>
-                  </a:lnTo>
-                  <a:close/>
-                </a:path>
-              </a:pathLst>
-            </a:custGeom>
-            <a:gradFill>
-              <a:gsLst>
-                <a:gs pos="70000">
-                  <a:srgbClr val="000000">
-                    <a:alpha val="8000"/>
-                  </a:srgbClr>
-                </a:gs>
-                <a:gs pos="50000">
-                  <a:srgbClr val="000000">
-                    <a:alpha val="4000"/>
-                  </a:srgbClr>
-                </a:gs>
-                <a:gs pos="30000">
-                  <a:schemeClr val="tx1">
-                    <a:alpha val="0"/>
-                  </a:schemeClr>
-                </a:gs>
-                <a:gs pos="100000">
-                  <a:schemeClr val="tx1">
-                    <a:lumMod val="85000"/>
-                    <a:lumOff val="15000"/>
-                    <a:alpha val="30000"/>
-                  </a:schemeClr>
-                </a:gs>
-              </a:gsLst>
-              <a:lin ang="5400000" scaled="1"/>
-            </a:gradFill>
-            <a:ln>
-              <a:noFill/>
-            </a:ln>
-            <a:effectLst>
-              <a:softEdge rad="63500"/>
-            </a:effectLst>
-          </p:spPr>
-          <p:style>
-            <a:lnRef idx="2">
-              <a:schemeClr val="accent1">
-                <a:shade val="50000"/>
-              </a:schemeClr>
-            </a:lnRef>
-            <a:fillRef idx="1">
-              <a:schemeClr val="accent1"/>
-            </a:fillRef>
-            <a:effectRef idx="0">
-              <a:schemeClr val="accent1"/>
-            </a:effectRef>
-            <a:fontRef idx="minor">
-              <a:schemeClr val="lt1"/>
-            </a:fontRef>
-          </p:style>
-          <p:txBody>
-            <a:bodyPr rtlCol="0" anchor="ctr"/>
-            <a:lstStyle/>
-            <a:p>
-              <a:pPr algn="ctr"/>
-              <a:endParaRPr lang="zh-CN" altLang="en-US">
-                <a:solidFill>
-                  <a:prstClr val="white"/>
-                </a:solidFill>
-                <a:cs typeface="+mn-ea"/>
-                <a:sym typeface="+mn-lt"/>
-              </a:endParaRPr>
-            </a:p>
-          </p:txBody>
-        </p:sp>
-        <p:sp>
-          <p:nvSpPr>
-            <p:cNvPr id="17" name="椭圆 16"/>
-            <p:cNvSpPr>
-              <a:spLocks noChangeAspect="1"/>
-            </p:cNvSpPr>
-            <p:nvPr/>
-          </p:nvSpPr>
-          <p:spPr>
-            <a:xfrm>
-              <a:off x="648010" y="2415605"/>
-              <a:ext cx="971992" cy="972000"/>
-            </a:xfrm>
-            <a:prstGeom prst="ellipse">
-              <a:avLst/>
-            </a:prstGeom>
-            <a:gradFill>
-              <a:gsLst>
-                <a:gs pos="1000">
-                  <a:schemeClr val="accent4">
-                    <a:lumMod val="20000"/>
-                    <a:lumOff val="80000"/>
-                  </a:schemeClr>
-                </a:gs>
-                <a:gs pos="60000">
-                  <a:srgbClr val="009999"/>
-                </a:gs>
-                <a:gs pos="100000">
-                  <a:srgbClr val="009999"/>
-                </a:gs>
-              </a:gsLst>
-              <a:lin ang="5400000" scaled="1"/>
-            </a:gradFill>
-            <a:ln w="25400">
-              <a:noFill/>
-            </a:ln>
-            <a:effectLst>
-              <a:outerShdw blurRad="254000" dist="63500" dir="5400000" algn="t" rotWithShape="0">
-                <a:prstClr val="black">
-                  <a:alpha val="30000"/>
-                </a:prstClr>
-              </a:outerShdw>
-            </a:effectLst>
-          </p:spPr>
-          <p:style>
-            <a:lnRef idx="2">
-              <a:schemeClr val="accent1">
-                <a:shade val="50000"/>
-              </a:schemeClr>
-            </a:lnRef>
-            <a:fillRef idx="1">
-              <a:schemeClr val="accent1"/>
-            </a:fillRef>
-            <a:effectRef idx="0">
-              <a:schemeClr val="accent1"/>
-            </a:effectRef>
-            <a:fontRef idx="minor">
-              <a:schemeClr val="lt1"/>
-            </a:fontRef>
-          </p:style>
-          <p:txBody>
-            <a:bodyPr rtlCol="0" anchor="ctr"/>
-            <a:lstStyle/>
-            <a:p>
-              <a:pPr algn="ctr"/>
-              <a:endParaRPr lang="zh-CN" altLang="en-US">
-                <a:solidFill>
-                  <a:prstClr val="white"/>
-                </a:solidFill>
-                <a:cs typeface="+mn-ea"/>
-                <a:sym typeface="+mn-lt"/>
-              </a:endParaRPr>
-            </a:p>
-          </p:txBody>
-        </p:sp>
-      </p:grpSp>
-      <p:sp>
-        <p:nvSpPr>
-          <p:cNvPr id="24" name="文本框 23"/>
-          <p:cNvSpPr txBox="1"/>
-          <p:nvPr>
-            <p:custDataLst>
-              <p:tags r:id="rId6"/>
-            </p:custDataLst>
-          </p:nvPr>
-        </p:nvSpPr>
-        <p:spPr>
-          <a:xfrm>
-            <a:off x="5088961" y="2617990"/>
-            <a:ext cx="6145850" cy="830997"/>
-          </a:xfrm>
-          <a:prstGeom prst="rect">
-            <a:avLst/>
-          </a:prstGeom>
-          <a:noFill/>
-          <a:effectLst>
-            <a:outerShdw dist="25400" dir="5400000" algn="t" rotWithShape="0">
-              <a:schemeClr val="bg1">
-                <a:alpha val="40000"/>
-              </a:schemeClr>
-            </a:outerShdw>
-          </a:effectLst>
-        </p:spPr>
-        <p:txBody>
-          <a:bodyPr wrap="none" rtlCol="0" anchor="b" anchorCtr="0">
-            <a:spAutoFit/>
-          </a:bodyPr>
-          <a:lstStyle>
-            <a:defPPr>
-              <a:defRPr lang="zh-CN"/>
-            </a:defPPr>
-            <a:lvl1pPr>
-              <a:defRPr sz="3600" b="1">
-                <a:solidFill>
-                  <a:schemeClr val="accent1">
-                    <a:lumMod val="75000"/>
-                  </a:schemeClr>
-                </a:solidFill>
-                <a:effectLst>
-                  <a:innerShdw blurRad="127000" dist="63500" dir="16200000">
-                    <a:prstClr val="black">
-                      <a:alpha val="50000"/>
-                    </a:prstClr>
-                  </a:innerShdw>
-                </a:effectLst>
-                <a:latin typeface="微软雅黑"/>
-                <a:ea typeface="微软雅黑"/>
-              </a:defRPr>
-            </a:lvl1pPr>
-          </a:lstStyle>
-          <a:p>
-            <a:pPr algn="ctr"/>
-            <a:r>
-              <a:rPr lang="en-US" sz="4800" dirty="0">
-                <a:solidFill>
-                  <a:srgbClr val="009999"/>
-                </a:solidFill>
-                <a:effectLst/>
-                <a:latin typeface="+mj-ea"/>
-                <a:ea typeface="+mj-ea"/>
-              </a:rPr>
-              <a:t>Python Application</a:t>
-            </a:r>
-          </a:p>
-        </p:txBody>
-      </p:sp>
-    </p:spTree>
-    <p:extLst>
-      <p:ext uri="{BB962C8B-B14F-4D97-AF65-F5344CB8AC3E}">
-        <p14:creationId xmlns:p14="http://schemas.microsoft.com/office/powerpoint/2010/main" val="1491481288"/>
-      </p:ext>
-    </p:extLst>
-  </p:cSld>
-  <p:clrMapOvr>
-    <a:masterClrMapping/>
-  </p:clrMapOvr>
-  <mc:AlternateContent xmlns:mc="http://schemas.openxmlformats.org/markup-compatibility/2006" xmlns:p14="http://schemas.microsoft.com/office/powerpoint/2010/main">
-    <mc:Choice Requires="p14">
-      <p:transition spd="slow" p14:dur="3900">
-        <p14:glitter pattern="hexagon"/>
-      </p:transition>
-    </mc:Choice>
-    <mc:Fallback xmlns="">
-      <p:transition spd="slow">
-        <p:fade/>
-      </p:transition>
-    </mc:Fallback>
-  </mc:AlternateContent>
-  <p:timing>
-    <p:tnLst>
-      <p:par>
-        <p:cTn id="1" dur="indefinite" restart="never" nodeType="tmRoot">
-          <p:childTnLst>
-            <p:seq concurrent="1" nextAc="seek">
-              <p:cTn id="2" dur="indefinite" nodeType="mainSeq">
-                <p:childTnLst>
-                  <p:par>
-                    <p:cTn id="3" fill="hold">
-                      <p:stCondLst>
-                        <p:cond delay="indefinite"/>
-                        <p:cond evt="onBegin" delay="0">
-                          <p:tn val="2"/>
-                        </p:cond>
-                      </p:stCondLst>
-                      <p:childTnLst>
-                        <p:par>
-                          <p:cTn id="4" fill="hold">
-                            <p:stCondLst>
-                              <p:cond delay="0"/>
-                            </p:stCondLst>
-                            <p:childTnLst>
-                              <p:par>
-                                <p:cTn id="5" presetID="2" presetClass="entr" presetSubtype="4" decel="100000" fill="hold" nodeType="withEffect">
-                                  <p:stCondLst>
-                                    <p:cond delay="0"/>
-                                  </p:stCondLst>
-                                  <p:childTnLst>
-                                    <p:set>
-                                      <p:cBhvr>
-                                        <p:cTn id="6" dur="1" fill="hold">
-                                          <p:stCondLst>
-                                            <p:cond delay="0"/>
-                                          </p:stCondLst>
-                                        </p:cTn>
-                                        <p:tgtEl>
-                                          <p:spTgt spid="9"/>
-                                        </p:tgtEl>
-                                        <p:attrNameLst>
-                                          <p:attrName>style.visibility</p:attrName>
-                                        </p:attrNameLst>
-                                      </p:cBhvr>
-                                      <p:to>
-                                        <p:strVal val="visible"/>
-                                      </p:to>
-                                    </p:set>
-                                    <p:anim calcmode="lin" valueType="num">
-                                      <p:cBhvr additive="base">
-                                        <p:cTn id="7" dur="1250" fill="hold"/>
-                                        <p:tgtEl>
-                                          <p:spTgt spid="9"/>
-                                        </p:tgtEl>
-                                        <p:attrNameLst>
-                                          <p:attrName>ppt_x</p:attrName>
-                                        </p:attrNameLst>
-                                      </p:cBhvr>
-                                      <p:tavLst>
-                                        <p:tav tm="0">
-                                          <p:val>
-                                            <p:strVal val="#ppt_x"/>
-                                          </p:val>
-                                        </p:tav>
-                                        <p:tav tm="100000">
-                                          <p:val>
-                                            <p:strVal val="#ppt_x"/>
-                                          </p:val>
-                                        </p:tav>
-                                      </p:tavLst>
-                                    </p:anim>
-                                    <p:anim calcmode="lin" valueType="num">
-                                      <p:cBhvr additive="base">
-                                        <p:cTn id="8" dur="1250" fill="hold"/>
-                                        <p:tgtEl>
-                                          <p:spTgt spid="9"/>
-                                        </p:tgtEl>
-                                        <p:attrNameLst>
-                                          <p:attrName>ppt_y</p:attrName>
-                                        </p:attrNameLst>
-                                      </p:cBhvr>
-                                      <p:tavLst>
-                                        <p:tav tm="0">
-                                          <p:val>
-                                            <p:strVal val="1+#ppt_h/2"/>
-                                          </p:val>
-                                        </p:tav>
-                                        <p:tav tm="100000">
-                                          <p:val>
-                                            <p:strVal val="#ppt_y"/>
-                                          </p:val>
-                                        </p:tav>
-                                      </p:tavLst>
-                                    </p:anim>
-                                  </p:childTnLst>
-                                </p:cTn>
-                              </p:par>
-                              <p:par>
-                                <p:cTn id="9" presetID="2" presetClass="entr" presetSubtype="4" decel="100000" fill="hold" nodeType="withEffect">
-                                  <p:stCondLst>
-                                    <p:cond delay="250"/>
-                                  </p:stCondLst>
-                                  <p:childTnLst>
-                                    <p:set>
-                                      <p:cBhvr>
-                                        <p:cTn id="10" dur="1" fill="hold">
-                                          <p:stCondLst>
-                                            <p:cond delay="0"/>
-                                          </p:stCondLst>
-                                        </p:cTn>
-                                        <p:tgtEl>
-                                          <p:spTgt spid="15"/>
-                                        </p:tgtEl>
-                                        <p:attrNameLst>
-                                          <p:attrName>style.visibility</p:attrName>
-                                        </p:attrNameLst>
-                                      </p:cBhvr>
-                                      <p:to>
-                                        <p:strVal val="visible"/>
-                                      </p:to>
-                                    </p:set>
-                                    <p:anim calcmode="lin" valueType="num">
-                                      <p:cBhvr additive="base">
-                                        <p:cTn id="11" dur="1250" fill="hold"/>
-                                        <p:tgtEl>
-                                          <p:spTgt spid="15"/>
-                                        </p:tgtEl>
-                                        <p:attrNameLst>
-                                          <p:attrName>ppt_x</p:attrName>
-                                        </p:attrNameLst>
-                                      </p:cBhvr>
-                                      <p:tavLst>
-                                        <p:tav tm="0">
-                                          <p:val>
-                                            <p:strVal val="#ppt_x"/>
-                                          </p:val>
-                                        </p:tav>
-                                        <p:tav tm="100000">
-                                          <p:val>
-                                            <p:strVal val="#ppt_x"/>
-                                          </p:val>
-                                        </p:tav>
-                                      </p:tavLst>
-                                    </p:anim>
-                                    <p:anim calcmode="lin" valueType="num">
-                                      <p:cBhvr additive="base">
-                                        <p:cTn id="12" dur="1250" fill="hold"/>
-                                        <p:tgtEl>
-                                          <p:spTgt spid="15"/>
-                                        </p:tgtEl>
-                                        <p:attrNameLst>
-                                          <p:attrName>ppt_y</p:attrName>
-                                        </p:attrNameLst>
-                                      </p:cBhvr>
-                                      <p:tavLst>
-                                        <p:tav tm="0">
-                                          <p:val>
-                                            <p:strVal val="1+#ppt_h/2"/>
-                                          </p:val>
-                                        </p:tav>
-                                        <p:tav tm="100000">
-                                          <p:val>
-                                            <p:strVal val="#ppt_y"/>
-                                          </p:val>
-                                        </p:tav>
-                                      </p:tavLst>
-                                    </p:anim>
-                                  </p:childTnLst>
-                                </p:cTn>
-                              </p:par>
-                              <p:par>
-                                <p:cTn id="13" presetID="2" presetClass="entr" presetSubtype="4" decel="100000" fill="hold" nodeType="withEffect">
-                                  <p:stCondLst>
-                                    <p:cond delay="500"/>
-                                  </p:stCondLst>
-                                  <p:childTnLst>
-                                    <p:set>
-                                      <p:cBhvr>
-                                        <p:cTn id="14" dur="1" fill="hold">
-                                          <p:stCondLst>
-                                            <p:cond delay="0"/>
-                                          </p:stCondLst>
-                                        </p:cTn>
-                                        <p:tgtEl>
-                                          <p:spTgt spid="3"/>
-                                        </p:tgtEl>
-                                        <p:attrNameLst>
-                                          <p:attrName>style.visibility</p:attrName>
-                                        </p:attrNameLst>
-                                      </p:cBhvr>
-                                      <p:to>
-                                        <p:strVal val="visible"/>
-                                      </p:to>
-                                    </p:set>
-                                    <p:anim calcmode="lin" valueType="num">
-                                      <p:cBhvr additive="base">
-                                        <p:cTn id="15" dur="1250" fill="hold"/>
-                                        <p:tgtEl>
-                                          <p:spTgt spid="3"/>
-                                        </p:tgtEl>
-                                        <p:attrNameLst>
-                                          <p:attrName>ppt_x</p:attrName>
-                                        </p:attrNameLst>
-                                      </p:cBhvr>
-                                      <p:tavLst>
-                                        <p:tav tm="0">
-                                          <p:val>
-                                            <p:strVal val="#ppt_x"/>
-                                          </p:val>
-                                        </p:tav>
-                                        <p:tav tm="100000">
-                                          <p:val>
-                                            <p:strVal val="#ppt_x"/>
-                                          </p:val>
-                                        </p:tav>
-                                      </p:tavLst>
-                                    </p:anim>
-                                    <p:anim calcmode="lin" valueType="num">
-                                      <p:cBhvr additive="base">
-                                        <p:cTn id="16" dur="1250" fill="hold"/>
-                                        <p:tgtEl>
-                                          <p:spTgt spid="3"/>
-                                        </p:tgtEl>
-                                        <p:attrNameLst>
-                                          <p:attrName>ppt_y</p:attrName>
-                                        </p:attrNameLst>
-                                      </p:cBhvr>
-                                      <p:tavLst>
-                                        <p:tav tm="0">
-                                          <p:val>
-                                            <p:strVal val="1+#ppt_h/2"/>
-                                          </p:val>
-                                        </p:tav>
-                                        <p:tav tm="100000">
-                                          <p:val>
-                                            <p:strVal val="#ppt_y"/>
-                                          </p:val>
-                                        </p:tav>
-                                      </p:tavLst>
-                                    </p:anim>
-                                  </p:childTnLst>
-                                </p:cTn>
-                              </p:par>
-                              <p:par>
-                                <p:cTn id="17" presetID="2" presetClass="entr" presetSubtype="4" decel="100000" fill="hold" nodeType="withEffect">
-                                  <p:stCondLst>
-                                    <p:cond delay="750"/>
-                                  </p:stCondLst>
-                                  <p:childTnLst>
-                                    <p:set>
-                                      <p:cBhvr>
-                                        <p:cTn id="18" dur="1" fill="hold">
-                                          <p:stCondLst>
-                                            <p:cond delay="0"/>
-                                          </p:stCondLst>
-                                        </p:cTn>
-                                        <p:tgtEl>
-                                          <p:spTgt spid="12"/>
-                                        </p:tgtEl>
-                                        <p:attrNameLst>
-                                          <p:attrName>style.visibility</p:attrName>
-                                        </p:attrNameLst>
-                                      </p:cBhvr>
-                                      <p:to>
-                                        <p:strVal val="visible"/>
-                                      </p:to>
-                                    </p:set>
-                                    <p:anim calcmode="lin" valueType="num">
-                                      <p:cBhvr additive="base">
-                                        <p:cTn id="19" dur="1250" fill="hold"/>
-                                        <p:tgtEl>
-                                          <p:spTgt spid="12"/>
-                                        </p:tgtEl>
-                                        <p:attrNameLst>
-                                          <p:attrName>ppt_x</p:attrName>
-                                        </p:attrNameLst>
-                                      </p:cBhvr>
-                                      <p:tavLst>
-                                        <p:tav tm="0">
-                                          <p:val>
-                                            <p:strVal val="#ppt_x"/>
-                                          </p:val>
-                                        </p:tav>
-                                        <p:tav tm="100000">
-                                          <p:val>
-                                            <p:strVal val="#ppt_x"/>
-                                          </p:val>
-                                        </p:tav>
-                                      </p:tavLst>
-                                    </p:anim>
-                                    <p:anim calcmode="lin" valueType="num">
-                                      <p:cBhvr additive="base">
-                                        <p:cTn id="20" dur="1250" fill="hold"/>
-                                        <p:tgtEl>
-                                          <p:spTgt spid="12"/>
-                                        </p:tgtEl>
-                                        <p:attrNameLst>
-                                          <p:attrName>ppt_y</p:attrName>
-                                        </p:attrNameLst>
-                                      </p:cBhvr>
-                                      <p:tavLst>
-                                        <p:tav tm="0">
-                                          <p:val>
-                                            <p:strVal val="1+#ppt_h/2"/>
-                                          </p:val>
-                                        </p:tav>
-                                        <p:tav tm="100000">
-                                          <p:val>
-                                            <p:strVal val="#ppt_y"/>
-                                          </p:val>
-                                        </p:tav>
-                                      </p:tavLst>
-                                    </p:anim>
-                                  </p:childTnLst>
-                                </p:cTn>
-                              </p:par>
-                              <p:par>
-                                <p:cTn id="21" presetID="2" presetClass="entr" presetSubtype="4" decel="100000" fill="hold" nodeType="withEffect">
-                                  <p:stCondLst>
-                                    <p:cond delay="1000"/>
-                                  </p:stCondLst>
-                                  <p:childTnLst>
-                                    <p:set>
-                                      <p:cBhvr>
-                                        <p:cTn id="22" dur="1" fill="hold">
-                                          <p:stCondLst>
-                                            <p:cond delay="0"/>
-                                          </p:stCondLst>
-                                        </p:cTn>
-                                        <p:tgtEl>
-                                          <p:spTgt spid="6"/>
-                                        </p:tgtEl>
-                                        <p:attrNameLst>
-                                          <p:attrName>style.visibility</p:attrName>
-                                        </p:attrNameLst>
-                                      </p:cBhvr>
-                                      <p:to>
-                                        <p:strVal val="visible"/>
-                                      </p:to>
-                                    </p:set>
-                                    <p:anim calcmode="lin" valueType="num">
-                                      <p:cBhvr additive="base">
-                                        <p:cTn id="23" dur="1250" fill="hold"/>
-                                        <p:tgtEl>
-                                          <p:spTgt spid="6"/>
-                                        </p:tgtEl>
-                                        <p:attrNameLst>
-                                          <p:attrName>ppt_x</p:attrName>
-                                        </p:attrNameLst>
-                                      </p:cBhvr>
-                                      <p:tavLst>
-                                        <p:tav tm="0">
-                                          <p:val>
-                                            <p:strVal val="#ppt_x"/>
-                                          </p:val>
-                                        </p:tav>
-                                        <p:tav tm="100000">
-                                          <p:val>
-                                            <p:strVal val="#ppt_x"/>
-                                          </p:val>
-                                        </p:tav>
-                                      </p:tavLst>
-                                    </p:anim>
-                                    <p:anim calcmode="lin" valueType="num">
-                                      <p:cBhvr additive="base">
-                                        <p:cTn id="24" dur="1250" fill="hold"/>
-                                        <p:tgtEl>
-                                          <p:spTgt spid="6"/>
-                                        </p:tgtEl>
-                                        <p:attrNameLst>
-                                          <p:attrName>ppt_y</p:attrName>
-                                        </p:attrNameLst>
-                                      </p:cBhvr>
-                                      <p:tavLst>
-                                        <p:tav tm="0">
-                                          <p:val>
-                                            <p:strVal val="1+#ppt_h/2"/>
-                                          </p:val>
-                                        </p:tav>
-                                        <p:tav tm="100000">
-                                          <p:val>
-                                            <p:strVal val="#ppt_y"/>
-                                          </p:val>
-                                        </p:tav>
-                                      </p:tavLst>
-                                    </p:anim>
-                                  </p:childTnLst>
-                                </p:cTn>
-                              </p:par>
-                              <p:par>
-                                <p:cTn id="25" presetID="2" presetClass="entr" presetSubtype="2" decel="100000" fill="hold" grpId="0" nodeType="withEffect">
-                                  <p:stCondLst>
-                                    <p:cond delay="1000"/>
-                                  </p:stCondLst>
-                                  <p:childTnLst>
-                                    <p:set>
-                                      <p:cBhvr>
-                                        <p:cTn id="26" dur="1" fill="hold">
-                                          <p:stCondLst>
-                                            <p:cond delay="0"/>
-                                          </p:stCondLst>
-                                        </p:cTn>
-                                        <p:tgtEl>
-                                          <p:spTgt spid="24"/>
-                                        </p:tgtEl>
-                                        <p:attrNameLst>
-                                          <p:attrName>style.visibility</p:attrName>
-                                        </p:attrNameLst>
-                                      </p:cBhvr>
-                                      <p:to>
-                                        <p:strVal val="visible"/>
-                                      </p:to>
-                                    </p:set>
-                                    <p:anim calcmode="lin" valueType="num">
-                                      <p:cBhvr additive="base">
-                                        <p:cTn id="27" dur="1500" fill="hold"/>
-                                        <p:tgtEl>
-                                          <p:spTgt spid="24"/>
-                                        </p:tgtEl>
-                                        <p:attrNameLst>
-                                          <p:attrName>ppt_x</p:attrName>
-                                        </p:attrNameLst>
-                                      </p:cBhvr>
-                                      <p:tavLst>
-                                        <p:tav tm="0">
-                                          <p:val>
-                                            <p:strVal val="1+#ppt_w/2"/>
-                                          </p:val>
-                                        </p:tav>
-                                        <p:tav tm="100000">
-                                          <p:val>
-                                            <p:strVal val="#ppt_x"/>
-                                          </p:val>
-                                        </p:tav>
-                                      </p:tavLst>
-                                    </p:anim>
-                                    <p:anim calcmode="lin" valueType="num">
-                                      <p:cBhvr additive="base">
-                                        <p:cTn id="28" dur="1500" fill="hold"/>
-                                        <p:tgtEl>
-                                          <p:spTgt spid="24"/>
-                                        </p:tgtEl>
-                                        <p:attrNameLst>
-                                          <p:attrName>ppt_y</p:attrName>
-                                        </p:attrNameLst>
-                                      </p:cBhvr>
-                                      <p:tavLst>
-                                        <p:tav tm="0">
-                                          <p:val>
-                                            <p:strVal val="#ppt_y"/>
-                                          </p:val>
-                                        </p:tav>
-                                        <p:tav tm="100000">
-                                          <p:val>
-                                            <p:strVal val="#ppt_y"/>
-                                          </p:val>
-                                        </p:tav>
-                                      </p:tavLst>
-                                    </p:anim>
-                                  </p:childTnLst>
-                                </p:cTn>
-                              </p:par>
-                            </p:childTnLst>
-                          </p:cTn>
-                        </p:par>
-                      </p:childTnLst>
-                    </p:cTn>
-                  </p:par>
-                </p:childTnLst>
-              </p:cTn>
-              <p:prevCondLst>
-                <p:cond evt="onPrev" delay="0">
-                  <p:tgtEl>
-                    <p:sldTgt/>
-                  </p:tgtEl>
-                </p:cond>
-              </p:prevCondLst>
-              <p:nextCondLst>
-                <p:cond evt="onNext" delay="0">
-                  <p:tgtEl>
-                    <p:sldTgt/>
-                  </p:tgtEl>
-                </p:cond>
-              </p:nextCondLst>
-            </p:seq>
-          </p:childTnLst>
-        </p:cTn>
-      </p:par>
-    </p:tnLst>
-    <p:bldLst>
-      <p:bldP spid="24" grpId="0"/>
-    </p:bldLst>
-  </p:timing>
-</p:sld>
-</file>
-
-<file path=ppt/slides/slide20.xml><?xml version="1.0" encoding="utf-8"?>
-<p:sld xmlns:a="http://schemas.openxmlformats.org/drawingml/2006/main" xmlns:r="http://schemas.openxmlformats.org/officeDocument/2006/relationships" xmlns:p="http://schemas.openxmlformats.org/presentationml/2006/main">
-  <p:cSld>
-    <p:spTree>
-      <p:nvGrpSpPr>
-        <p:cNvPr id="1" name=""/>
-        <p:cNvGrpSpPr/>
-        <p:nvPr/>
-      </p:nvGrpSpPr>
-      <p:grpSpPr>
-        <a:xfrm>
-          <a:off x="0" y="0"/>
-          <a:ext cx="0" cy="0"/>
-          <a:chOff x="0" y="0"/>
-          <a:chExt cx="0" cy="0"/>
-        </a:xfrm>
-      </p:grpSpPr>
-      <p:sp>
-        <p:nvSpPr>
-          <p:cNvPr id="6" name="TextBox 5">
-            <a:extLst>
-              <a:ext uri="{FF2B5EF4-FFF2-40B4-BE49-F238E27FC236}">
-                <a16:creationId xmlns:a16="http://schemas.microsoft.com/office/drawing/2014/main" id="{CE8C9024-1B2C-4E5F-8982-C6D7F965C621}"/>
-              </a:ext>
-            </a:extLst>
-          </p:cNvPr>
-          <p:cNvSpPr txBox="1"/>
-          <p:nvPr/>
-        </p:nvSpPr>
-        <p:spPr>
-          <a:xfrm>
-            <a:off x="1324685" y="473143"/>
-            <a:ext cx="8080571" cy="584775"/>
-          </a:xfrm>
-          <a:prstGeom prst="rect">
-            <a:avLst/>
-          </a:prstGeom>
-          <a:noFill/>
-        </p:spPr>
-        <p:txBody>
-          <a:bodyPr wrap="square">
-            <a:spAutoFit/>
-          </a:bodyPr>
-          <a:lstStyle/>
-          <a:p>
-            <a:r>
-              <a:rPr lang="en-CA" sz="3200" b="1" i="0" dirty="0">
-                <a:solidFill>
-                  <a:srgbClr val="000000"/>
-                </a:solidFill>
-                <a:effectLst/>
-                <a:latin typeface="Segoe UI" panose="020B0502040204020203" pitchFamily="34" charset="0"/>
-              </a:rPr>
-              <a:t>Raise an exception</a:t>
-            </a:r>
-          </a:p>
-        </p:txBody>
-      </p:sp>
-      <p:sp>
-        <p:nvSpPr>
-          <p:cNvPr id="2" name="Rectangle 1">
-            <a:extLst>
-              <a:ext uri="{FF2B5EF4-FFF2-40B4-BE49-F238E27FC236}">
-                <a16:creationId xmlns:a16="http://schemas.microsoft.com/office/drawing/2014/main" id="{29D1CD05-3F4F-48A5-AB23-9A6E48F5E04F}"/>
-              </a:ext>
-            </a:extLst>
-          </p:cNvPr>
-          <p:cNvSpPr>
-            <a:spLocks noChangeArrowheads="1"/>
-          </p:cNvSpPr>
-          <p:nvPr/>
-        </p:nvSpPr>
-        <p:spPr bwMode="auto">
-          <a:xfrm>
-            <a:off x="1035698" y="1057918"/>
-            <a:ext cx="10926147" cy="5606944"/>
-          </a:xfrm>
-          <a:prstGeom prst="rect">
-            <a:avLst/>
-          </a:prstGeom>
-          <a:solidFill>
-            <a:srgbClr val="E7E9EB"/>
-          </a:solidFill>
-          <a:ln>
-            <a:noFill/>
-          </a:ln>
-          <a:effectLst/>
-          <a:extLst>
-            <a:ext uri="{91240B29-F687-4F45-9708-019B960494DF}">
-              <a14:hiddenLine xmlns:a14="http://schemas.microsoft.com/office/drawing/2010/main" w="9525">
-                <a:solidFill>
-                  <a:schemeClr val="tx1"/>
-                </a:solidFill>
-                <a:miter lim="800000"/>
-                <a:headEnd/>
-                <a:tailEnd/>
-              </a14:hiddenLine>
-            </a:ext>
-            <a:ext uri="{AF507438-7753-43E0-B8FC-AC1667EBCBE1}">
-              <a14:hiddenEffects xmlns:a14="http://schemas.microsoft.com/office/drawing/2010/main">
-                <a:effectLst>
-                  <a:outerShdw dist="35921" dir="2700000" algn="ctr" rotWithShape="0">
-                    <a:schemeClr val="bg2"/>
-                  </a:outerShdw>
-                </a:effectLst>
-              </a14:hiddenEffects>
-            </a:ext>
-          </a:extLst>
-        </p:spPr>
-        <p:txBody>
-          <a:bodyPr vert="horz" wrap="square" lIns="0" tIns="63480" rIns="0" bIns="63480" numCol="1" anchor="ctr" anchorCtr="0" compatLnSpc="1">
-            <a:prstTxWarp prst="textNoShape">
-              <a:avLst/>
-            </a:prstTxWarp>
-            <a:spAutoFit/>
-          </a:bodyPr>
-          <a:lstStyle>
-            <a:lvl1pPr eaLnBrk="0" fontAlgn="base" hangingPunct="0">
-              <a:spcBef>
-                <a:spcPct val="0"/>
-              </a:spcBef>
-              <a:spcAft>
-                <a:spcPct val="0"/>
-              </a:spcAft>
-              <a:defRPr>
-                <a:solidFill>
-                  <a:schemeClr val="tx1"/>
-                </a:solidFill>
-                <a:latin typeface="Arial" panose="020B0604020202020204" pitchFamily="34" charset="0"/>
-              </a:defRPr>
-            </a:lvl1pPr>
-            <a:lvl2pPr eaLnBrk="0" fontAlgn="base" hangingPunct="0">
-              <a:spcBef>
-                <a:spcPct val="0"/>
-              </a:spcBef>
-              <a:spcAft>
-                <a:spcPct val="0"/>
-              </a:spcAft>
-              <a:defRPr>
-                <a:solidFill>
-                  <a:schemeClr val="tx1"/>
-                </a:solidFill>
-                <a:latin typeface="Arial" panose="020B0604020202020204" pitchFamily="34" charset="0"/>
-              </a:defRPr>
-            </a:lvl2pPr>
-            <a:lvl3pPr eaLnBrk="0" fontAlgn="base" hangingPunct="0">
-              <a:spcBef>
-                <a:spcPct val="0"/>
-              </a:spcBef>
-              <a:spcAft>
-                <a:spcPct val="0"/>
-              </a:spcAft>
-              <a:defRPr>
-                <a:solidFill>
-                  <a:schemeClr val="tx1"/>
-                </a:solidFill>
-                <a:latin typeface="Arial" panose="020B0604020202020204" pitchFamily="34" charset="0"/>
-              </a:defRPr>
-            </a:lvl3pPr>
-            <a:lvl4pPr eaLnBrk="0" fontAlgn="base" hangingPunct="0">
-              <a:spcBef>
-                <a:spcPct val="0"/>
-              </a:spcBef>
-              <a:spcAft>
-                <a:spcPct val="0"/>
-              </a:spcAft>
-              <a:defRPr>
-                <a:solidFill>
-                  <a:schemeClr val="tx1"/>
-                </a:solidFill>
-                <a:latin typeface="Arial" panose="020B0604020202020204" pitchFamily="34" charset="0"/>
-              </a:defRPr>
-            </a:lvl4pPr>
-            <a:lvl5pPr eaLnBrk="0" fontAlgn="base" hangingPunct="0">
-              <a:spcBef>
-                <a:spcPct val="0"/>
-              </a:spcBef>
-              <a:spcAft>
-                <a:spcPct val="0"/>
-              </a:spcAft>
-              <a:defRPr>
-                <a:solidFill>
-                  <a:schemeClr val="tx1"/>
-                </a:solidFill>
-                <a:latin typeface="Arial" panose="020B0604020202020204" pitchFamily="34" charset="0"/>
-              </a:defRPr>
-            </a:lvl5pPr>
-            <a:lvl6pPr eaLnBrk="0" fontAlgn="base" hangingPunct="0">
-              <a:spcBef>
-                <a:spcPct val="0"/>
-              </a:spcBef>
-              <a:spcAft>
-                <a:spcPct val="0"/>
-              </a:spcAft>
-              <a:defRPr>
-                <a:solidFill>
-                  <a:schemeClr val="tx1"/>
-                </a:solidFill>
-                <a:latin typeface="Arial" panose="020B0604020202020204" pitchFamily="34" charset="0"/>
-              </a:defRPr>
-            </a:lvl6pPr>
-            <a:lvl7pPr eaLnBrk="0" fontAlgn="base" hangingPunct="0">
-              <a:spcBef>
-                <a:spcPct val="0"/>
-              </a:spcBef>
-              <a:spcAft>
-                <a:spcPct val="0"/>
-              </a:spcAft>
-              <a:defRPr>
-                <a:solidFill>
-                  <a:schemeClr val="tx1"/>
-                </a:solidFill>
-                <a:latin typeface="Arial" panose="020B0604020202020204" pitchFamily="34" charset="0"/>
-              </a:defRPr>
-            </a:lvl7pPr>
-            <a:lvl8pPr eaLnBrk="0" fontAlgn="base" hangingPunct="0">
-              <a:spcBef>
-                <a:spcPct val="0"/>
-              </a:spcBef>
-              <a:spcAft>
-                <a:spcPct val="0"/>
-              </a:spcAft>
-              <a:defRPr>
-                <a:solidFill>
-                  <a:schemeClr val="tx1"/>
-                </a:solidFill>
-                <a:latin typeface="Arial" panose="020B0604020202020204" pitchFamily="34" charset="0"/>
-              </a:defRPr>
-            </a:lvl8pPr>
-            <a:lvl9pPr eaLnBrk="0" fontAlgn="base" hangingPunct="0">
-              <a:spcBef>
-                <a:spcPct val="0"/>
-              </a:spcBef>
-              <a:spcAft>
-                <a:spcPct val="0"/>
-              </a:spcAft>
-              <a:defRPr>
-                <a:solidFill>
-                  <a:schemeClr val="tx1"/>
-                </a:solidFill>
-                <a:latin typeface="Arial" panose="020B0604020202020204" pitchFamily="34" charset="0"/>
-              </a:defRPr>
-            </a:lvl9pPr>
-          </a:lstStyle>
-          <a:p>
-            <a:pPr marL="0" marR="0" lvl="0" indent="0" algn="l" defTabSz="914400" rtl="0" eaLnBrk="0" fontAlgn="base" latinLnBrk="0" hangingPunct="0">
-              <a:lnSpc>
-                <a:spcPct val="150000"/>
-              </a:lnSpc>
-              <a:spcBef>
-                <a:spcPct val="0"/>
-              </a:spcBef>
-              <a:spcAft>
-                <a:spcPct val="0"/>
-              </a:spcAft>
-              <a:buClrTx/>
-              <a:buSzTx/>
-              <a:buFontTx/>
-              <a:buNone/>
-              <a:tabLst/>
-            </a:pPr>
-            <a:r>
-              <a:rPr kumimoji="0" lang="en-US" altLang="en-US" sz="2400" b="0" i="0" u="none" strike="noStrike" cap="none" normalizeH="0" baseline="0" dirty="0">
-                <a:ln>
-                  <a:noFill/>
-                </a:ln>
-                <a:solidFill>
-                  <a:srgbClr val="000000"/>
-                </a:solidFill>
-                <a:effectLst/>
-                <a:latin typeface="Verdana" panose="020B0604030504040204" pitchFamily="34" charset="0"/>
-              </a:rPr>
-              <a:t>As a Python developer you can choose to throw an exception if a condition occurs.</a:t>
-            </a:r>
-            <a:endParaRPr kumimoji="0" lang="en-US" altLang="en-US" sz="2400" b="0" i="0" u="none" strike="noStrike" cap="none" normalizeH="0" baseline="0" dirty="0">
-              <a:ln>
-                <a:noFill/>
-              </a:ln>
-              <a:solidFill>
-                <a:schemeClr val="tx1"/>
-              </a:solidFill>
-              <a:effectLst/>
-            </a:endParaRPr>
-          </a:p>
-          <a:p>
-            <a:pPr marL="0" marR="0" lvl="0" indent="0" algn="l" defTabSz="914400" rtl="0" eaLnBrk="0" fontAlgn="base" latinLnBrk="0" hangingPunct="0">
-              <a:lnSpc>
-                <a:spcPct val="150000"/>
-              </a:lnSpc>
-              <a:spcBef>
-                <a:spcPct val="0"/>
-              </a:spcBef>
-              <a:spcAft>
-                <a:spcPct val="0"/>
-              </a:spcAft>
-              <a:buClrTx/>
-              <a:buSzTx/>
-              <a:buFontTx/>
-              <a:buNone/>
-              <a:tabLst/>
-            </a:pPr>
-            <a:r>
-              <a:rPr kumimoji="0" lang="en-US" altLang="en-US" sz="2400" b="0" i="0" u="none" strike="noStrike" cap="none" normalizeH="0" baseline="0" dirty="0">
-                <a:ln>
-                  <a:noFill/>
-                </a:ln>
-                <a:solidFill>
-                  <a:srgbClr val="000000"/>
-                </a:solidFill>
-                <a:effectLst/>
-                <a:latin typeface="Verdana" panose="020B0604030504040204" pitchFamily="34" charset="0"/>
-              </a:rPr>
-              <a:t>To throw (or raise) an exception, use the </a:t>
-            </a:r>
-            <a:r>
-              <a:rPr kumimoji="0" lang="en-US" altLang="en-US" sz="2400" b="0" i="0" u="none" strike="noStrike" cap="none" normalizeH="0" baseline="0" dirty="0">
-                <a:ln>
-                  <a:noFill/>
-                </a:ln>
-                <a:solidFill>
-                  <a:srgbClr val="DC143C"/>
-                </a:solidFill>
-                <a:effectLst/>
-                <a:latin typeface="Consolas" panose="020B0609020204030204" pitchFamily="49" charset="0"/>
-              </a:rPr>
-              <a:t>raise</a:t>
-            </a:r>
-            <a:r>
-              <a:rPr kumimoji="0" lang="en-US" altLang="en-US" sz="2400" b="0" i="0" u="none" strike="noStrike" cap="none" normalizeH="0" baseline="0" dirty="0">
-                <a:ln>
-                  <a:noFill/>
-                </a:ln>
-                <a:solidFill>
-                  <a:srgbClr val="000000"/>
-                </a:solidFill>
-                <a:effectLst/>
-                <a:latin typeface="Verdana" panose="020B0604030504040204" pitchFamily="34" charset="0"/>
-              </a:rPr>
-              <a:t> keyword.</a:t>
-            </a:r>
-            <a:endParaRPr kumimoji="0" lang="en-US" altLang="en-US" sz="2400" b="0" i="0" u="none" strike="noStrike" cap="none" normalizeH="0" baseline="0" dirty="0">
-              <a:ln>
-                <a:noFill/>
-              </a:ln>
-              <a:solidFill>
-                <a:schemeClr val="tx1"/>
-              </a:solidFill>
-              <a:effectLst/>
-            </a:endParaRPr>
-          </a:p>
-          <a:p>
-            <a:pPr marL="0" marR="0" lvl="0" indent="0" algn="l" defTabSz="914400" rtl="0" eaLnBrk="0" fontAlgn="base" latinLnBrk="0" hangingPunct="0">
-              <a:lnSpc>
-                <a:spcPct val="150000"/>
-              </a:lnSpc>
-              <a:spcBef>
-                <a:spcPct val="0"/>
-              </a:spcBef>
-              <a:spcAft>
-                <a:spcPct val="0"/>
-              </a:spcAft>
-              <a:buClrTx/>
-              <a:buSzTx/>
-              <a:buFontTx/>
-              <a:buNone/>
-              <a:tabLst/>
-            </a:pPr>
-            <a:endParaRPr kumimoji="0" lang="en-US" altLang="en-US" sz="2400" b="0" i="0" u="none" strike="noStrike" cap="none" normalizeH="0" baseline="0" dirty="0">
-              <a:ln>
-                <a:noFill/>
-              </a:ln>
-              <a:solidFill>
-                <a:srgbClr val="000000"/>
-              </a:solidFill>
-              <a:effectLst/>
-              <a:latin typeface="Segoe UI" panose="020B0502040204020203" pitchFamily="34" charset="0"/>
-              <a:cs typeface="Segoe UI" panose="020B0502040204020203" pitchFamily="34" charset="0"/>
-            </a:endParaRPr>
-          </a:p>
-          <a:p>
-            <a:pPr marL="0" marR="0" lvl="0" indent="0" algn="l" defTabSz="914400" rtl="0" eaLnBrk="0" fontAlgn="base" latinLnBrk="0" hangingPunct="0">
-              <a:lnSpc>
-                <a:spcPct val="150000"/>
-              </a:lnSpc>
-              <a:spcBef>
-                <a:spcPct val="0"/>
-              </a:spcBef>
-              <a:spcAft>
-                <a:spcPct val="0"/>
-              </a:spcAft>
-              <a:buClrTx/>
-              <a:buSzTx/>
-              <a:buFontTx/>
-              <a:buNone/>
-              <a:tabLst/>
-            </a:pPr>
-            <a:r>
-              <a:rPr kumimoji="0" lang="en-US" altLang="en-US" sz="2400" b="0" i="0" u="none" strike="noStrike" cap="none" normalizeH="0" baseline="0" dirty="0">
-                <a:ln>
-                  <a:noFill/>
-                </a:ln>
-                <a:solidFill>
-                  <a:srgbClr val="000000"/>
-                </a:solidFill>
-                <a:effectLst/>
-                <a:latin typeface="Segoe UI" panose="020B0502040204020203" pitchFamily="34" charset="0"/>
-                <a:cs typeface="Segoe UI" panose="020B0502040204020203" pitchFamily="34" charset="0"/>
-              </a:rPr>
-              <a:t>Example</a:t>
-            </a:r>
-          </a:p>
-          <a:p>
-            <a:pPr marL="0" marR="0" lvl="0" indent="0" algn="l" defTabSz="914400" rtl="0" eaLnBrk="0" fontAlgn="base" latinLnBrk="0" hangingPunct="0">
-              <a:lnSpc>
-                <a:spcPct val="150000"/>
-              </a:lnSpc>
-              <a:spcBef>
-                <a:spcPct val="0"/>
-              </a:spcBef>
-              <a:spcAft>
-                <a:spcPct val="0"/>
-              </a:spcAft>
-              <a:buClrTx/>
-              <a:buSzTx/>
-              <a:buFontTx/>
-              <a:buNone/>
-              <a:tabLst/>
-            </a:pPr>
-            <a:r>
-              <a:rPr kumimoji="0" lang="en-US" altLang="en-US" sz="2400" b="0" i="0" u="none" strike="noStrike" cap="none" normalizeH="0" baseline="0" dirty="0">
-                <a:ln>
-                  <a:noFill/>
-                </a:ln>
-                <a:solidFill>
-                  <a:srgbClr val="000000"/>
-                </a:solidFill>
-                <a:effectLst/>
-                <a:latin typeface="Verdana" panose="020B0604030504040204" pitchFamily="34" charset="0"/>
-              </a:rPr>
-              <a:t>Raise an error and stop the program if x is lower than 0:</a:t>
-            </a:r>
-          </a:p>
-          <a:p>
-            <a:pPr marL="0" marR="0" lvl="0" indent="0" algn="l" defTabSz="914400" rtl="0" eaLnBrk="0" fontAlgn="base" latinLnBrk="0" hangingPunct="0">
-              <a:lnSpc>
-                <a:spcPct val="150000"/>
-              </a:lnSpc>
-              <a:spcBef>
-                <a:spcPct val="0"/>
-              </a:spcBef>
-              <a:spcAft>
-                <a:spcPct val="0"/>
-              </a:spcAft>
-              <a:buClrTx/>
-              <a:buSzTx/>
-              <a:buFontTx/>
-              <a:buNone/>
-              <a:tabLst/>
-            </a:pPr>
-            <a:r>
-              <a:rPr kumimoji="0" lang="en-US" altLang="en-US" sz="2400" b="0" i="0" u="none" strike="noStrike" cap="none" normalizeH="0" baseline="0" dirty="0">
-                <a:ln>
-                  <a:noFill/>
-                </a:ln>
-                <a:solidFill>
-                  <a:srgbClr val="000000"/>
-                </a:solidFill>
-                <a:effectLst/>
-                <a:latin typeface="Consolas" panose="020B0609020204030204" pitchFamily="49" charset="0"/>
-              </a:rPr>
-              <a:t>x = -</a:t>
-            </a:r>
-            <a:r>
-              <a:rPr kumimoji="0" lang="en-US" altLang="en-US" sz="2400" b="0" i="0" u="none" strike="noStrike" cap="none" normalizeH="0" baseline="0" dirty="0">
-                <a:ln>
-                  <a:noFill/>
-                </a:ln>
-                <a:solidFill>
-                  <a:srgbClr val="FF0000"/>
-                </a:solidFill>
-                <a:effectLst/>
-                <a:latin typeface="Consolas" panose="020B0609020204030204" pitchFamily="49" charset="0"/>
-              </a:rPr>
-              <a:t>1</a:t>
-            </a:r>
-            <a:br>
-              <a:rPr kumimoji="0" lang="en-US" altLang="en-US" sz="2400" b="0" i="0" u="none" strike="noStrike" cap="none" normalizeH="0" baseline="0" dirty="0">
-                <a:ln>
-                  <a:noFill/>
-                </a:ln>
-                <a:solidFill>
-                  <a:srgbClr val="000000"/>
-                </a:solidFill>
-                <a:effectLst/>
-                <a:latin typeface="Consolas" panose="020B0609020204030204" pitchFamily="49" charset="0"/>
-              </a:rPr>
-            </a:br>
-            <a:br>
-              <a:rPr kumimoji="0" lang="en-US" altLang="en-US" sz="2400" b="0" i="0" u="none" strike="noStrike" cap="none" normalizeH="0" baseline="0" dirty="0">
-                <a:ln>
-                  <a:noFill/>
-                </a:ln>
-                <a:solidFill>
-                  <a:srgbClr val="000000"/>
-                </a:solidFill>
-                <a:effectLst/>
-                <a:latin typeface="Consolas" panose="020B0609020204030204" pitchFamily="49" charset="0"/>
-              </a:rPr>
-            </a:br>
-            <a:r>
-              <a:rPr kumimoji="0" lang="en-US" altLang="en-US" sz="2400" b="0" i="0" u="none" strike="noStrike" cap="none" normalizeH="0" baseline="0" dirty="0">
-                <a:ln>
-                  <a:noFill/>
-                </a:ln>
-                <a:solidFill>
-                  <a:srgbClr val="0000CD"/>
-                </a:solidFill>
-                <a:effectLst/>
-                <a:latin typeface="Consolas" panose="020B0609020204030204" pitchFamily="49" charset="0"/>
-              </a:rPr>
-              <a:t>if</a:t>
-            </a:r>
-            <a:r>
-              <a:rPr kumimoji="0" lang="en-US" altLang="en-US" sz="2400" b="0" i="0" u="none" strike="noStrike" cap="none" normalizeH="0" baseline="0" dirty="0">
-                <a:ln>
-                  <a:noFill/>
-                </a:ln>
-                <a:solidFill>
-                  <a:srgbClr val="000000"/>
-                </a:solidFill>
-                <a:effectLst/>
-                <a:latin typeface="Consolas" panose="020B0609020204030204" pitchFamily="49" charset="0"/>
-              </a:rPr>
-              <a:t> x &lt; </a:t>
-            </a:r>
-            <a:r>
-              <a:rPr kumimoji="0" lang="en-US" altLang="en-US" sz="2400" b="0" i="0" u="none" strike="noStrike" cap="none" normalizeH="0" baseline="0" dirty="0">
-                <a:ln>
-                  <a:noFill/>
-                </a:ln>
-                <a:solidFill>
-                  <a:srgbClr val="FF0000"/>
-                </a:solidFill>
-                <a:effectLst/>
-                <a:latin typeface="Consolas" panose="020B0609020204030204" pitchFamily="49" charset="0"/>
-              </a:rPr>
-              <a:t>0</a:t>
-            </a:r>
-            <a:r>
-              <a:rPr kumimoji="0" lang="en-US" altLang="en-US" sz="2400" b="0" i="0" u="none" strike="noStrike" cap="none" normalizeH="0" baseline="0" dirty="0">
-                <a:ln>
-                  <a:noFill/>
-                </a:ln>
-                <a:solidFill>
-                  <a:srgbClr val="000000"/>
-                </a:solidFill>
-                <a:effectLst/>
-                <a:latin typeface="Consolas" panose="020B0609020204030204" pitchFamily="49" charset="0"/>
-              </a:rPr>
-              <a:t>:</a:t>
-            </a:r>
-            <a:br>
-              <a:rPr kumimoji="0" lang="en-US" altLang="en-US" sz="2400" b="0" i="0" u="none" strike="noStrike" cap="none" normalizeH="0" baseline="0" dirty="0">
-                <a:ln>
-                  <a:noFill/>
-                </a:ln>
-                <a:solidFill>
-                  <a:srgbClr val="000000"/>
-                </a:solidFill>
-                <a:effectLst/>
-                <a:latin typeface="Consolas" panose="020B0609020204030204" pitchFamily="49" charset="0"/>
-              </a:rPr>
-            </a:br>
-            <a:r>
-              <a:rPr kumimoji="0" lang="en-US" altLang="en-US" sz="2400" b="0" i="0" u="none" strike="noStrike" cap="none" normalizeH="0" baseline="0" dirty="0">
-                <a:ln>
-                  <a:noFill/>
-                </a:ln>
-                <a:solidFill>
-                  <a:srgbClr val="000000"/>
-                </a:solidFill>
-                <a:effectLst/>
-                <a:latin typeface="Consolas" panose="020B0609020204030204" pitchFamily="49" charset="0"/>
-              </a:rPr>
-              <a:t>  </a:t>
-            </a:r>
-            <a:r>
-              <a:rPr kumimoji="0" lang="en-US" altLang="en-US" sz="2400" b="0" i="0" u="none" strike="noStrike" cap="none" normalizeH="0" baseline="0" dirty="0">
-                <a:ln>
-                  <a:noFill/>
-                </a:ln>
-                <a:solidFill>
-                  <a:srgbClr val="0000CD"/>
-                </a:solidFill>
-                <a:effectLst/>
-                <a:latin typeface="Consolas" panose="020B0609020204030204" pitchFamily="49" charset="0"/>
-              </a:rPr>
-              <a:t>raise</a:t>
-            </a:r>
-            <a:r>
-              <a:rPr kumimoji="0" lang="en-US" altLang="en-US" sz="2400" b="0" i="0" u="none" strike="noStrike" cap="none" normalizeH="0" baseline="0" dirty="0">
-                <a:ln>
-                  <a:noFill/>
-                </a:ln>
-                <a:solidFill>
-                  <a:srgbClr val="000000"/>
-                </a:solidFill>
-                <a:effectLst/>
-                <a:latin typeface="Consolas" panose="020B0609020204030204" pitchFamily="49" charset="0"/>
-              </a:rPr>
-              <a:t> Exception(</a:t>
-            </a:r>
-            <a:r>
-              <a:rPr kumimoji="0" lang="en-US" altLang="en-US" sz="2400" b="0" i="0" u="none" strike="noStrike" cap="none" normalizeH="0" baseline="0" dirty="0">
-                <a:ln>
-                  <a:noFill/>
-                </a:ln>
-                <a:solidFill>
-                  <a:srgbClr val="A52A2A"/>
-                </a:solidFill>
-                <a:effectLst/>
-                <a:latin typeface="Consolas" panose="020B0609020204030204" pitchFamily="49" charset="0"/>
-              </a:rPr>
-              <a:t>"Sorry, no numbers below zero"</a:t>
-            </a:r>
-            <a:r>
-              <a:rPr kumimoji="0" lang="en-US" altLang="en-US" sz="2400" b="0" i="0" u="none" strike="noStrike" cap="none" normalizeH="0" baseline="0" dirty="0">
-                <a:ln>
-                  <a:noFill/>
-                </a:ln>
-                <a:solidFill>
-                  <a:srgbClr val="000000"/>
-                </a:solidFill>
-                <a:effectLst/>
-                <a:latin typeface="Consolas" panose="020B0609020204030204" pitchFamily="49" charset="0"/>
-              </a:rPr>
-              <a:t>)</a:t>
-            </a:r>
-            <a:endParaRPr kumimoji="0" lang="en-US" altLang="en-US" sz="2400" b="0" i="0" u="none" strike="noStrike" cap="none" normalizeH="0" baseline="0" dirty="0">
-              <a:ln>
-                <a:noFill/>
-              </a:ln>
-              <a:solidFill>
-                <a:schemeClr val="tx1"/>
-              </a:solidFill>
-              <a:effectLst/>
-              <a:latin typeface="Arial" panose="020B0604020202020204" pitchFamily="34" charset="0"/>
-            </a:endParaRPr>
-          </a:p>
-        </p:txBody>
-      </p:sp>
-    </p:spTree>
-    <p:extLst>
-      <p:ext uri="{BB962C8B-B14F-4D97-AF65-F5344CB8AC3E}">
-        <p14:creationId xmlns:p14="http://schemas.microsoft.com/office/powerpoint/2010/main" val="230016821"/>
-      </p:ext>
-    </p:extLst>
-  </p:cSld>
-  <p:clrMapOvr>
-    <a:masterClrMapping/>
-  </p:clrMapOvr>
-  <mc:AlternateContent xmlns:mc="http://schemas.openxmlformats.org/markup-compatibility/2006" xmlns:p14="http://schemas.microsoft.com/office/powerpoint/2010/main">
-    <mc:Choice Requires="p14">
-      <p:transition spd="slow" p14:dur="1200">
-        <p14:prism/>
-      </p:transition>
-    </mc:Choice>
-    <mc:Fallback xmlns="">
-      <p:transition spd="slow">
-        <p:fade/>
-      </p:transition>
-    </mc:Fallback>
-  </mc:AlternateContent>
-</p:sld>
-</file>
-
-<file path=ppt/slides/slide21.xml><?xml version="1.0" encoding="utf-8"?>
-<p:sld xmlns:a="http://schemas.openxmlformats.org/drawingml/2006/main" xmlns:r="http://schemas.openxmlformats.org/officeDocument/2006/relationships" xmlns:p="http://schemas.openxmlformats.org/presentationml/2006/main">
-  <p:cSld>
-    <p:spTree>
-      <p:nvGrpSpPr>
-        <p:cNvPr id="1" name=""/>
-        <p:cNvGrpSpPr/>
-        <p:nvPr/>
-      </p:nvGrpSpPr>
-      <p:grpSpPr>
-        <a:xfrm>
-          <a:off x="0" y="0"/>
-          <a:ext cx="0" cy="0"/>
-          <a:chOff x="0" y="0"/>
-          <a:chExt cx="0" cy="0"/>
-        </a:xfrm>
-      </p:grpSpPr>
       <p:pic>
         <p:nvPicPr>
           <p:cNvPr id="3" name="Online Media 2" title="The Top 5 Programming Languages in 2021 to get a job">
@@ -24372,7 +17931,7 @@
 </p:sld>
 </file>
 
-<file path=ppt/slides/slide22.xml><?xml version="1.0" encoding="utf-8"?>
+<file path=ppt/slides/slide16.xml><?xml version="1.0" encoding="utf-8"?>
 <p:sld xmlns:a="http://schemas.openxmlformats.org/drawingml/2006/main" xmlns:r="http://schemas.openxmlformats.org/officeDocument/2006/relationships" xmlns:p="http://schemas.openxmlformats.org/presentationml/2006/main">
   <p:cSld>
     <p:spTree>
@@ -34642,6 +28201,1887 @@
 </p:sld>
 </file>
 
+<file path=ppt/slides/slide2.xml><?xml version="1.0" encoding="utf-8"?>
+<p:sld xmlns:a="http://schemas.openxmlformats.org/drawingml/2006/main" xmlns:r="http://schemas.openxmlformats.org/officeDocument/2006/relationships" xmlns:p="http://schemas.openxmlformats.org/presentationml/2006/main">
+  <p:cSld>
+    <p:spTree>
+      <p:nvGrpSpPr>
+        <p:cNvPr id="1" name=""/>
+        <p:cNvGrpSpPr/>
+        <p:nvPr/>
+      </p:nvGrpSpPr>
+      <p:grpSpPr>
+        <a:xfrm>
+          <a:off x="0" y="0"/>
+          <a:ext cx="0" cy="0"/>
+          <a:chOff x="0" y="0"/>
+          <a:chExt cx="0" cy="0"/>
+        </a:xfrm>
+      </p:grpSpPr>
+      <p:grpSp>
+        <p:nvGrpSpPr>
+          <p:cNvPr id="9" name="组合 8"/>
+          <p:cNvGrpSpPr>
+            <a:grpSpLocks noChangeAspect="1"/>
+          </p:cNvGrpSpPr>
+          <p:nvPr>
+            <p:custDataLst>
+              <p:tags r:id="rId1"/>
+            </p:custDataLst>
+          </p:nvPr>
+        </p:nvGrpSpPr>
+        <p:grpSpPr>
+          <a:xfrm>
+            <a:off x="4105506" y="1233488"/>
+            <a:ext cx="618455" cy="1800000"/>
+            <a:chOff x="597712" y="2415605"/>
+            <a:chExt cx="1076110" cy="3131998"/>
+          </a:xfrm>
+        </p:grpSpPr>
+        <p:sp>
+          <p:nvSpPr>
+            <p:cNvPr id="10" name="等腰三角形 9"/>
+            <p:cNvSpPr/>
+            <p:nvPr/>
+          </p:nvSpPr>
+          <p:spPr>
+            <a:xfrm rot="10800000">
+              <a:off x="597712" y="2908359"/>
+              <a:ext cx="1076110" cy="2639244"/>
+            </a:xfrm>
+            <a:custGeom>
+              <a:avLst/>
+              <a:gdLst>
+                <a:gd name="connsiteX0" fmla="*/ 0 w 3341155"/>
+                <a:gd name="connsiteY0" fmla="*/ 5053133 h 5053133"/>
+                <a:gd name="connsiteX1" fmla="*/ 1670578 w 3341155"/>
+                <a:gd name="connsiteY1" fmla="*/ 0 h 5053133"/>
+                <a:gd name="connsiteX2" fmla="*/ 3341155 w 3341155"/>
+                <a:gd name="connsiteY2" fmla="*/ 5053133 h 5053133"/>
+                <a:gd name="connsiteX3" fmla="*/ 0 w 3341155"/>
+                <a:gd name="connsiteY3" fmla="*/ 5053133 h 5053133"/>
+                <a:gd name="connsiteX0" fmla="*/ 0 w 3341155"/>
+                <a:gd name="connsiteY0" fmla="*/ 5053133 h 5053133"/>
+                <a:gd name="connsiteX1" fmla="*/ 1670578 w 3341155"/>
+                <a:gd name="connsiteY1" fmla="*/ 0 h 5053133"/>
+                <a:gd name="connsiteX2" fmla="*/ 3341155 w 3341155"/>
+                <a:gd name="connsiteY2" fmla="*/ 5053133 h 5053133"/>
+                <a:gd name="connsiteX3" fmla="*/ 0 w 3341155"/>
+                <a:gd name="connsiteY3" fmla="*/ 5053133 h 5053133"/>
+                <a:gd name="connsiteX0" fmla="*/ 0 w 3341155"/>
+                <a:gd name="connsiteY0" fmla="*/ 5054349 h 5054349"/>
+                <a:gd name="connsiteX1" fmla="*/ 1670578 w 3341155"/>
+                <a:gd name="connsiteY1" fmla="*/ 1216 h 5054349"/>
+                <a:gd name="connsiteX2" fmla="*/ 3341155 w 3341155"/>
+                <a:gd name="connsiteY2" fmla="*/ 5054349 h 5054349"/>
+                <a:gd name="connsiteX3" fmla="*/ 0 w 3341155"/>
+                <a:gd name="connsiteY3" fmla="*/ 5054349 h 5054349"/>
+                <a:gd name="connsiteX0" fmla="*/ 0 w 3341155"/>
+                <a:gd name="connsiteY0" fmla="*/ 5054932 h 5054932"/>
+                <a:gd name="connsiteX1" fmla="*/ 1670578 w 3341155"/>
+                <a:gd name="connsiteY1" fmla="*/ 1799 h 5054932"/>
+                <a:gd name="connsiteX2" fmla="*/ 3341155 w 3341155"/>
+                <a:gd name="connsiteY2" fmla="*/ 5054932 h 5054932"/>
+                <a:gd name="connsiteX3" fmla="*/ 0 w 3341155"/>
+                <a:gd name="connsiteY3" fmla="*/ 5054932 h 5054932"/>
+                <a:gd name="connsiteX0" fmla="*/ 0 w 3341155"/>
+                <a:gd name="connsiteY0" fmla="*/ 5054932 h 5054932"/>
+                <a:gd name="connsiteX1" fmla="*/ 1670578 w 3341155"/>
+                <a:gd name="connsiteY1" fmla="*/ 1799 h 5054932"/>
+                <a:gd name="connsiteX2" fmla="*/ 3341155 w 3341155"/>
+                <a:gd name="connsiteY2" fmla="*/ 5054932 h 5054932"/>
+                <a:gd name="connsiteX3" fmla="*/ 0 w 3341155"/>
+                <a:gd name="connsiteY3" fmla="*/ 5054932 h 5054932"/>
+              </a:gdLst>
+              <a:ahLst/>
+              <a:cxnLst>
+                <a:cxn ang="0">
+                  <a:pos x="connsiteX0" y="connsiteY0"/>
+                </a:cxn>
+                <a:cxn ang="0">
+                  <a:pos x="connsiteX1" y="connsiteY1"/>
+                </a:cxn>
+                <a:cxn ang="0">
+                  <a:pos x="connsiteX2" y="connsiteY2"/>
+                </a:cxn>
+                <a:cxn ang="0">
+                  <a:pos x="connsiteX3" y="connsiteY3"/>
+                </a:cxn>
+              </a:cxnLst>
+              <a:rect l="l" t="t" r="r" b="b"/>
+              <a:pathLst>
+                <a:path w="3341155" h="5054932">
+                  <a:moveTo>
+                    <a:pt x="0" y="5054932"/>
+                  </a:moveTo>
+                  <a:cubicBezTo>
+                    <a:pt x="556859" y="3370554"/>
+                    <a:pt x="1547106" y="-90235"/>
+                    <a:pt x="1670578" y="1799"/>
+                  </a:cubicBezTo>
+                  <a:cubicBezTo>
+                    <a:pt x="1801193" y="-87854"/>
+                    <a:pt x="2784296" y="3370554"/>
+                    <a:pt x="3341155" y="5054932"/>
+                  </a:cubicBezTo>
+                  <a:lnTo>
+                    <a:pt x="0" y="5054932"/>
+                  </a:lnTo>
+                  <a:close/>
+                </a:path>
+              </a:pathLst>
+            </a:custGeom>
+            <a:gradFill>
+              <a:gsLst>
+                <a:gs pos="70000">
+                  <a:srgbClr val="000000">
+                    <a:alpha val="8000"/>
+                  </a:srgbClr>
+                </a:gs>
+                <a:gs pos="50000">
+                  <a:srgbClr val="000000">
+                    <a:alpha val="4000"/>
+                  </a:srgbClr>
+                </a:gs>
+                <a:gs pos="30000">
+                  <a:schemeClr val="tx1">
+                    <a:alpha val="0"/>
+                  </a:schemeClr>
+                </a:gs>
+                <a:gs pos="100000">
+                  <a:schemeClr val="tx1">
+                    <a:lumMod val="85000"/>
+                    <a:lumOff val="15000"/>
+                    <a:alpha val="30000"/>
+                  </a:schemeClr>
+                </a:gs>
+              </a:gsLst>
+              <a:lin ang="5400000" scaled="1"/>
+            </a:gradFill>
+            <a:ln>
+              <a:noFill/>
+            </a:ln>
+            <a:effectLst>
+              <a:softEdge rad="63500"/>
+            </a:effectLst>
+          </p:spPr>
+          <p:style>
+            <a:lnRef idx="2">
+              <a:schemeClr val="accent1">
+                <a:shade val="50000"/>
+              </a:schemeClr>
+            </a:lnRef>
+            <a:fillRef idx="1">
+              <a:schemeClr val="accent1"/>
+            </a:fillRef>
+            <a:effectRef idx="0">
+              <a:schemeClr val="accent1"/>
+            </a:effectRef>
+            <a:fontRef idx="minor">
+              <a:schemeClr val="lt1"/>
+            </a:fontRef>
+          </p:style>
+          <p:txBody>
+            <a:bodyPr rtlCol="0" anchor="ctr"/>
+            <a:lstStyle/>
+            <a:p>
+              <a:pPr algn="ctr"/>
+              <a:endParaRPr lang="zh-CN" altLang="en-US">
+                <a:solidFill>
+                  <a:prstClr val="white"/>
+                </a:solidFill>
+                <a:cs typeface="+mn-ea"/>
+                <a:sym typeface="+mn-lt"/>
+              </a:endParaRPr>
+            </a:p>
+          </p:txBody>
+        </p:sp>
+        <p:sp>
+          <p:nvSpPr>
+            <p:cNvPr id="11" name="椭圆 10"/>
+            <p:cNvSpPr>
+              <a:spLocks noChangeAspect="1"/>
+            </p:cNvSpPr>
+            <p:nvPr/>
+          </p:nvSpPr>
+          <p:spPr>
+            <a:xfrm>
+              <a:off x="648010" y="2415605"/>
+              <a:ext cx="971992" cy="972000"/>
+            </a:xfrm>
+            <a:prstGeom prst="ellipse">
+              <a:avLst/>
+            </a:prstGeom>
+            <a:gradFill>
+              <a:gsLst>
+                <a:gs pos="1000">
+                  <a:schemeClr val="accent1">
+                    <a:lumMod val="20000"/>
+                    <a:lumOff val="80000"/>
+                  </a:schemeClr>
+                </a:gs>
+                <a:gs pos="60000">
+                  <a:srgbClr val="A5A5A5"/>
+                </a:gs>
+                <a:gs pos="100000">
+                  <a:srgbClr val="A5A5A5"/>
+                </a:gs>
+              </a:gsLst>
+              <a:lin ang="5400000" scaled="1"/>
+            </a:gradFill>
+            <a:ln w="25400">
+              <a:noFill/>
+            </a:ln>
+            <a:effectLst>
+              <a:outerShdw blurRad="254000" dist="63500" dir="5400000" algn="t" rotWithShape="0">
+                <a:prstClr val="black">
+                  <a:alpha val="30000"/>
+                </a:prstClr>
+              </a:outerShdw>
+            </a:effectLst>
+          </p:spPr>
+          <p:style>
+            <a:lnRef idx="2">
+              <a:schemeClr val="accent1">
+                <a:shade val="50000"/>
+              </a:schemeClr>
+            </a:lnRef>
+            <a:fillRef idx="1">
+              <a:schemeClr val="accent1"/>
+            </a:fillRef>
+            <a:effectRef idx="0">
+              <a:schemeClr val="accent1"/>
+            </a:effectRef>
+            <a:fontRef idx="minor">
+              <a:schemeClr val="lt1"/>
+            </a:fontRef>
+          </p:style>
+          <p:txBody>
+            <a:bodyPr rtlCol="0" anchor="ctr"/>
+            <a:lstStyle/>
+            <a:p>
+              <a:pPr algn="ctr"/>
+              <a:endParaRPr lang="zh-CN" altLang="en-US">
+                <a:solidFill>
+                  <a:prstClr val="white"/>
+                </a:solidFill>
+                <a:cs typeface="+mn-ea"/>
+                <a:sym typeface="+mn-lt"/>
+              </a:endParaRPr>
+            </a:p>
+          </p:txBody>
+        </p:sp>
+      </p:grpSp>
+      <p:grpSp>
+        <p:nvGrpSpPr>
+          <p:cNvPr id="3" name="组合 2"/>
+          <p:cNvGrpSpPr>
+            <a:grpSpLocks noChangeAspect="1"/>
+          </p:cNvGrpSpPr>
+          <p:nvPr>
+            <p:custDataLst>
+              <p:tags r:id="rId2"/>
+            </p:custDataLst>
+          </p:nvPr>
+        </p:nvGrpSpPr>
+        <p:grpSpPr>
+          <a:xfrm>
+            <a:off x="2760245" y="2023201"/>
+            <a:ext cx="2027688" cy="6443998"/>
+            <a:chOff x="935919" y="107043"/>
+            <a:chExt cx="1818452" cy="5779044"/>
+          </a:xfrm>
+        </p:grpSpPr>
+        <p:sp>
+          <p:nvSpPr>
+            <p:cNvPr id="4" name="等腰三角形 9"/>
+            <p:cNvSpPr/>
+            <p:nvPr/>
+          </p:nvSpPr>
+          <p:spPr>
+            <a:xfrm rot="10800000">
+              <a:off x="935919" y="1016252"/>
+              <a:ext cx="1818452" cy="4869835"/>
+            </a:xfrm>
+            <a:custGeom>
+              <a:avLst/>
+              <a:gdLst>
+                <a:gd name="connsiteX0" fmla="*/ 0 w 3341155"/>
+                <a:gd name="connsiteY0" fmla="*/ 5053133 h 5053133"/>
+                <a:gd name="connsiteX1" fmla="*/ 1670578 w 3341155"/>
+                <a:gd name="connsiteY1" fmla="*/ 0 h 5053133"/>
+                <a:gd name="connsiteX2" fmla="*/ 3341155 w 3341155"/>
+                <a:gd name="connsiteY2" fmla="*/ 5053133 h 5053133"/>
+                <a:gd name="connsiteX3" fmla="*/ 0 w 3341155"/>
+                <a:gd name="connsiteY3" fmla="*/ 5053133 h 5053133"/>
+                <a:gd name="connsiteX0" fmla="*/ 0 w 3341155"/>
+                <a:gd name="connsiteY0" fmla="*/ 5053133 h 5053133"/>
+                <a:gd name="connsiteX1" fmla="*/ 1670578 w 3341155"/>
+                <a:gd name="connsiteY1" fmla="*/ 0 h 5053133"/>
+                <a:gd name="connsiteX2" fmla="*/ 3341155 w 3341155"/>
+                <a:gd name="connsiteY2" fmla="*/ 5053133 h 5053133"/>
+                <a:gd name="connsiteX3" fmla="*/ 0 w 3341155"/>
+                <a:gd name="connsiteY3" fmla="*/ 5053133 h 5053133"/>
+                <a:gd name="connsiteX0" fmla="*/ 0 w 3341155"/>
+                <a:gd name="connsiteY0" fmla="*/ 5054349 h 5054349"/>
+                <a:gd name="connsiteX1" fmla="*/ 1670578 w 3341155"/>
+                <a:gd name="connsiteY1" fmla="*/ 1216 h 5054349"/>
+                <a:gd name="connsiteX2" fmla="*/ 3341155 w 3341155"/>
+                <a:gd name="connsiteY2" fmla="*/ 5054349 h 5054349"/>
+                <a:gd name="connsiteX3" fmla="*/ 0 w 3341155"/>
+                <a:gd name="connsiteY3" fmla="*/ 5054349 h 5054349"/>
+                <a:gd name="connsiteX0" fmla="*/ 0 w 3341155"/>
+                <a:gd name="connsiteY0" fmla="*/ 5054932 h 5054932"/>
+                <a:gd name="connsiteX1" fmla="*/ 1670578 w 3341155"/>
+                <a:gd name="connsiteY1" fmla="*/ 1799 h 5054932"/>
+                <a:gd name="connsiteX2" fmla="*/ 3341155 w 3341155"/>
+                <a:gd name="connsiteY2" fmla="*/ 5054932 h 5054932"/>
+                <a:gd name="connsiteX3" fmla="*/ 0 w 3341155"/>
+                <a:gd name="connsiteY3" fmla="*/ 5054932 h 5054932"/>
+                <a:gd name="connsiteX0" fmla="*/ 0 w 3341155"/>
+                <a:gd name="connsiteY0" fmla="*/ 5054932 h 5054932"/>
+                <a:gd name="connsiteX1" fmla="*/ 1670578 w 3341155"/>
+                <a:gd name="connsiteY1" fmla="*/ 1799 h 5054932"/>
+                <a:gd name="connsiteX2" fmla="*/ 3341155 w 3341155"/>
+                <a:gd name="connsiteY2" fmla="*/ 5054932 h 5054932"/>
+                <a:gd name="connsiteX3" fmla="*/ 0 w 3341155"/>
+                <a:gd name="connsiteY3" fmla="*/ 5054932 h 5054932"/>
+              </a:gdLst>
+              <a:ahLst/>
+              <a:cxnLst>
+                <a:cxn ang="0">
+                  <a:pos x="connsiteX0" y="connsiteY0"/>
+                </a:cxn>
+                <a:cxn ang="0">
+                  <a:pos x="connsiteX1" y="connsiteY1"/>
+                </a:cxn>
+                <a:cxn ang="0">
+                  <a:pos x="connsiteX2" y="connsiteY2"/>
+                </a:cxn>
+                <a:cxn ang="0">
+                  <a:pos x="connsiteX3" y="connsiteY3"/>
+                </a:cxn>
+              </a:cxnLst>
+              <a:rect l="l" t="t" r="r" b="b"/>
+              <a:pathLst>
+                <a:path w="3341155" h="5054932">
+                  <a:moveTo>
+                    <a:pt x="0" y="5054932"/>
+                  </a:moveTo>
+                  <a:cubicBezTo>
+                    <a:pt x="556859" y="3370554"/>
+                    <a:pt x="1547106" y="-90235"/>
+                    <a:pt x="1670578" y="1799"/>
+                  </a:cubicBezTo>
+                  <a:cubicBezTo>
+                    <a:pt x="1801193" y="-87854"/>
+                    <a:pt x="2784296" y="3370554"/>
+                    <a:pt x="3341155" y="5054932"/>
+                  </a:cubicBezTo>
+                  <a:lnTo>
+                    <a:pt x="0" y="5054932"/>
+                  </a:lnTo>
+                  <a:close/>
+                </a:path>
+              </a:pathLst>
+            </a:custGeom>
+            <a:gradFill>
+              <a:gsLst>
+                <a:gs pos="70000">
+                  <a:srgbClr val="000000">
+                    <a:alpha val="8000"/>
+                  </a:srgbClr>
+                </a:gs>
+                <a:gs pos="50000">
+                  <a:srgbClr val="000000">
+                    <a:alpha val="4000"/>
+                  </a:srgbClr>
+                </a:gs>
+                <a:gs pos="30000">
+                  <a:schemeClr val="tx1">
+                    <a:alpha val="0"/>
+                  </a:schemeClr>
+                </a:gs>
+                <a:gs pos="100000">
+                  <a:schemeClr val="tx1">
+                    <a:lumMod val="85000"/>
+                    <a:lumOff val="15000"/>
+                    <a:alpha val="30000"/>
+                  </a:schemeClr>
+                </a:gs>
+              </a:gsLst>
+              <a:lin ang="5400000" scaled="1"/>
+            </a:gradFill>
+            <a:ln>
+              <a:noFill/>
+            </a:ln>
+            <a:effectLst>
+              <a:softEdge rad="63500"/>
+            </a:effectLst>
+          </p:spPr>
+          <p:style>
+            <a:lnRef idx="2">
+              <a:schemeClr val="accent1">
+                <a:shade val="50000"/>
+              </a:schemeClr>
+            </a:lnRef>
+            <a:fillRef idx="1">
+              <a:schemeClr val="accent1"/>
+            </a:fillRef>
+            <a:effectRef idx="0">
+              <a:schemeClr val="accent1"/>
+            </a:effectRef>
+            <a:fontRef idx="minor">
+              <a:schemeClr val="lt1"/>
+            </a:fontRef>
+          </p:style>
+          <p:txBody>
+            <a:bodyPr rtlCol="0" anchor="ctr"/>
+            <a:lstStyle/>
+            <a:p>
+              <a:pPr algn="ctr"/>
+              <a:endParaRPr lang="zh-CN" altLang="en-US">
+                <a:solidFill>
+                  <a:prstClr val="white"/>
+                </a:solidFill>
+                <a:cs typeface="+mn-ea"/>
+                <a:sym typeface="+mn-lt"/>
+              </a:endParaRPr>
+            </a:p>
+          </p:txBody>
+        </p:sp>
+        <p:sp>
+          <p:nvSpPr>
+            <p:cNvPr id="5" name="椭圆 4"/>
+            <p:cNvSpPr>
+              <a:spLocks noChangeAspect="1"/>
+            </p:cNvSpPr>
+            <p:nvPr/>
+          </p:nvSpPr>
+          <p:spPr>
+            <a:xfrm>
+              <a:off x="942885" y="107043"/>
+              <a:ext cx="1799994" cy="1800000"/>
+            </a:xfrm>
+            <a:prstGeom prst="ellipse">
+              <a:avLst/>
+            </a:prstGeom>
+            <a:gradFill flip="none" rotWithShape="1">
+              <a:gsLst>
+                <a:gs pos="0">
+                  <a:schemeClr val="bg1"/>
+                </a:gs>
+                <a:gs pos="60000">
+                  <a:schemeClr val="bg2"/>
+                </a:gs>
+                <a:gs pos="100000">
+                  <a:schemeClr val="bg1">
+                    <a:lumMod val="85000"/>
+                  </a:schemeClr>
+                </a:gs>
+              </a:gsLst>
+              <a:lin ang="5400000" scaled="1"/>
+              <a:tileRect/>
+            </a:gradFill>
+            <a:ln w="25400">
+              <a:noFill/>
+            </a:ln>
+            <a:effectLst>
+              <a:outerShdw blurRad="254000" dist="63500" dir="5400000" algn="t" rotWithShape="0">
+                <a:prstClr val="black">
+                  <a:alpha val="30000"/>
+                </a:prstClr>
+              </a:outerShdw>
+            </a:effectLst>
+          </p:spPr>
+          <p:style>
+            <a:lnRef idx="2">
+              <a:schemeClr val="accent1">
+                <a:shade val="50000"/>
+              </a:schemeClr>
+            </a:lnRef>
+            <a:fillRef idx="1">
+              <a:schemeClr val="accent1"/>
+            </a:fillRef>
+            <a:effectRef idx="0">
+              <a:schemeClr val="accent1"/>
+            </a:effectRef>
+            <a:fontRef idx="minor">
+              <a:schemeClr val="lt1"/>
+            </a:fontRef>
+          </p:style>
+          <p:txBody>
+            <a:bodyPr rtlCol="0" anchor="ctr" anchorCtr="1"/>
+            <a:lstStyle/>
+            <a:p>
+              <a:pPr algn="ctr">
+                <a:lnSpc>
+                  <a:spcPct val="130000"/>
+                </a:lnSpc>
+                <a:defRPr/>
+              </a:pPr>
+              <a:endParaRPr lang="zh-CN" altLang="en-US" sz="4000" b="1" kern="0" dirty="0">
+                <a:solidFill>
+                  <a:srgbClr val="009999"/>
+                </a:solidFill>
+                <a:latin typeface="+mj-ea"/>
+                <a:ea typeface="+mj-ea"/>
+                <a:cs typeface="+mn-ea"/>
+                <a:sym typeface="+mn-lt"/>
+              </a:endParaRPr>
+            </a:p>
+          </p:txBody>
+        </p:sp>
+      </p:grpSp>
+      <p:grpSp>
+        <p:nvGrpSpPr>
+          <p:cNvPr id="6" name="组合 5"/>
+          <p:cNvGrpSpPr>
+            <a:grpSpLocks noChangeAspect="1"/>
+          </p:cNvGrpSpPr>
+          <p:nvPr>
+            <p:custDataLst>
+              <p:tags r:id="rId3"/>
+            </p:custDataLst>
+          </p:nvPr>
+        </p:nvGrpSpPr>
+        <p:grpSpPr>
+          <a:xfrm>
+            <a:off x="1981669" y="4924887"/>
+            <a:ext cx="1194018" cy="3475167"/>
+            <a:chOff x="597712" y="2415605"/>
+            <a:chExt cx="1076110" cy="3131998"/>
+          </a:xfrm>
+        </p:grpSpPr>
+        <p:sp>
+          <p:nvSpPr>
+            <p:cNvPr id="7" name="等腰三角形 9"/>
+            <p:cNvSpPr/>
+            <p:nvPr/>
+          </p:nvSpPr>
+          <p:spPr>
+            <a:xfrm rot="10800000">
+              <a:off x="597712" y="2908359"/>
+              <a:ext cx="1076110" cy="2639244"/>
+            </a:xfrm>
+            <a:custGeom>
+              <a:avLst/>
+              <a:gdLst>
+                <a:gd name="connsiteX0" fmla="*/ 0 w 3341155"/>
+                <a:gd name="connsiteY0" fmla="*/ 5053133 h 5053133"/>
+                <a:gd name="connsiteX1" fmla="*/ 1670578 w 3341155"/>
+                <a:gd name="connsiteY1" fmla="*/ 0 h 5053133"/>
+                <a:gd name="connsiteX2" fmla="*/ 3341155 w 3341155"/>
+                <a:gd name="connsiteY2" fmla="*/ 5053133 h 5053133"/>
+                <a:gd name="connsiteX3" fmla="*/ 0 w 3341155"/>
+                <a:gd name="connsiteY3" fmla="*/ 5053133 h 5053133"/>
+                <a:gd name="connsiteX0" fmla="*/ 0 w 3341155"/>
+                <a:gd name="connsiteY0" fmla="*/ 5053133 h 5053133"/>
+                <a:gd name="connsiteX1" fmla="*/ 1670578 w 3341155"/>
+                <a:gd name="connsiteY1" fmla="*/ 0 h 5053133"/>
+                <a:gd name="connsiteX2" fmla="*/ 3341155 w 3341155"/>
+                <a:gd name="connsiteY2" fmla="*/ 5053133 h 5053133"/>
+                <a:gd name="connsiteX3" fmla="*/ 0 w 3341155"/>
+                <a:gd name="connsiteY3" fmla="*/ 5053133 h 5053133"/>
+                <a:gd name="connsiteX0" fmla="*/ 0 w 3341155"/>
+                <a:gd name="connsiteY0" fmla="*/ 5054349 h 5054349"/>
+                <a:gd name="connsiteX1" fmla="*/ 1670578 w 3341155"/>
+                <a:gd name="connsiteY1" fmla="*/ 1216 h 5054349"/>
+                <a:gd name="connsiteX2" fmla="*/ 3341155 w 3341155"/>
+                <a:gd name="connsiteY2" fmla="*/ 5054349 h 5054349"/>
+                <a:gd name="connsiteX3" fmla="*/ 0 w 3341155"/>
+                <a:gd name="connsiteY3" fmla="*/ 5054349 h 5054349"/>
+                <a:gd name="connsiteX0" fmla="*/ 0 w 3341155"/>
+                <a:gd name="connsiteY0" fmla="*/ 5054932 h 5054932"/>
+                <a:gd name="connsiteX1" fmla="*/ 1670578 w 3341155"/>
+                <a:gd name="connsiteY1" fmla="*/ 1799 h 5054932"/>
+                <a:gd name="connsiteX2" fmla="*/ 3341155 w 3341155"/>
+                <a:gd name="connsiteY2" fmla="*/ 5054932 h 5054932"/>
+                <a:gd name="connsiteX3" fmla="*/ 0 w 3341155"/>
+                <a:gd name="connsiteY3" fmla="*/ 5054932 h 5054932"/>
+                <a:gd name="connsiteX0" fmla="*/ 0 w 3341155"/>
+                <a:gd name="connsiteY0" fmla="*/ 5054932 h 5054932"/>
+                <a:gd name="connsiteX1" fmla="*/ 1670578 w 3341155"/>
+                <a:gd name="connsiteY1" fmla="*/ 1799 h 5054932"/>
+                <a:gd name="connsiteX2" fmla="*/ 3341155 w 3341155"/>
+                <a:gd name="connsiteY2" fmla="*/ 5054932 h 5054932"/>
+                <a:gd name="connsiteX3" fmla="*/ 0 w 3341155"/>
+                <a:gd name="connsiteY3" fmla="*/ 5054932 h 5054932"/>
+              </a:gdLst>
+              <a:ahLst/>
+              <a:cxnLst>
+                <a:cxn ang="0">
+                  <a:pos x="connsiteX0" y="connsiteY0"/>
+                </a:cxn>
+                <a:cxn ang="0">
+                  <a:pos x="connsiteX1" y="connsiteY1"/>
+                </a:cxn>
+                <a:cxn ang="0">
+                  <a:pos x="connsiteX2" y="connsiteY2"/>
+                </a:cxn>
+                <a:cxn ang="0">
+                  <a:pos x="connsiteX3" y="connsiteY3"/>
+                </a:cxn>
+              </a:cxnLst>
+              <a:rect l="l" t="t" r="r" b="b"/>
+              <a:pathLst>
+                <a:path w="3341155" h="5054932">
+                  <a:moveTo>
+                    <a:pt x="0" y="5054932"/>
+                  </a:moveTo>
+                  <a:cubicBezTo>
+                    <a:pt x="556859" y="3370554"/>
+                    <a:pt x="1547106" y="-90235"/>
+                    <a:pt x="1670578" y="1799"/>
+                  </a:cubicBezTo>
+                  <a:cubicBezTo>
+                    <a:pt x="1801193" y="-87854"/>
+                    <a:pt x="2784296" y="3370554"/>
+                    <a:pt x="3341155" y="5054932"/>
+                  </a:cubicBezTo>
+                  <a:lnTo>
+                    <a:pt x="0" y="5054932"/>
+                  </a:lnTo>
+                  <a:close/>
+                </a:path>
+              </a:pathLst>
+            </a:custGeom>
+            <a:gradFill>
+              <a:gsLst>
+                <a:gs pos="70000">
+                  <a:srgbClr val="000000">
+                    <a:alpha val="8000"/>
+                  </a:srgbClr>
+                </a:gs>
+                <a:gs pos="50000">
+                  <a:srgbClr val="000000">
+                    <a:alpha val="4000"/>
+                  </a:srgbClr>
+                </a:gs>
+                <a:gs pos="30000">
+                  <a:schemeClr val="tx1">
+                    <a:alpha val="0"/>
+                  </a:schemeClr>
+                </a:gs>
+                <a:gs pos="100000">
+                  <a:schemeClr val="tx1">
+                    <a:lumMod val="85000"/>
+                    <a:lumOff val="15000"/>
+                    <a:alpha val="30000"/>
+                  </a:schemeClr>
+                </a:gs>
+              </a:gsLst>
+              <a:lin ang="5400000" scaled="1"/>
+            </a:gradFill>
+            <a:ln>
+              <a:noFill/>
+            </a:ln>
+            <a:effectLst>
+              <a:softEdge rad="63500"/>
+            </a:effectLst>
+          </p:spPr>
+          <p:style>
+            <a:lnRef idx="2">
+              <a:schemeClr val="accent1">
+                <a:shade val="50000"/>
+              </a:schemeClr>
+            </a:lnRef>
+            <a:fillRef idx="1">
+              <a:schemeClr val="accent1"/>
+            </a:fillRef>
+            <a:effectRef idx="0">
+              <a:schemeClr val="accent1"/>
+            </a:effectRef>
+            <a:fontRef idx="minor">
+              <a:schemeClr val="lt1"/>
+            </a:fontRef>
+          </p:style>
+          <p:txBody>
+            <a:bodyPr rtlCol="0" anchor="ctr"/>
+            <a:lstStyle/>
+            <a:p>
+              <a:pPr algn="ctr"/>
+              <a:endParaRPr lang="zh-CN" altLang="en-US">
+                <a:solidFill>
+                  <a:prstClr val="white"/>
+                </a:solidFill>
+                <a:cs typeface="+mn-ea"/>
+                <a:sym typeface="+mn-lt"/>
+              </a:endParaRPr>
+            </a:p>
+          </p:txBody>
+        </p:sp>
+        <p:sp>
+          <p:nvSpPr>
+            <p:cNvPr id="8" name="椭圆 7"/>
+            <p:cNvSpPr>
+              <a:spLocks noChangeAspect="1"/>
+            </p:cNvSpPr>
+            <p:nvPr/>
+          </p:nvSpPr>
+          <p:spPr>
+            <a:xfrm>
+              <a:off x="648010" y="2415605"/>
+              <a:ext cx="971992" cy="972000"/>
+            </a:xfrm>
+            <a:prstGeom prst="ellipse">
+              <a:avLst/>
+            </a:prstGeom>
+            <a:gradFill>
+              <a:gsLst>
+                <a:gs pos="1000">
+                  <a:schemeClr val="accent1">
+                    <a:lumMod val="20000"/>
+                    <a:lumOff val="80000"/>
+                  </a:schemeClr>
+                </a:gs>
+                <a:gs pos="60000">
+                  <a:srgbClr val="A5A5A5"/>
+                </a:gs>
+                <a:gs pos="100000">
+                  <a:srgbClr val="A5A5A5"/>
+                </a:gs>
+              </a:gsLst>
+              <a:lin ang="5400000" scaled="1"/>
+            </a:gradFill>
+            <a:ln w="25400">
+              <a:noFill/>
+            </a:ln>
+            <a:effectLst>
+              <a:outerShdw blurRad="254000" dist="63500" dir="5400000" algn="t" rotWithShape="0">
+                <a:prstClr val="black">
+                  <a:alpha val="30000"/>
+                </a:prstClr>
+              </a:outerShdw>
+            </a:effectLst>
+          </p:spPr>
+          <p:style>
+            <a:lnRef idx="2">
+              <a:schemeClr val="accent1">
+                <a:shade val="50000"/>
+              </a:schemeClr>
+            </a:lnRef>
+            <a:fillRef idx="1">
+              <a:schemeClr val="accent1"/>
+            </a:fillRef>
+            <a:effectRef idx="0">
+              <a:schemeClr val="accent1"/>
+            </a:effectRef>
+            <a:fontRef idx="minor">
+              <a:schemeClr val="lt1"/>
+            </a:fontRef>
+          </p:style>
+          <p:txBody>
+            <a:bodyPr rtlCol="0" anchor="ctr"/>
+            <a:lstStyle/>
+            <a:p>
+              <a:pPr algn="ctr"/>
+              <a:endParaRPr lang="zh-CN" altLang="en-US">
+                <a:solidFill>
+                  <a:prstClr val="white"/>
+                </a:solidFill>
+                <a:cs typeface="+mn-ea"/>
+                <a:sym typeface="+mn-lt"/>
+              </a:endParaRPr>
+            </a:p>
+          </p:txBody>
+        </p:sp>
+      </p:grpSp>
+      <p:grpSp>
+        <p:nvGrpSpPr>
+          <p:cNvPr id="12" name="组合 11"/>
+          <p:cNvGrpSpPr>
+            <a:grpSpLocks noChangeAspect="1"/>
+          </p:cNvGrpSpPr>
+          <p:nvPr>
+            <p:custDataLst>
+              <p:tags r:id="rId4"/>
+            </p:custDataLst>
+          </p:nvPr>
+        </p:nvGrpSpPr>
+        <p:grpSpPr>
+          <a:xfrm>
+            <a:off x="4481255" y="4431190"/>
+            <a:ext cx="618455" cy="1800000"/>
+            <a:chOff x="597712" y="2415605"/>
+            <a:chExt cx="1076110" cy="3131998"/>
+          </a:xfrm>
+        </p:grpSpPr>
+        <p:sp>
+          <p:nvSpPr>
+            <p:cNvPr id="13" name="等腰三角形 9"/>
+            <p:cNvSpPr/>
+            <p:nvPr/>
+          </p:nvSpPr>
+          <p:spPr>
+            <a:xfrm rot="10800000">
+              <a:off x="597712" y="2908359"/>
+              <a:ext cx="1076110" cy="2639244"/>
+            </a:xfrm>
+            <a:custGeom>
+              <a:avLst/>
+              <a:gdLst>
+                <a:gd name="connsiteX0" fmla="*/ 0 w 3341155"/>
+                <a:gd name="connsiteY0" fmla="*/ 5053133 h 5053133"/>
+                <a:gd name="connsiteX1" fmla="*/ 1670578 w 3341155"/>
+                <a:gd name="connsiteY1" fmla="*/ 0 h 5053133"/>
+                <a:gd name="connsiteX2" fmla="*/ 3341155 w 3341155"/>
+                <a:gd name="connsiteY2" fmla="*/ 5053133 h 5053133"/>
+                <a:gd name="connsiteX3" fmla="*/ 0 w 3341155"/>
+                <a:gd name="connsiteY3" fmla="*/ 5053133 h 5053133"/>
+                <a:gd name="connsiteX0" fmla="*/ 0 w 3341155"/>
+                <a:gd name="connsiteY0" fmla="*/ 5053133 h 5053133"/>
+                <a:gd name="connsiteX1" fmla="*/ 1670578 w 3341155"/>
+                <a:gd name="connsiteY1" fmla="*/ 0 h 5053133"/>
+                <a:gd name="connsiteX2" fmla="*/ 3341155 w 3341155"/>
+                <a:gd name="connsiteY2" fmla="*/ 5053133 h 5053133"/>
+                <a:gd name="connsiteX3" fmla="*/ 0 w 3341155"/>
+                <a:gd name="connsiteY3" fmla="*/ 5053133 h 5053133"/>
+                <a:gd name="connsiteX0" fmla="*/ 0 w 3341155"/>
+                <a:gd name="connsiteY0" fmla="*/ 5054349 h 5054349"/>
+                <a:gd name="connsiteX1" fmla="*/ 1670578 w 3341155"/>
+                <a:gd name="connsiteY1" fmla="*/ 1216 h 5054349"/>
+                <a:gd name="connsiteX2" fmla="*/ 3341155 w 3341155"/>
+                <a:gd name="connsiteY2" fmla="*/ 5054349 h 5054349"/>
+                <a:gd name="connsiteX3" fmla="*/ 0 w 3341155"/>
+                <a:gd name="connsiteY3" fmla="*/ 5054349 h 5054349"/>
+                <a:gd name="connsiteX0" fmla="*/ 0 w 3341155"/>
+                <a:gd name="connsiteY0" fmla="*/ 5054932 h 5054932"/>
+                <a:gd name="connsiteX1" fmla="*/ 1670578 w 3341155"/>
+                <a:gd name="connsiteY1" fmla="*/ 1799 h 5054932"/>
+                <a:gd name="connsiteX2" fmla="*/ 3341155 w 3341155"/>
+                <a:gd name="connsiteY2" fmla="*/ 5054932 h 5054932"/>
+                <a:gd name="connsiteX3" fmla="*/ 0 w 3341155"/>
+                <a:gd name="connsiteY3" fmla="*/ 5054932 h 5054932"/>
+                <a:gd name="connsiteX0" fmla="*/ 0 w 3341155"/>
+                <a:gd name="connsiteY0" fmla="*/ 5054932 h 5054932"/>
+                <a:gd name="connsiteX1" fmla="*/ 1670578 w 3341155"/>
+                <a:gd name="connsiteY1" fmla="*/ 1799 h 5054932"/>
+                <a:gd name="connsiteX2" fmla="*/ 3341155 w 3341155"/>
+                <a:gd name="connsiteY2" fmla="*/ 5054932 h 5054932"/>
+                <a:gd name="connsiteX3" fmla="*/ 0 w 3341155"/>
+                <a:gd name="connsiteY3" fmla="*/ 5054932 h 5054932"/>
+              </a:gdLst>
+              <a:ahLst/>
+              <a:cxnLst>
+                <a:cxn ang="0">
+                  <a:pos x="connsiteX0" y="connsiteY0"/>
+                </a:cxn>
+                <a:cxn ang="0">
+                  <a:pos x="connsiteX1" y="connsiteY1"/>
+                </a:cxn>
+                <a:cxn ang="0">
+                  <a:pos x="connsiteX2" y="connsiteY2"/>
+                </a:cxn>
+                <a:cxn ang="0">
+                  <a:pos x="connsiteX3" y="connsiteY3"/>
+                </a:cxn>
+              </a:cxnLst>
+              <a:rect l="l" t="t" r="r" b="b"/>
+              <a:pathLst>
+                <a:path w="3341155" h="5054932">
+                  <a:moveTo>
+                    <a:pt x="0" y="5054932"/>
+                  </a:moveTo>
+                  <a:cubicBezTo>
+                    <a:pt x="556859" y="3370554"/>
+                    <a:pt x="1547106" y="-90235"/>
+                    <a:pt x="1670578" y="1799"/>
+                  </a:cubicBezTo>
+                  <a:cubicBezTo>
+                    <a:pt x="1801193" y="-87854"/>
+                    <a:pt x="2784296" y="3370554"/>
+                    <a:pt x="3341155" y="5054932"/>
+                  </a:cubicBezTo>
+                  <a:lnTo>
+                    <a:pt x="0" y="5054932"/>
+                  </a:lnTo>
+                  <a:close/>
+                </a:path>
+              </a:pathLst>
+            </a:custGeom>
+            <a:gradFill>
+              <a:gsLst>
+                <a:gs pos="70000">
+                  <a:srgbClr val="000000">
+                    <a:alpha val="8000"/>
+                  </a:srgbClr>
+                </a:gs>
+                <a:gs pos="50000">
+                  <a:srgbClr val="000000">
+                    <a:alpha val="4000"/>
+                  </a:srgbClr>
+                </a:gs>
+                <a:gs pos="30000">
+                  <a:schemeClr val="tx1">
+                    <a:alpha val="0"/>
+                  </a:schemeClr>
+                </a:gs>
+                <a:gs pos="100000">
+                  <a:schemeClr val="tx1">
+                    <a:lumMod val="85000"/>
+                    <a:lumOff val="15000"/>
+                    <a:alpha val="30000"/>
+                  </a:schemeClr>
+                </a:gs>
+              </a:gsLst>
+              <a:lin ang="5400000" scaled="1"/>
+            </a:gradFill>
+            <a:ln>
+              <a:noFill/>
+            </a:ln>
+            <a:effectLst>
+              <a:softEdge rad="63500"/>
+            </a:effectLst>
+          </p:spPr>
+          <p:style>
+            <a:lnRef idx="2">
+              <a:schemeClr val="accent1">
+                <a:shade val="50000"/>
+              </a:schemeClr>
+            </a:lnRef>
+            <a:fillRef idx="1">
+              <a:schemeClr val="accent1"/>
+            </a:fillRef>
+            <a:effectRef idx="0">
+              <a:schemeClr val="accent1"/>
+            </a:effectRef>
+            <a:fontRef idx="minor">
+              <a:schemeClr val="lt1"/>
+            </a:fontRef>
+          </p:style>
+          <p:txBody>
+            <a:bodyPr rtlCol="0" anchor="ctr"/>
+            <a:lstStyle/>
+            <a:p>
+              <a:pPr algn="ctr"/>
+              <a:endParaRPr lang="zh-CN" altLang="en-US">
+                <a:solidFill>
+                  <a:prstClr val="white"/>
+                </a:solidFill>
+                <a:cs typeface="+mn-ea"/>
+                <a:sym typeface="+mn-lt"/>
+              </a:endParaRPr>
+            </a:p>
+          </p:txBody>
+        </p:sp>
+        <p:sp>
+          <p:nvSpPr>
+            <p:cNvPr id="14" name="椭圆 13"/>
+            <p:cNvSpPr>
+              <a:spLocks noChangeAspect="1"/>
+            </p:cNvSpPr>
+            <p:nvPr/>
+          </p:nvSpPr>
+          <p:spPr>
+            <a:xfrm>
+              <a:off x="648010" y="2415605"/>
+              <a:ext cx="971992" cy="972000"/>
+            </a:xfrm>
+            <a:prstGeom prst="ellipse">
+              <a:avLst/>
+            </a:prstGeom>
+            <a:gradFill>
+              <a:gsLst>
+                <a:gs pos="1000">
+                  <a:schemeClr val="accent4">
+                    <a:lumMod val="20000"/>
+                    <a:lumOff val="80000"/>
+                  </a:schemeClr>
+                </a:gs>
+                <a:gs pos="60000">
+                  <a:srgbClr val="009999"/>
+                </a:gs>
+                <a:gs pos="100000">
+                  <a:srgbClr val="009999"/>
+                </a:gs>
+              </a:gsLst>
+              <a:lin ang="5400000" scaled="1"/>
+            </a:gradFill>
+            <a:ln w="25400">
+              <a:noFill/>
+            </a:ln>
+            <a:effectLst>
+              <a:outerShdw blurRad="254000" dist="63500" dir="5400000" algn="t" rotWithShape="0">
+                <a:prstClr val="black">
+                  <a:alpha val="30000"/>
+                </a:prstClr>
+              </a:outerShdw>
+            </a:effectLst>
+          </p:spPr>
+          <p:style>
+            <a:lnRef idx="2">
+              <a:schemeClr val="accent1">
+                <a:shade val="50000"/>
+              </a:schemeClr>
+            </a:lnRef>
+            <a:fillRef idx="1">
+              <a:schemeClr val="accent1"/>
+            </a:fillRef>
+            <a:effectRef idx="0">
+              <a:schemeClr val="accent1"/>
+            </a:effectRef>
+            <a:fontRef idx="minor">
+              <a:schemeClr val="lt1"/>
+            </a:fontRef>
+          </p:style>
+          <p:txBody>
+            <a:bodyPr rtlCol="0" anchor="ctr"/>
+            <a:lstStyle/>
+            <a:p>
+              <a:pPr algn="ctr"/>
+              <a:endParaRPr lang="zh-CN" altLang="en-US">
+                <a:solidFill>
+                  <a:prstClr val="white"/>
+                </a:solidFill>
+                <a:cs typeface="+mn-ea"/>
+                <a:sym typeface="+mn-lt"/>
+              </a:endParaRPr>
+            </a:p>
+          </p:txBody>
+        </p:sp>
+      </p:grpSp>
+      <p:grpSp>
+        <p:nvGrpSpPr>
+          <p:cNvPr id="15" name="组合 14"/>
+          <p:cNvGrpSpPr>
+            <a:grpSpLocks noChangeAspect="1"/>
+          </p:cNvGrpSpPr>
+          <p:nvPr>
+            <p:custDataLst>
+              <p:tags r:id="rId5"/>
+            </p:custDataLst>
+          </p:nvPr>
+        </p:nvGrpSpPr>
+        <p:grpSpPr>
+          <a:xfrm>
+            <a:off x="1033964" y="2075338"/>
+            <a:ext cx="1150325" cy="3348000"/>
+            <a:chOff x="597712" y="2415605"/>
+            <a:chExt cx="1076110" cy="3131998"/>
+          </a:xfrm>
+        </p:grpSpPr>
+        <p:sp>
+          <p:nvSpPr>
+            <p:cNvPr id="16" name="等腰三角形 9"/>
+            <p:cNvSpPr/>
+            <p:nvPr/>
+          </p:nvSpPr>
+          <p:spPr>
+            <a:xfrm rot="10800000">
+              <a:off x="597712" y="2908359"/>
+              <a:ext cx="1076110" cy="2639244"/>
+            </a:xfrm>
+            <a:custGeom>
+              <a:avLst/>
+              <a:gdLst>
+                <a:gd name="connsiteX0" fmla="*/ 0 w 3341155"/>
+                <a:gd name="connsiteY0" fmla="*/ 5053133 h 5053133"/>
+                <a:gd name="connsiteX1" fmla="*/ 1670578 w 3341155"/>
+                <a:gd name="connsiteY1" fmla="*/ 0 h 5053133"/>
+                <a:gd name="connsiteX2" fmla="*/ 3341155 w 3341155"/>
+                <a:gd name="connsiteY2" fmla="*/ 5053133 h 5053133"/>
+                <a:gd name="connsiteX3" fmla="*/ 0 w 3341155"/>
+                <a:gd name="connsiteY3" fmla="*/ 5053133 h 5053133"/>
+                <a:gd name="connsiteX0" fmla="*/ 0 w 3341155"/>
+                <a:gd name="connsiteY0" fmla="*/ 5053133 h 5053133"/>
+                <a:gd name="connsiteX1" fmla="*/ 1670578 w 3341155"/>
+                <a:gd name="connsiteY1" fmla="*/ 0 h 5053133"/>
+                <a:gd name="connsiteX2" fmla="*/ 3341155 w 3341155"/>
+                <a:gd name="connsiteY2" fmla="*/ 5053133 h 5053133"/>
+                <a:gd name="connsiteX3" fmla="*/ 0 w 3341155"/>
+                <a:gd name="connsiteY3" fmla="*/ 5053133 h 5053133"/>
+                <a:gd name="connsiteX0" fmla="*/ 0 w 3341155"/>
+                <a:gd name="connsiteY0" fmla="*/ 5054349 h 5054349"/>
+                <a:gd name="connsiteX1" fmla="*/ 1670578 w 3341155"/>
+                <a:gd name="connsiteY1" fmla="*/ 1216 h 5054349"/>
+                <a:gd name="connsiteX2" fmla="*/ 3341155 w 3341155"/>
+                <a:gd name="connsiteY2" fmla="*/ 5054349 h 5054349"/>
+                <a:gd name="connsiteX3" fmla="*/ 0 w 3341155"/>
+                <a:gd name="connsiteY3" fmla="*/ 5054349 h 5054349"/>
+                <a:gd name="connsiteX0" fmla="*/ 0 w 3341155"/>
+                <a:gd name="connsiteY0" fmla="*/ 5054932 h 5054932"/>
+                <a:gd name="connsiteX1" fmla="*/ 1670578 w 3341155"/>
+                <a:gd name="connsiteY1" fmla="*/ 1799 h 5054932"/>
+                <a:gd name="connsiteX2" fmla="*/ 3341155 w 3341155"/>
+                <a:gd name="connsiteY2" fmla="*/ 5054932 h 5054932"/>
+                <a:gd name="connsiteX3" fmla="*/ 0 w 3341155"/>
+                <a:gd name="connsiteY3" fmla="*/ 5054932 h 5054932"/>
+                <a:gd name="connsiteX0" fmla="*/ 0 w 3341155"/>
+                <a:gd name="connsiteY0" fmla="*/ 5054932 h 5054932"/>
+                <a:gd name="connsiteX1" fmla="*/ 1670578 w 3341155"/>
+                <a:gd name="connsiteY1" fmla="*/ 1799 h 5054932"/>
+                <a:gd name="connsiteX2" fmla="*/ 3341155 w 3341155"/>
+                <a:gd name="connsiteY2" fmla="*/ 5054932 h 5054932"/>
+                <a:gd name="connsiteX3" fmla="*/ 0 w 3341155"/>
+                <a:gd name="connsiteY3" fmla="*/ 5054932 h 5054932"/>
+              </a:gdLst>
+              <a:ahLst/>
+              <a:cxnLst>
+                <a:cxn ang="0">
+                  <a:pos x="connsiteX0" y="connsiteY0"/>
+                </a:cxn>
+                <a:cxn ang="0">
+                  <a:pos x="connsiteX1" y="connsiteY1"/>
+                </a:cxn>
+                <a:cxn ang="0">
+                  <a:pos x="connsiteX2" y="connsiteY2"/>
+                </a:cxn>
+                <a:cxn ang="0">
+                  <a:pos x="connsiteX3" y="connsiteY3"/>
+                </a:cxn>
+              </a:cxnLst>
+              <a:rect l="l" t="t" r="r" b="b"/>
+              <a:pathLst>
+                <a:path w="3341155" h="5054932">
+                  <a:moveTo>
+                    <a:pt x="0" y="5054932"/>
+                  </a:moveTo>
+                  <a:cubicBezTo>
+                    <a:pt x="556859" y="3370554"/>
+                    <a:pt x="1547106" y="-90235"/>
+                    <a:pt x="1670578" y="1799"/>
+                  </a:cubicBezTo>
+                  <a:cubicBezTo>
+                    <a:pt x="1801193" y="-87854"/>
+                    <a:pt x="2784296" y="3370554"/>
+                    <a:pt x="3341155" y="5054932"/>
+                  </a:cubicBezTo>
+                  <a:lnTo>
+                    <a:pt x="0" y="5054932"/>
+                  </a:lnTo>
+                  <a:close/>
+                </a:path>
+              </a:pathLst>
+            </a:custGeom>
+            <a:gradFill>
+              <a:gsLst>
+                <a:gs pos="70000">
+                  <a:srgbClr val="000000">
+                    <a:alpha val="8000"/>
+                  </a:srgbClr>
+                </a:gs>
+                <a:gs pos="50000">
+                  <a:srgbClr val="000000">
+                    <a:alpha val="4000"/>
+                  </a:srgbClr>
+                </a:gs>
+                <a:gs pos="30000">
+                  <a:schemeClr val="tx1">
+                    <a:alpha val="0"/>
+                  </a:schemeClr>
+                </a:gs>
+                <a:gs pos="100000">
+                  <a:schemeClr val="tx1">
+                    <a:lumMod val="85000"/>
+                    <a:lumOff val="15000"/>
+                    <a:alpha val="30000"/>
+                  </a:schemeClr>
+                </a:gs>
+              </a:gsLst>
+              <a:lin ang="5400000" scaled="1"/>
+            </a:gradFill>
+            <a:ln>
+              <a:noFill/>
+            </a:ln>
+            <a:effectLst>
+              <a:softEdge rad="63500"/>
+            </a:effectLst>
+          </p:spPr>
+          <p:style>
+            <a:lnRef idx="2">
+              <a:schemeClr val="accent1">
+                <a:shade val="50000"/>
+              </a:schemeClr>
+            </a:lnRef>
+            <a:fillRef idx="1">
+              <a:schemeClr val="accent1"/>
+            </a:fillRef>
+            <a:effectRef idx="0">
+              <a:schemeClr val="accent1"/>
+            </a:effectRef>
+            <a:fontRef idx="minor">
+              <a:schemeClr val="lt1"/>
+            </a:fontRef>
+          </p:style>
+          <p:txBody>
+            <a:bodyPr rtlCol="0" anchor="ctr"/>
+            <a:lstStyle/>
+            <a:p>
+              <a:pPr algn="ctr"/>
+              <a:endParaRPr lang="zh-CN" altLang="en-US">
+                <a:solidFill>
+                  <a:prstClr val="white"/>
+                </a:solidFill>
+                <a:cs typeface="+mn-ea"/>
+                <a:sym typeface="+mn-lt"/>
+              </a:endParaRPr>
+            </a:p>
+          </p:txBody>
+        </p:sp>
+        <p:sp>
+          <p:nvSpPr>
+            <p:cNvPr id="17" name="椭圆 16"/>
+            <p:cNvSpPr>
+              <a:spLocks noChangeAspect="1"/>
+            </p:cNvSpPr>
+            <p:nvPr/>
+          </p:nvSpPr>
+          <p:spPr>
+            <a:xfrm>
+              <a:off x="648010" y="2415605"/>
+              <a:ext cx="971992" cy="972000"/>
+            </a:xfrm>
+            <a:prstGeom prst="ellipse">
+              <a:avLst/>
+            </a:prstGeom>
+            <a:gradFill>
+              <a:gsLst>
+                <a:gs pos="1000">
+                  <a:schemeClr val="accent4">
+                    <a:lumMod val="20000"/>
+                    <a:lumOff val="80000"/>
+                  </a:schemeClr>
+                </a:gs>
+                <a:gs pos="60000">
+                  <a:srgbClr val="009999"/>
+                </a:gs>
+                <a:gs pos="100000">
+                  <a:srgbClr val="009999"/>
+                </a:gs>
+              </a:gsLst>
+              <a:lin ang="5400000" scaled="1"/>
+            </a:gradFill>
+            <a:ln w="25400">
+              <a:noFill/>
+            </a:ln>
+            <a:effectLst>
+              <a:outerShdw blurRad="254000" dist="63500" dir="5400000" algn="t" rotWithShape="0">
+                <a:prstClr val="black">
+                  <a:alpha val="30000"/>
+                </a:prstClr>
+              </a:outerShdw>
+            </a:effectLst>
+          </p:spPr>
+          <p:style>
+            <a:lnRef idx="2">
+              <a:schemeClr val="accent1">
+                <a:shade val="50000"/>
+              </a:schemeClr>
+            </a:lnRef>
+            <a:fillRef idx="1">
+              <a:schemeClr val="accent1"/>
+            </a:fillRef>
+            <a:effectRef idx="0">
+              <a:schemeClr val="accent1"/>
+            </a:effectRef>
+            <a:fontRef idx="minor">
+              <a:schemeClr val="lt1"/>
+            </a:fontRef>
+          </p:style>
+          <p:txBody>
+            <a:bodyPr rtlCol="0" anchor="ctr"/>
+            <a:lstStyle/>
+            <a:p>
+              <a:pPr algn="ctr"/>
+              <a:endParaRPr lang="zh-CN" altLang="en-US">
+                <a:solidFill>
+                  <a:prstClr val="white"/>
+                </a:solidFill>
+                <a:cs typeface="+mn-ea"/>
+                <a:sym typeface="+mn-lt"/>
+              </a:endParaRPr>
+            </a:p>
+          </p:txBody>
+        </p:sp>
+      </p:grpSp>
+      <p:sp>
+        <p:nvSpPr>
+          <p:cNvPr id="24" name="文本框 23"/>
+          <p:cNvSpPr txBox="1"/>
+          <p:nvPr>
+            <p:custDataLst>
+              <p:tags r:id="rId6"/>
+            </p:custDataLst>
+          </p:nvPr>
+        </p:nvSpPr>
+        <p:spPr>
+          <a:xfrm>
+            <a:off x="5088961" y="2617990"/>
+            <a:ext cx="6145850" cy="830997"/>
+          </a:xfrm>
+          <a:prstGeom prst="rect">
+            <a:avLst/>
+          </a:prstGeom>
+          <a:noFill/>
+          <a:effectLst>
+            <a:outerShdw dist="25400" dir="5400000" algn="t" rotWithShape="0">
+              <a:schemeClr val="bg1">
+                <a:alpha val="40000"/>
+              </a:schemeClr>
+            </a:outerShdw>
+          </a:effectLst>
+        </p:spPr>
+        <p:txBody>
+          <a:bodyPr wrap="none" rtlCol="0" anchor="b" anchorCtr="0">
+            <a:spAutoFit/>
+          </a:bodyPr>
+          <a:lstStyle>
+            <a:defPPr>
+              <a:defRPr lang="zh-CN"/>
+            </a:defPPr>
+            <a:lvl1pPr>
+              <a:defRPr sz="3600" b="1">
+                <a:solidFill>
+                  <a:schemeClr val="accent1">
+                    <a:lumMod val="75000"/>
+                  </a:schemeClr>
+                </a:solidFill>
+                <a:effectLst>
+                  <a:innerShdw blurRad="127000" dist="63500" dir="16200000">
+                    <a:prstClr val="black">
+                      <a:alpha val="50000"/>
+                    </a:prstClr>
+                  </a:innerShdw>
+                </a:effectLst>
+                <a:latin typeface="微软雅黑"/>
+                <a:ea typeface="微软雅黑"/>
+              </a:defRPr>
+            </a:lvl1pPr>
+          </a:lstStyle>
+          <a:p>
+            <a:pPr algn="ctr"/>
+            <a:r>
+              <a:rPr lang="en-US" sz="4800" dirty="0">
+                <a:solidFill>
+                  <a:srgbClr val="009999"/>
+                </a:solidFill>
+                <a:effectLst/>
+                <a:latin typeface="+mj-ea"/>
+                <a:ea typeface="+mj-ea"/>
+              </a:rPr>
+              <a:t>Python Application</a:t>
+            </a:r>
+          </a:p>
+        </p:txBody>
+      </p:sp>
+    </p:spTree>
+    <p:extLst>
+      <p:ext uri="{BB962C8B-B14F-4D97-AF65-F5344CB8AC3E}">
+        <p14:creationId xmlns:p14="http://schemas.microsoft.com/office/powerpoint/2010/main" val="1491481288"/>
+      </p:ext>
+    </p:extLst>
+  </p:cSld>
+  <p:clrMapOvr>
+    <a:masterClrMapping/>
+  </p:clrMapOvr>
+  <mc:AlternateContent xmlns:mc="http://schemas.openxmlformats.org/markup-compatibility/2006" xmlns:p14="http://schemas.microsoft.com/office/powerpoint/2010/main">
+    <mc:Choice Requires="p14">
+      <p:transition spd="slow" p14:dur="3900">
+        <p14:glitter pattern="hexagon"/>
+      </p:transition>
+    </mc:Choice>
+    <mc:Fallback xmlns="">
+      <p:transition spd="slow">
+        <p:fade/>
+      </p:transition>
+    </mc:Fallback>
+  </mc:AlternateContent>
+  <p:timing>
+    <p:tnLst>
+      <p:par>
+        <p:cTn id="1" dur="indefinite" restart="never" nodeType="tmRoot">
+          <p:childTnLst>
+            <p:seq concurrent="1" nextAc="seek">
+              <p:cTn id="2" dur="indefinite" nodeType="mainSeq">
+                <p:childTnLst>
+                  <p:par>
+                    <p:cTn id="3" fill="hold">
+                      <p:stCondLst>
+                        <p:cond delay="indefinite"/>
+                        <p:cond evt="onBegin" delay="0">
+                          <p:tn val="2"/>
+                        </p:cond>
+                      </p:stCondLst>
+                      <p:childTnLst>
+                        <p:par>
+                          <p:cTn id="4" fill="hold">
+                            <p:stCondLst>
+                              <p:cond delay="0"/>
+                            </p:stCondLst>
+                            <p:childTnLst>
+                              <p:par>
+                                <p:cTn id="5" presetID="2" presetClass="entr" presetSubtype="4" decel="100000" fill="hold" nodeType="withEffect">
+                                  <p:stCondLst>
+                                    <p:cond delay="0"/>
+                                  </p:stCondLst>
+                                  <p:childTnLst>
+                                    <p:set>
+                                      <p:cBhvr>
+                                        <p:cTn id="6" dur="1" fill="hold">
+                                          <p:stCondLst>
+                                            <p:cond delay="0"/>
+                                          </p:stCondLst>
+                                        </p:cTn>
+                                        <p:tgtEl>
+                                          <p:spTgt spid="9"/>
+                                        </p:tgtEl>
+                                        <p:attrNameLst>
+                                          <p:attrName>style.visibility</p:attrName>
+                                        </p:attrNameLst>
+                                      </p:cBhvr>
+                                      <p:to>
+                                        <p:strVal val="visible"/>
+                                      </p:to>
+                                    </p:set>
+                                    <p:anim calcmode="lin" valueType="num">
+                                      <p:cBhvr additive="base">
+                                        <p:cTn id="7" dur="1250" fill="hold"/>
+                                        <p:tgtEl>
+                                          <p:spTgt spid="9"/>
+                                        </p:tgtEl>
+                                        <p:attrNameLst>
+                                          <p:attrName>ppt_x</p:attrName>
+                                        </p:attrNameLst>
+                                      </p:cBhvr>
+                                      <p:tavLst>
+                                        <p:tav tm="0">
+                                          <p:val>
+                                            <p:strVal val="#ppt_x"/>
+                                          </p:val>
+                                        </p:tav>
+                                        <p:tav tm="100000">
+                                          <p:val>
+                                            <p:strVal val="#ppt_x"/>
+                                          </p:val>
+                                        </p:tav>
+                                      </p:tavLst>
+                                    </p:anim>
+                                    <p:anim calcmode="lin" valueType="num">
+                                      <p:cBhvr additive="base">
+                                        <p:cTn id="8" dur="1250" fill="hold"/>
+                                        <p:tgtEl>
+                                          <p:spTgt spid="9"/>
+                                        </p:tgtEl>
+                                        <p:attrNameLst>
+                                          <p:attrName>ppt_y</p:attrName>
+                                        </p:attrNameLst>
+                                      </p:cBhvr>
+                                      <p:tavLst>
+                                        <p:tav tm="0">
+                                          <p:val>
+                                            <p:strVal val="1+#ppt_h/2"/>
+                                          </p:val>
+                                        </p:tav>
+                                        <p:tav tm="100000">
+                                          <p:val>
+                                            <p:strVal val="#ppt_y"/>
+                                          </p:val>
+                                        </p:tav>
+                                      </p:tavLst>
+                                    </p:anim>
+                                  </p:childTnLst>
+                                </p:cTn>
+                              </p:par>
+                              <p:par>
+                                <p:cTn id="9" presetID="2" presetClass="entr" presetSubtype="4" decel="100000" fill="hold" nodeType="withEffect">
+                                  <p:stCondLst>
+                                    <p:cond delay="250"/>
+                                  </p:stCondLst>
+                                  <p:childTnLst>
+                                    <p:set>
+                                      <p:cBhvr>
+                                        <p:cTn id="10" dur="1" fill="hold">
+                                          <p:stCondLst>
+                                            <p:cond delay="0"/>
+                                          </p:stCondLst>
+                                        </p:cTn>
+                                        <p:tgtEl>
+                                          <p:spTgt spid="15"/>
+                                        </p:tgtEl>
+                                        <p:attrNameLst>
+                                          <p:attrName>style.visibility</p:attrName>
+                                        </p:attrNameLst>
+                                      </p:cBhvr>
+                                      <p:to>
+                                        <p:strVal val="visible"/>
+                                      </p:to>
+                                    </p:set>
+                                    <p:anim calcmode="lin" valueType="num">
+                                      <p:cBhvr additive="base">
+                                        <p:cTn id="11" dur="1250" fill="hold"/>
+                                        <p:tgtEl>
+                                          <p:spTgt spid="15"/>
+                                        </p:tgtEl>
+                                        <p:attrNameLst>
+                                          <p:attrName>ppt_x</p:attrName>
+                                        </p:attrNameLst>
+                                      </p:cBhvr>
+                                      <p:tavLst>
+                                        <p:tav tm="0">
+                                          <p:val>
+                                            <p:strVal val="#ppt_x"/>
+                                          </p:val>
+                                        </p:tav>
+                                        <p:tav tm="100000">
+                                          <p:val>
+                                            <p:strVal val="#ppt_x"/>
+                                          </p:val>
+                                        </p:tav>
+                                      </p:tavLst>
+                                    </p:anim>
+                                    <p:anim calcmode="lin" valueType="num">
+                                      <p:cBhvr additive="base">
+                                        <p:cTn id="12" dur="1250" fill="hold"/>
+                                        <p:tgtEl>
+                                          <p:spTgt spid="15"/>
+                                        </p:tgtEl>
+                                        <p:attrNameLst>
+                                          <p:attrName>ppt_y</p:attrName>
+                                        </p:attrNameLst>
+                                      </p:cBhvr>
+                                      <p:tavLst>
+                                        <p:tav tm="0">
+                                          <p:val>
+                                            <p:strVal val="1+#ppt_h/2"/>
+                                          </p:val>
+                                        </p:tav>
+                                        <p:tav tm="100000">
+                                          <p:val>
+                                            <p:strVal val="#ppt_y"/>
+                                          </p:val>
+                                        </p:tav>
+                                      </p:tavLst>
+                                    </p:anim>
+                                  </p:childTnLst>
+                                </p:cTn>
+                              </p:par>
+                              <p:par>
+                                <p:cTn id="13" presetID="2" presetClass="entr" presetSubtype="4" decel="100000" fill="hold" nodeType="withEffect">
+                                  <p:stCondLst>
+                                    <p:cond delay="500"/>
+                                  </p:stCondLst>
+                                  <p:childTnLst>
+                                    <p:set>
+                                      <p:cBhvr>
+                                        <p:cTn id="14" dur="1" fill="hold">
+                                          <p:stCondLst>
+                                            <p:cond delay="0"/>
+                                          </p:stCondLst>
+                                        </p:cTn>
+                                        <p:tgtEl>
+                                          <p:spTgt spid="3"/>
+                                        </p:tgtEl>
+                                        <p:attrNameLst>
+                                          <p:attrName>style.visibility</p:attrName>
+                                        </p:attrNameLst>
+                                      </p:cBhvr>
+                                      <p:to>
+                                        <p:strVal val="visible"/>
+                                      </p:to>
+                                    </p:set>
+                                    <p:anim calcmode="lin" valueType="num">
+                                      <p:cBhvr additive="base">
+                                        <p:cTn id="15" dur="1250" fill="hold"/>
+                                        <p:tgtEl>
+                                          <p:spTgt spid="3"/>
+                                        </p:tgtEl>
+                                        <p:attrNameLst>
+                                          <p:attrName>ppt_x</p:attrName>
+                                        </p:attrNameLst>
+                                      </p:cBhvr>
+                                      <p:tavLst>
+                                        <p:tav tm="0">
+                                          <p:val>
+                                            <p:strVal val="#ppt_x"/>
+                                          </p:val>
+                                        </p:tav>
+                                        <p:tav tm="100000">
+                                          <p:val>
+                                            <p:strVal val="#ppt_x"/>
+                                          </p:val>
+                                        </p:tav>
+                                      </p:tavLst>
+                                    </p:anim>
+                                    <p:anim calcmode="lin" valueType="num">
+                                      <p:cBhvr additive="base">
+                                        <p:cTn id="16" dur="1250" fill="hold"/>
+                                        <p:tgtEl>
+                                          <p:spTgt spid="3"/>
+                                        </p:tgtEl>
+                                        <p:attrNameLst>
+                                          <p:attrName>ppt_y</p:attrName>
+                                        </p:attrNameLst>
+                                      </p:cBhvr>
+                                      <p:tavLst>
+                                        <p:tav tm="0">
+                                          <p:val>
+                                            <p:strVal val="1+#ppt_h/2"/>
+                                          </p:val>
+                                        </p:tav>
+                                        <p:tav tm="100000">
+                                          <p:val>
+                                            <p:strVal val="#ppt_y"/>
+                                          </p:val>
+                                        </p:tav>
+                                      </p:tavLst>
+                                    </p:anim>
+                                  </p:childTnLst>
+                                </p:cTn>
+                              </p:par>
+                              <p:par>
+                                <p:cTn id="17" presetID="2" presetClass="entr" presetSubtype="4" decel="100000" fill="hold" nodeType="withEffect">
+                                  <p:stCondLst>
+                                    <p:cond delay="750"/>
+                                  </p:stCondLst>
+                                  <p:childTnLst>
+                                    <p:set>
+                                      <p:cBhvr>
+                                        <p:cTn id="18" dur="1" fill="hold">
+                                          <p:stCondLst>
+                                            <p:cond delay="0"/>
+                                          </p:stCondLst>
+                                        </p:cTn>
+                                        <p:tgtEl>
+                                          <p:spTgt spid="12"/>
+                                        </p:tgtEl>
+                                        <p:attrNameLst>
+                                          <p:attrName>style.visibility</p:attrName>
+                                        </p:attrNameLst>
+                                      </p:cBhvr>
+                                      <p:to>
+                                        <p:strVal val="visible"/>
+                                      </p:to>
+                                    </p:set>
+                                    <p:anim calcmode="lin" valueType="num">
+                                      <p:cBhvr additive="base">
+                                        <p:cTn id="19" dur="1250" fill="hold"/>
+                                        <p:tgtEl>
+                                          <p:spTgt spid="12"/>
+                                        </p:tgtEl>
+                                        <p:attrNameLst>
+                                          <p:attrName>ppt_x</p:attrName>
+                                        </p:attrNameLst>
+                                      </p:cBhvr>
+                                      <p:tavLst>
+                                        <p:tav tm="0">
+                                          <p:val>
+                                            <p:strVal val="#ppt_x"/>
+                                          </p:val>
+                                        </p:tav>
+                                        <p:tav tm="100000">
+                                          <p:val>
+                                            <p:strVal val="#ppt_x"/>
+                                          </p:val>
+                                        </p:tav>
+                                      </p:tavLst>
+                                    </p:anim>
+                                    <p:anim calcmode="lin" valueType="num">
+                                      <p:cBhvr additive="base">
+                                        <p:cTn id="20" dur="1250" fill="hold"/>
+                                        <p:tgtEl>
+                                          <p:spTgt spid="12"/>
+                                        </p:tgtEl>
+                                        <p:attrNameLst>
+                                          <p:attrName>ppt_y</p:attrName>
+                                        </p:attrNameLst>
+                                      </p:cBhvr>
+                                      <p:tavLst>
+                                        <p:tav tm="0">
+                                          <p:val>
+                                            <p:strVal val="1+#ppt_h/2"/>
+                                          </p:val>
+                                        </p:tav>
+                                        <p:tav tm="100000">
+                                          <p:val>
+                                            <p:strVal val="#ppt_y"/>
+                                          </p:val>
+                                        </p:tav>
+                                      </p:tavLst>
+                                    </p:anim>
+                                  </p:childTnLst>
+                                </p:cTn>
+                              </p:par>
+                              <p:par>
+                                <p:cTn id="21" presetID="2" presetClass="entr" presetSubtype="4" decel="100000" fill="hold" nodeType="withEffect">
+                                  <p:stCondLst>
+                                    <p:cond delay="1000"/>
+                                  </p:stCondLst>
+                                  <p:childTnLst>
+                                    <p:set>
+                                      <p:cBhvr>
+                                        <p:cTn id="22" dur="1" fill="hold">
+                                          <p:stCondLst>
+                                            <p:cond delay="0"/>
+                                          </p:stCondLst>
+                                        </p:cTn>
+                                        <p:tgtEl>
+                                          <p:spTgt spid="6"/>
+                                        </p:tgtEl>
+                                        <p:attrNameLst>
+                                          <p:attrName>style.visibility</p:attrName>
+                                        </p:attrNameLst>
+                                      </p:cBhvr>
+                                      <p:to>
+                                        <p:strVal val="visible"/>
+                                      </p:to>
+                                    </p:set>
+                                    <p:anim calcmode="lin" valueType="num">
+                                      <p:cBhvr additive="base">
+                                        <p:cTn id="23" dur="1250" fill="hold"/>
+                                        <p:tgtEl>
+                                          <p:spTgt spid="6"/>
+                                        </p:tgtEl>
+                                        <p:attrNameLst>
+                                          <p:attrName>ppt_x</p:attrName>
+                                        </p:attrNameLst>
+                                      </p:cBhvr>
+                                      <p:tavLst>
+                                        <p:tav tm="0">
+                                          <p:val>
+                                            <p:strVal val="#ppt_x"/>
+                                          </p:val>
+                                        </p:tav>
+                                        <p:tav tm="100000">
+                                          <p:val>
+                                            <p:strVal val="#ppt_x"/>
+                                          </p:val>
+                                        </p:tav>
+                                      </p:tavLst>
+                                    </p:anim>
+                                    <p:anim calcmode="lin" valueType="num">
+                                      <p:cBhvr additive="base">
+                                        <p:cTn id="24" dur="1250" fill="hold"/>
+                                        <p:tgtEl>
+                                          <p:spTgt spid="6"/>
+                                        </p:tgtEl>
+                                        <p:attrNameLst>
+                                          <p:attrName>ppt_y</p:attrName>
+                                        </p:attrNameLst>
+                                      </p:cBhvr>
+                                      <p:tavLst>
+                                        <p:tav tm="0">
+                                          <p:val>
+                                            <p:strVal val="1+#ppt_h/2"/>
+                                          </p:val>
+                                        </p:tav>
+                                        <p:tav tm="100000">
+                                          <p:val>
+                                            <p:strVal val="#ppt_y"/>
+                                          </p:val>
+                                        </p:tav>
+                                      </p:tavLst>
+                                    </p:anim>
+                                  </p:childTnLst>
+                                </p:cTn>
+                              </p:par>
+                              <p:par>
+                                <p:cTn id="25" presetID="2" presetClass="entr" presetSubtype="2" decel="100000" fill="hold" grpId="0" nodeType="withEffect">
+                                  <p:stCondLst>
+                                    <p:cond delay="1000"/>
+                                  </p:stCondLst>
+                                  <p:childTnLst>
+                                    <p:set>
+                                      <p:cBhvr>
+                                        <p:cTn id="26" dur="1" fill="hold">
+                                          <p:stCondLst>
+                                            <p:cond delay="0"/>
+                                          </p:stCondLst>
+                                        </p:cTn>
+                                        <p:tgtEl>
+                                          <p:spTgt spid="24"/>
+                                        </p:tgtEl>
+                                        <p:attrNameLst>
+                                          <p:attrName>style.visibility</p:attrName>
+                                        </p:attrNameLst>
+                                      </p:cBhvr>
+                                      <p:to>
+                                        <p:strVal val="visible"/>
+                                      </p:to>
+                                    </p:set>
+                                    <p:anim calcmode="lin" valueType="num">
+                                      <p:cBhvr additive="base">
+                                        <p:cTn id="27" dur="1500" fill="hold"/>
+                                        <p:tgtEl>
+                                          <p:spTgt spid="24"/>
+                                        </p:tgtEl>
+                                        <p:attrNameLst>
+                                          <p:attrName>ppt_x</p:attrName>
+                                        </p:attrNameLst>
+                                      </p:cBhvr>
+                                      <p:tavLst>
+                                        <p:tav tm="0">
+                                          <p:val>
+                                            <p:strVal val="1+#ppt_w/2"/>
+                                          </p:val>
+                                        </p:tav>
+                                        <p:tav tm="100000">
+                                          <p:val>
+                                            <p:strVal val="#ppt_x"/>
+                                          </p:val>
+                                        </p:tav>
+                                      </p:tavLst>
+                                    </p:anim>
+                                    <p:anim calcmode="lin" valueType="num">
+                                      <p:cBhvr additive="base">
+                                        <p:cTn id="28" dur="1500" fill="hold"/>
+                                        <p:tgtEl>
+                                          <p:spTgt spid="24"/>
+                                        </p:tgtEl>
+                                        <p:attrNameLst>
+                                          <p:attrName>ppt_y</p:attrName>
+                                        </p:attrNameLst>
+                                      </p:cBhvr>
+                                      <p:tavLst>
+                                        <p:tav tm="0">
+                                          <p:val>
+                                            <p:strVal val="#ppt_y"/>
+                                          </p:val>
+                                        </p:tav>
+                                        <p:tav tm="100000">
+                                          <p:val>
+                                            <p:strVal val="#ppt_y"/>
+                                          </p:val>
+                                        </p:tav>
+                                      </p:tavLst>
+                                    </p:anim>
+                                  </p:childTnLst>
+                                </p:cTn>
+                              </p:par>
+                            </p:childTnLst>
+                          </p:cTn>
+                        </p:par>
+                      </p:childTnLst>
+                    </p:cTn>
+                  </p:par>
+                </p:childTnLst>
+              </p:cTn>
+              <p:prevCondLst>
+                <p:cond evt="onPrev" delay="0">
+                  <p:tgtEl>
+                    <p:sldTgt/>
+                  </p:tgtEl>
+                </p:cond>
+              </p:prevCondLst>
+              <p:nextCondLst>
+                <p:cond evt="onNext" delay="0">
+                  <p:tgtEl>
+                    <p:sldTgt/>
+                  </p:tgtEl>
+                </p:cond>
+              </p:nextCondLst>
+            </p:seq>
+          </p:childTnLst>
+        </p:cTn>
+      </p:par>
+    </p:tnLst>
+    <p:bldLst>
+      <p:bldP spid="24" grpId="0"/>
+    </p:bldLst>
+  </p:timing>
+</p:sld>
+</file>
+
 <file path=ppt/slides/slide3.xml><?xml version="1.0" encoding="utf-8"?>
 <p:sld xmlns:a="http://schemas.openxmlformats.org/drawingml/2006/main" xmlns:r="http://schemas.openxmlformats.org/officeDocument/2006/relationships" xmlns:p="http://schemas.openxmlformats.org/presentationml/2006/main">
   <p:cSld>
@@ -34734,7 +30174,7 @@
           </a:ln>
           <a:extLst>
             <a:ext uri="{C572A759-6A51-4108-AA02-DFA0A04FC94B}">
-              <ma14:wrappingTextBoxFlag xmlns="" xmlns:ma14="http://schemas.microsoft.com/office/mac/drawingml/2011/main" val="1"/>
+              <ma14:wrappingTextBoxFlag xmlns:ma14="http://schemas.microsoft.com/office/mac/drawingml/2011/main" xmlns="" val="1"/>
             </a:ext>
           </a:extLst>
         </p:spPr>
@@ -35117,7 +30557,7 @@
           </a:ln>
           <a:extLst>
             <a:ext uri="{C572A759-6A51-4108-AA02-DFA0A04FC94B}">
-              <ma14:wrappingTextBoxFlag xmlns:ma14="http://schemas.microsoft.com/office/mac/drawingml/2011/main" xmlns="" val="1"/>
+              <ma14:wrappingTextBoxFlag xmlns="" xmlns:ma14="http://schemas.microsoft.com/office/mac/drawingml/2011/main" val="1"/>
             </a:ext>
           </a:extLst>
         </p:spPr>
